--- a/docs/how-to-usrp.pptx
+++ b/docs/how-to-usrp.pptx
@@ -5,7 +5,7 @@
     <p:sldMasterId id="2147483648" r:id="rId1"/>
   </p:sldMasterIdLst>
   <p:notesMasterIdLst>
-    <p:notesMasterId r:id="rId53"/>
+    <p:notesMasterId r:id="rId56"/>
   </p:notesMasterIdLst>
   <p:sldIdLst>
     <p:sldId id="256" r:id="rId2"/>
@@ -59,6 +59,9 @@
     <p:sldId id="872" r:id="rId50"/>
     <p:sldId id="866" r:id="rId51"/>
     <p:sldId id="869" r:id="rId52"/>
+    <p:sldId id="887" r:id="rId53"/>
+    <p:sldId id="919" r:id="rId54"/>
+    <p:sldId id="921" r:id="rId55"/>
   </p:sldIdLst>
   <p:sldSz cx="12192000" cy="6858000"/>
   <p:notesSz cx="6858000" cy="9144000"/>
@@ -235,6 +238,13 @@
             <p14:sldId id="869"/>
           </p14:sldIdLst>
         </p14:section>
+        <p14:section name="Practical stuff" id="{8AEBAFB7-F4D7-4C04-A70B-3F1FE1512424}">
+          <p14:sldIdLst>
+            <p14:sldId id="887"/>
+            <p14:sldId id="919"/>
+            <p14:sldId id="921"/>
+          </p14:sldIdLst>
+        </p14:section>
       </p14:sectionLst>
     </p:ext>
     <p:ext uri="{EFAFB233-063F-42B5-8137-9DF3F51BA10A}">
@@ -413,7 +423,7 @@
           <a:p>
             <a:fld id="{7A71371E-0AB0-4E1B-9F79-83C8F32365BE}" type="datetimeFigureOut">
               <a:rPr lang="en-US" smtClean="0"/>
-              <a:t>2/14/2024</a:t>
+              <a:t>4/9/2024</a:t>
             </a:fld>
             <a:endParaRPr lang="en-US"/>
           </a:p>
@@ -1704,6 +1714,21 @@
           <a:p>
             <a:r>
               <a:rPr lang="en-US" dirty="0"/>
+              <a:t>https://stackoverflow.com/questions/2360734/whats-a-good-directory-structure-for-larger-c-projects-using-makefile</a:t>
+            </a:r>
+          </a:p>
+          <a:p>
+            <a:r>
+              <a:rPr lang="en-US"/>
+              <a:t>https://www.open-std.org/jtc1/sc22/wg21/docs/papers/2018/p1204r0.html</a:t>
+            </a:r>
+          </a:p>
+          <a:p>
+            <a:endParaRPr lang="en-US"/>
+          </a:p>
+          <a:p>
+            <a:r>
+              <a:rPr lang="en-US" dirty="0"/>
               <a:t>https://stackoverflow.com/questions/8304190/cmake-with-include-and-source-paths-basic-setup</a:t>
             </a:r>
           </a:p>
@@ -1850,6 +1875,105 @@
 </p:notes>
 </file>
 
+<file path=ppt/notesSlides/notesSlide20.xml><?xml version="1.0" encoding="utf-8"?>
+<p:notes xmlns:a="http://schemas.openxmlformats.org/drawingml/2006/main" xmlns:r="http://schemas.openxmlformats.org/officeDocument/2006/relationships" xmlns:p="http://schemas.openxmlformats.org/presentationml/2006/main">
+  <p:cSld>
+    <p:spTree>
+      <p:nvGrpSpPr>
+        <p:cNvPr id="1" name=""/>
+        <p:cNvGrpSpPr/>
+        <p:nvPr/>
+      </p:nvGrpSpPr>
+      <p:grpSpPr>
+        <a:xfrm>
+          <a:off x="0" y="0"/>
+          <a:ext cx="0" cy="0"/>
+          <a:chOff x="0" y="0"/>
+          <a:chExt cx="0" cy="0"/>
+        </a:xfrm>
+      </p:grpSpPr>
+      <p:sp>
+        <p:nvSpPr>
+          <p:cNvPr id="2" name="Slide Image Placeholder 1"/>
+          <p:cNvSpPr>
+            <a:spLocks noGrp="1" noRot="1" noChangeAspect="1"/>
+          </p:cNvSpPr>
+          <p:nvPr>
+            <p:ph type="sldImg"/>
+          </p:nvPr>
+        </p:nvSpPr>
+        <p:spPr/>
+      </p:sp>
+      <p:sp>
+        <p:nvSpPr>
+          <p:cNvPr id="3" name="Notes Placeholder 2"/>
+          <p:cNvSpPr>
+            <a:spLocks noGrp="1"/>
+          </p:cNvSpPr>
+          <p:nvPr>
+            <p:ph type="body" idx="1"/>
+          </p:nvPr>
+        </p:nvSpPr>
+        <p:spPr/>
+        <p:txBody>
+          <a:bodyPr/>
+          <a:lstStyle/>
+          <a:p>
+            <a:r>
+              <a:rPr lang="en-US" dirty="0"/>
+              <a:t>https://www.everythingrf.com/rf-calculators/antenna-near-field-distance-calculator</a:t>
+            </a:r>
+          </a:p>
+          <a:p>
+            <a:r>
+              <a:rPr lang="en-US" dirty="0"/>
+              <a:t>https://www.antenna-theory.com/basics/radpattern.php</a:t>
+            </a:r>
+          </a:p>
+          <a:p>
+            <a:r>
+              <a:rPr lang="en-US" dirty="0"/>
+              <a:t>https://kb.ettus.com/images/2/2b/ettus_research_vert900_datasheet.pdf</a:t>
+            </a:r>
+          </a:p>
+        </p:txBody>
+      </p:sp>
+      <p:sp>
+        <p:nvSpPr>
+          <p:cNvPr id="4" name="Slide Number Placeholder 3"/>
+          <p:cNvSpPr>
+            <a:spLocks noGrp="1"/>
+          </p:cNvSpPr>
+          <p:nvPr>
+            <p:ph type="sldNum" sz="quarter" idx="5"/>
+          </p:nvPr>
+        </p:nvSpPr>
+        <p:spPr/>
+        <p:txBody>
+          <a:bodyPr/>
+          <a:lstStyle/>
+          <a:p>
+            <a:fld id="{CAA19DDD-B1BD-4DBB-A1A9-366082CC542B}" type="slidenum">
+              <a:rPr lang="en-US" smtClean="0"/>
+              <a:t>52</a:t>
+            </a:fld>
+            <a:endParaRPr lang="en-US"/>
+          </a:p>
+        </p:txBody>
+      </p:sp>
+    </p:spTree>
+    <p:extLst>
+      <p:ext uri="{BB962C8B-B14F-4D97-AF65-F5344CB8AC3E}">
+        <p14:creationId xmlns:p14="http://schemas.microsoft.com/office/powerpoint/2010/main" val="3378622665"/>
+      </p:ext>
+    </p:extLst>
+  </p:cSld>
+  <p:clrMapOvr>
+    <a:masterClrMapping/>
+  </p:clrMapOvr>
+</p:notes>
+</file>
+
 <file path=ppt/notesSlides/notesSlide3.xml><?xml version="1.0" encoding="utf-8"?>
 <p:notes xmlns:a="http://schemas.openxmlformats.org/drawingml/2006/main" xmlns:r="http://schemas.openxmlformats.org/officeDocument/2006/relationships" xmlns:p="http://schemas.openxmlformats.org/presentationml/2006/main">
   <p:cSld>
@@ -2665,7 +2789,7 @@
           <a:p>
             <a:fld id="{8C8B827B-D727-48E9-881C-E759228D42E3}" type="datetimeFigureOut">
               <a:rPr lang="en-US" smtClean="0"/>
-              <a:t>2/14/2024</a:t>
+              <a:t>4/9/2024</a:t>
             </a:fld>
             <a:endParaRPr lang="en-US"/>
           </a:p>
@@ -2863,7 +2987,7 @@
           <a:p>
             <a:fld id="{8C8B827B-D727-48E9-881C-E759228D42E3}" type="datetimeFigureOut">
               <a:rPr lang="en-US" smtClean="0"/>
-              <a:t>2/14/2024</a:t>
+              <a:t>4/9/2024</a:t>
             </a:fld>
             <a:endParaRPr lang="en-US"/>
           </a:p>
@@ -3071,7 +3195,7 @@
           <a:p>
             <a:fld id="{8C8B827B-D727-48E9-881C-E759228D42E3}" type="datetimeFigureOut">
               <a:rPr lang="en-US" smtClean="0"/>
-              <a:t>2/14/2024</a:t>
+              <a:t>4/9/2024</a:t>
             </a:fld>
             <a:endParaRPr lang="en-US"/>
           </a:p>
@@ -3554,7 +3678,7 @@
           <a:p>
             <a:fld id="{8C8B827B-D727-48E9-881C-E759228D42E3}" type="datetimeFigureOut">
               <a:rPr lang="en-US" smtClean="0"/>
-              <a:t>2/14/2024</a:t>
+              <a:t>4/9/2024</a:t>
             </a:fld>
             <a:endParaRPr lang="en-US"/>
           </a:p>
@@ -3829,7 +3953,7 @@
           <a:p>
             <a:fld id="{8C8B827B-D727-48E9-881C-E759228D42E3}" type="datetimeFigureOut">
               <a:rPr lang="en-US" smtClean="0"/>
-              <a:t>2/14/2024</a:t>
+              <a:t>4/9/2024</a:t>
             </a:fld>
             <a:endParaRPr lang="en-US"/>
           </a:p>
@@ -4094,7 +4218,7 @@
           <a:p>
             <a:fld id="{8C8B827B-D727-48E9-881C-E759228D42E3}" type="datetimeFigureOut">
               <a:rPr lang="en-US" smtClean="0"/>
-              <a:t>2/14/2024</a:t>
+              <a:t>4/9/2024</a:t>
             </a:fld>
             <a:endParaRPr lang="en-US"/>
           </a:p>
@@ -4506,7 +4630,7 @@
           <a:p>
             <a:fld id="{8C8B827B-D727-48E9-881C-E759228D42E3}" type="datetimeFigureOut">
               <a:rPr lang="en-US" smtClean="0"/>
-              <a:t>2/14/2024</a:t>
+              <a:t>4/9/2024</a:t>
             </a:fld>
             <a:endParaRPr lang="en-US"/>
           </a:p>
@@ -4647,7 +4771,7 @@
           <a:p>
             <a:fld id="{8C8B827B-D727-48E9-881C-E759228D42E3}" type="datetimeFigureOut">
               <a:rPr lang="en-US" smtClean="0"/>
-              <a:t>2/14/2024</a:t>
+              <a:t>4/9/2024</a:t>
             </a:fld>
             <a:endParaRPr lang="en-US"/>
           </a:p>
@@ -4760,7 +4884,7 @@
           <a:p>
             <a:fld id="{8C8B827B-D727-48E9-881C-E759228D42E3}" type="datetimeFigureOut">
               <a:rPr lang="en-US" smtClean="0"/>
-              <a:t>2/14/2024</a:t>
+              <a:t>4/9/2024</a:t>
             </a:fld>
             <a:endParaRPr lang="en-US"/>
           </a:p>
@@ -5071,7 +5195,7 @@
           <a:p>
             <a:fld id="{8C8B827B-D727-48E9-881C-E759228D42E3}" type="datetimeFigureOut">
               <a:rPr lang="en-US" smtClean="0"/>
-              <a:t>2/14/2024</a:t>
+              <a:t>4/9/2024</a:t>
             </a:fld>
             <a:endParaRPr lang="en-US"/>
           </a:p>
@@ -5359,7 +5483,7 @@
           <a:p>
             <a:fld id="{8C8B827B-D727-48E9-881C-E759228D42E3}" type="datetimeFigureOut">
               <a:rPr lang="en-US" smtClean="0"/>
-              <a:t>2/14/2024</a:t>
+              <a:t>4/9/2024</a:t>
             </a:fld>
             <a:endParaRPr lang="en-US"/>
           </a:p>
@@ -5600,7 +5724,7 @@
           <a:p>
             <a:fld id="{8C8B827B-D727-48E9-881C-E759228D42E3}" type="datetimeFigureOut">
               <a:rPr lang="en-US" smtClean="0"/>
-              <a:t>2/14/2024</a:t>
+              <a:t>4/9/2024</a:t>
             </a:fld>
             <a:endParaRPr lang="en-US"/>
           </a:p>
@@ -13993,6 +14117,530 @@
     <p:extLst>
       <p:ext uri="{BB962C8B-B14F-4D97-AF65-F5344CB8AC3E}">
         <p14:creationId xmlns:p14="http://schemas.microsoft.com/office/powerpoint/2010/main" val="3814779979"/>
+      </p:ext>
+    </p:extLst>
+  </p:cSld>
+  <p:clrMapOvr>
+    <a:masterClrMapping/>
+  </p:clrMapOvr>
+</p:sld>
+</file>
+
+<file path=ppt/slides/slide52.xml><?xml version="1.0" encoding="utf-8"?>
+<p:sld xmlns:a="http://schemas.openxmlformats.org/drawingml/2006/main" xmlns:r="http://schemas.openxmlformats.org/officeDocument/2006/relationships" xmlns:p="http://schemas.openxmlformats.org/presentationml/2006/main">
+  <p:cSld>
+    <p:spTree>
+      <p:nvGrpSpPr>
+        <p:cNvPr id="1" name=""/>
+        <p:cNvGrpSpPr/>
+        <p:nvPr/>
+      </p:nvGrpSpPr>
+      <p:grpSpPr>
+        <a:xfrm>
+          <a:off x="0" y="0"/>
+          <a:ext cx="0" cy="0"/>
+          <a:chOff x="0" y="0"/>
+          <a:chExt cx="0" cy="0"/>
+        </a:xfrm>
+      </p:grpSpPr>
+      <p:sp>
+        <p:nvSpPr>
+          <p:cNvPr id="2" name="Title 1">
+            <a:extLst>
+              <a:ext uri="{FF2B5EF4-FFF2-40B4-BE49-F238E27FC236}">
+                <a16:creationId xmlns:a16="http://schemas.microsoft.com/office/drawing/2014/main" id="{F4C454C9-957E-08D0-497A-D4E7854B08F7}"/>
+              </a:ext>
+            </a:extLst>
+          </p:cNvPr>
+          <p:cNvSpPr>
+            <a:spLocks noGrp="1"/>
+          </p:cNvSpPr>
+          <p:nvPr>
+            <p:ph type="title"/>
+          </p:nvPr>
+        </p:nvSpPr>
+        <p:spPr/>
+        <p:txBody>
+          <a:bodyPr/>
+          <a:lstStyle/>
+          <a:p>
+            <a:r>
+              <a:rPr lang="en-US" dirty="0"/>
+              <a:t>Antennas</a:t>
+            </a:r>
+          </a:p>
+        </p:txBody>
+      </p:sp>
+      <p:sp>
+        <p:nvSpPr>
+          <p:cNvPr id="3" name="Content Placeholder 2">
+            <a:extLst>
+              <a:ext uri="{FF2B5EF4-FFF2-40B4-BE49-F238E27FC236}">
+                <a16:creationId xmlns:a16="http://schemas.microsoft.com/office/drawing/2014/main" id="{45F0302D-89DF-B65D-622B-B0FD5EEF3171}"/>
+              </a:ext>
+            </a:extLst>
+          </p:cNvPr>
+          <p:cNvSpPr>
+            <a:spLocks noGrp="1"/>
+          </p:cNvSpPr>
+          <p:nvPr>
+            <p:ph idx="1"/>
+          </p:nvPr>
+        </p:nvSpPr>
+        <p:spPr>
+          <a:xfrm>
+            <a:off x="838200" y="1825625"/>
+            <a:ext cx="5062268" cy="4351338"/>
+          </a:xfrm>
+        </p:spPr>
+        <p:txBody>
+          <a:bodyPr/>
+          <a:lstStyle/>
+          <a:p>
+            <a:r>
+              <a:rPr lang="en-US" dirty="0"/>
+              <a:t>Make sure antennas are aligned</a:t>
+            </a:r>
+          </a:p>
+          <a:p>
+            <a:r>
+              <a:rPr lang="en-US" dirty="0"/>
+              <a:t>Check antenna datasheets and make sure they are compatible with your </a:t>
+            </a:r>
+            <a:r>
+              <a:rPr lang="en-US" dirty="0" err="1"/>
+              <a:t>tx</a:t>
+            </a:r>
+            <a:r>
+              <a:rPr lang="en-US" dirty="0"/>
+              <a:t> frequency </a:t>
+            </a:r>
+          </a:p>
+        </p:txBody>
+      </p:sp>
+      <p:pic>
+        <p:nvPicPr>
+          <p:cNvPr id="7" name="Picture 6">
+            <a:extLst>
+              <a:ext uri="{FF2B5EF4-FFF2-40B4-BE49-F238E27FC236}">
+                <a16:creationId xmlns:a16="http://schemas.microsoft.com/office/drawing/2014/main" id="{01EC5783-3383-6660-E09D-DCAF8ED174D9}"/>
+              </a:ext>
+            </a:extLst>
+          </p:cNvPr>
+          <p:cNvPicPr>
+            <a:picLocks noChangeAspect="1"/>
+          </p:cNvPicPr>
+          <p:nvPr/>
+        </p:nvPicPr>
+        <p:blipFill>
+          <a:blip r:embed="rId3"/>
+          <a:stretch>
+            <a:fillRect/>
+          </a:stretch>
+        </p:blipFill>
+        <p:spPr>
+          <a:xfrm>
+            <a:off x="6171687" y="365125"/>
+            <a:ext cx="5614871" cy="6038490"/>
+          </a:xfrm>
+          <a:prstGeom prst="rect">
+            <a:avLst/>
+          </a:prstGeom>
+        </p:spPr>
+      </p:pic>
+      <p:pic>
+        <p:nvPicPr>
+          <p:cNvPr id="9" name="Picture 8">
+            <a:extLst>
+              <a:ext uri="{FF2B5EF4-FFF2-40B4-BE49-F238E27FC236}">
+                <a16:creationId xmlns:a16="http://schemas.microsoft.com/office/drawing/2014/main" id="{0639EF7A-C168-D06E-D2D1-75C0FFA0F516}"/>
+              </a:ext>
+            </a:extLst>
+          </p:cNvPr>
+          <p:cNvPicPr>
+            <a:picLocks noChangeAspect="1"/>
+          </p:cNvPicPr>
+          <p:nvPr/>
+        </p:nvPicPr>
+        <p:blipFill>
+          <a:blip r:embed="rId4"/>
+          <a:stretch>
+            <a:fillRect/>
+          </a:stretch>
+        </p:blipFill>
+        <p:spPr>
+          <a:xfrm>
+            <a:off x="1210829" y="3679165"/>
+            <a:ext cx="4188259" cy="3029681"/>
+          </a:xfrm>
+          <a:prstGeom prst="rect">
+            <a:avLst/>
+          </a:prstGeom>
+        </p:spPr>
+      </p:pic>
+    </p:spTree>
+    <p:extLst>
+      <p:ext uri="{BB962C8B-B14F-4D97-AF65-F5344CB8AC3E}">
+        <p14:creationId xmlns:p14="http://schemas.microsoft.com/office/powerpoint/2010/main" val="1599718125"/>
+      </p:ext>
+    </p:extLst>
+  </p:cSld>
+  <p:clrMapOvr>
+    <a:masterClrMapping/>
+  </p:clrMapOvr>
+</p:sld>
+</file>
+
+<file path=ppt/slides/slide53.xml><?xml version="1.0" encoding="utf-8"?>
+<p:sld xmlns:a="http://schemas.openxmlformats.org/drawingml/2006/main" xmlns:r="http://schemas.openxmlformats.org/officeDocument/2006/relationships" xmlns:p="http://schemas.openxmlformats.org/presentationml/2006/main">
+  <p:cSld>
+    <p:spTree>
+      <p:nvGrpSpPr>
+        <p:cNvPr id="1" name="">
+          <a:extLst>
+            <a:ext uri="{FF2B5EF4-FFF2-40B4-BE49-F238E27FC236}">
+              <a16:creationId xmlns:a16="http://schemas.microsoft.com/office/drawing/2014/main" id="{82886631-EB94-B17A-1EB6-1C91F4AC4803}"/>
+            </a:ext>
+          </a:extLst>
+        </p:cNvPr>
+        <p:cNvGrpSpPr/>
+        <p:nvPr/>
+      </p:nvGrpSpPr>
+      <p:grpSpPr>
+        <a:xfrm>
+          <a:off x="0" y="0"/>
+          <a:ext cx="0" cy="0"/>
+          <a:chOff x="0" y="0"/>
+          <a:chExt cx="0" cy="0"/>
+        </a:xfrm>
+      </p:grpSpPr>
+      <p:sp>
+        <p:nvSpPr>
+          <p:cNvPr id="2" name="Title 1">
+            <a:extLst>
+              <a:ext uri="{FF2B5EF4-FFF2-40B4-BE49-F238E27FC236}">
+                <a16:creationId xmlns:a16="http://schemas.microsoft.com/office/drawing/2014/main" id="{BBF6CA32-B6AA-4C8B-D8FB-30097F821BED}"/>
+              </a:ext>
+            </a:extLst>
+          </p:cNvPr>
+          <p:cNvSpPr>
+            <a:spLocks noGrp="1"/>
+          </p:cNvSpPr>
+          <p:nvPr>
+            <p:ph type="title"/>
+          </p:nvPr>
+        </p:nvSpPr>
+        <p:spPr/>
+        <p:txBody>
+          <a:bodyPr/>
+          <a:lstStyle/>
+          <a:p>
+            <a:r>
+              <a:rPr lang="en-US" dirty="0"/>
+              <a:t>Channel characterization</a:t>
+            </a:r>
+          </a:p>
+        </p:txBody>
+      </p:sp>
+      <p:sp>
+        <p:nvSpPr>
+          <p:cNvPr id="3" name="Content Placeholder 2">
+            <a:extLst>
+              <a:ext uri="{FF2B5EF4-FFF2-40B4-BE49-F238E27FC236}">
+                <a16:creationId xmlns:a16="http://schemas.microsoft.com/office/drawing/2014/main" id="{E565031F-51AB-882A-DB51-9DF1752D15C5}"/>
+              </a:ext>
+            </a:extLst>
+          </p:cNvPr>
+          <p:cNvSpPr>
+            <a:spLocks noGrp="1"/>
+          </p:cNvSpPr>
+          <p:nvPr>
+            <p:ph idx="1"/>
+          </p:nvPr>
+        </p:nvSpPr>
+        <p:spPr>
+          <a:xfrm>
+            <a:off x="838200" y="1825624"/>
+            <a:ext cx="10515600" cy="1603375"/>
+          </a:xfrm>
+        </p:spPr>
+        <p:txBody>
+          <a:bodyPr>
+            <a:normAutofit fontScale="92500" lnSpcReduction="20000"/>
+          </a:bodyPr>
+          <a:lstStyle/>
+          <a:p>
+            <a:r>
+              <a:rPr lang="en-US" dirty="0"/>
+              <a:t>8 inch antenna</a:t>
+            </a:r>
+          </a:p>
+          <a:p>
+            <a:r>
+              <a:rPr lang="en-US" dirty="0"/>
+              <a:t>2 meter distance</a:t>
+            </a:r>
+          </a:p>
+          <a:p>
+            <a:r>
+              <a:rPr lang="en-US" dirty="0"/>
+              <a:t>915 MHz</a:t>
+            </a:r>
+          </a:p>
+          <a:p>
+            <a:r>
+              <a:rPr lang="en-US" dirty="0"/>
+              <a:t>Far field measurement</a:t>
+            </a:r>
+          </a:p>
+          <a:p>
+            <a:endParaRPr lang="en-US" dirty="0"/>
+          </a:p>
+        </p:txBody>
+      </p:sp>
+      <p:pic>
+        <p:nvPicPr>
+          <p:cNvPr id="7" name="Picture 6">
+            <a:extLst>
+              <a:ext uri="{FF2B5EF4-FFF2-40B4-BE49-F238E27FC236}">
+                <a16:creationId xmlns:a16="http://schemas.microsoft.com/office/drawing/2014/main" id="{CF5CEE0B-EE1B-AD40-B165-001B72E3F40A}"/>
+              </a:ext>
+            </a:extLst>
+          </p:cNvPr>
+          <p:cNvPicPr>
+            <a:picLocks noChangeAspect="1"/>
+          </p:cNvPicPr>
+          <p:nvPr/>
+        </p:nvPicPr>
+        <p:blipFill>
+          <a:blip r:embed="rId2"/>
+          <a:stretch>
+            <a:fillRect/>
+          </a:stretch>
+        </p:blipFill>
+        <p:spPr>
+          <a:xfrm>
+            <a:off x="174773" y="3424423"/>
+            <a:ext cx="3701487" cy="3258060"/>
+          </a:xfrm>
+          <a:prstGeom prst="rect">
+            <a:avLst/>
+          </a:prstGeom>
+        </p:spPr>
+      </p:pic>
+      <p:pic>
+        <p:nvPicPr>
+          <p:cNvPr id="1026" name="Picture 2" descr="APrP3qHeTStr0PHHQ9Nf-uCnJ-Loa_kuCha7an0VuorK8i8LdFIoPyKi784Y4L_A8qGWCk7QJlTFoqBJmlL5IXzSlZKyWJNnT_dLIrOYskbZdqCChsADF77y09TkXPLple0b0fpK1G7_JcMgHsFhSXTsV-Rn6M4EYiNt3EF04LLrzoe4yLniSrRO-qm7P39ZaaumcFsGtiL1w8e26rNwRdIJIcKSp2r8Y6QvDBMItyiclQ0KPUN1Sa9kgdS24s0k-HsrQdlJu4Cp5EdFvhl4_gUAE15u2_yPnqtYrgyUoTPzggWiVoKnwDUJWIXBiyXqShOSqtQRq1piQP-s9Me8yCHMyAl0F98PK2PdyB-ZWnxCQYJT4bO0U21RuEpIGsJBorA4Bh7eFjUD4X6K4Tgxns9E55ygOFyQC0F61YpLQ7iHg_RgyoSgGNes4OVUT8TO-74bd28FV3NmUd-rThUvdD3al1xe-5ke-j15dyHf2i2Q4eLgPzI6m5n_q2Aw3xg_eWDO6rdIPDPNd-5MuPnGtlFLbaHYGpRn3lT1UgKNswL5typcVXyDpqjXwEd5_j6vNlc6XWy7ba8UBj6iyPtTYRR7CYh3xuiXt4E4TPY35U76JO8xzXZt-gsZ7WTkV8EHnXDpn7h6ipKQet92ylBktIuEUfZjV7iQhC0OJF21nCUX2tz9y9vuSYaVANLg4CClRany2j-a-5xWuBfGSjBZoMeMBqvGhy_NSw-PU4khpzOPl3M4f-Oeiu1XwdaibnNt2ynXXPEn3IO26H1pYlY9lJDG9OvDl4HM2XWF00Fzt0etuZxJ8LPMTpM--ZZGx-awnfrn2w6qdCsaetuH6Vtdc4Nztf7MXbOO342btSZIaEd9OIXjABLHEOCgkGig28DoJwyvlv2LUkZRokrcX-o_ATulKwKpHQ6VG97j69S1Ppr3iqT5GA3xZP3elH_VjiAML5Bb5o8_EVQwZS4xh6FHBX6BwFq_tQCNsfKPFgRktupzJLZvbWI7PIYvOeuPvZ0u-HWCNSnqeg8KsfpZyX07Eg=s0-l75-ft (3024×4032)">
+            <a:extLst>
+              <a:ext uri="{FF2B5EF4-FFF2-40B4-BE49-F238E27FC236}">
+                <a16:creationId xmlns:a16="http://schemas.microsoft.com/office/drawing/2014/main" id="{EE5F0A74-17D4-0FBB-8BB8-A32489F8047C}"/>
+              </a:ext>
+            </a:extLst>
+          </p:cNvPr>
+          <p:cNvPicPr>
+            <a:picLocks noChangeAspect="1" noChangeArrowheads="1"/>
+          </p:cNvPicPr>
+          <p:nvPr/>
+        </p:nvPicPr>
+        <p:blipFill>
+          <a:blip r:embed="rId3">
+            <a:extLst>
+              <a:ext uri="{28A0092B-C50C-407E-A947-70E740481C1C}">
+                <a14:useLocalDpi xmlns:a14="http://schemas.microsoft.com/office/drawing/2010/main" val="0"/>
+              </a:ext>
+            </a:extLst>
+          </a:blip>
+          <a:srcRect/>
+          <a:stretch>
+            <a:fillRect/>
+          </a:stretch>
+        </p:blipFill>
+        <p:spPr bwMode="auto">
+          <a:xfrm>
+            <a:off x="7231534" y="301560"/>
+            <a:ext cx="4785692" cy="6380922"/>
+          </a:xfrm>
+          <a:prstGeom prst="rect">
+            <a:avLst/>
+          </a:prstGeom>
+          <a:noFill/>
+          <a:extLst>
+            <a:ext uri="{909E8E84-426E-40DD-AFC4-6F175D3DCCD1}">
+              <a14:hiddenFill xmlns:a14="http://schemas.microsoft.com/office/drawing/2010/main">
+                <a:solidFill>
+                  <a:srgbClr val="FFFFFF"/>
+                </a:solidFill>
+              </a14:hiddenFill>
+            </a:ext>
+          </a:extLst>
+        </p:spPr>
+      </p:pic>
+    </p:spTree>
+    <p:extLst>
+      <p:ext uri="{BB962C8B-B14F-4D97-AF65-F5344CB8AC3E}">
+        <p14:creationId xmlns:p14="http://schemas.microsoft.com/office/powerpoint/2010/main" val="2123179864"/>
+      </p:ext>
+    </p:extLst>
+  </p:cSld>
+  <p:clrMapOvr>
+    <a:masterClrMapping/>
+  </p:clrMapOvr>
+</p:sld>
+</file>
+
+<file path=ppt/slides/slide54.xml><?xml version="1.0" encoding="utf-8"?>
+<p:sld xmlns:a="http://schemas.openxmlformats.org/drawingml/2006/main" xmlns:r="http://schemas.openxmlformats.org/officeDocument/2006/relationships" xmlns:p="http://schemas.openxmlformats.org/presentationml/2006/main">
+  <p:cSld>
+    <p:spTree>
+      <p:nvGrpSpPr>
+        <p:cNvPr id="1" name="">
+          <a:extLst>
+            <a:ext uri="{FF2B5EF4-FFF2-40B4-BE49-F238E27FC236}">
+              <a16:creationId xmlns:a16="http://schemas.microsoft.com/office/drawing/2014/main" id="{8BDCBFBA-DA1B-D14E-3166-61BC13EE6A09}"/>
+            </a:ext>
+          </a:extLst>
+        </p:cNvPr>
+        <p:cNvGrpSpPr/>
+        <p:nvPr/>
+      </p:nvGrpSpPr>
+      <p:grpSpPr>
+        <a:xfrm>
+          <a:off x="0" y="0"/>
+          <a:ext cx="0" cy="0"/>
+          <a:chOff x="0" y="0"/>
+          <a:chExt cx="0" cy="0"/>
+        </a:xfrm>
+      </p:grpSpPr>
+      <p:sp>
+        <p:nvSpPr>
+          <p:cNvPr id="2" name="Title 1">
+            <a:extLst>
+              <a:ext uri="{FF2B5EF4-FFF2-40B4-BE49-F238E27FC236}">
+                <a16:creationId xmlns:a16="http://schemas.microsoft.com/office/drawing/2014/main" id="{1CAD472D-EFD6-6FC8-AFC5-E51073AD0F64}"/>
+              </a:ext>
+            </a:extLst>
+          </p:cNvPr>
+          <p:cNvSpPr>
+            <a:spLocks noGrp="1"/>
+          </p:cNvSpPr>
+          <p:nvPr>
+            <p:ph type="title"/>
+          </p:nvPr>
+        </p:nvSpPr>
+        <p:spPr/>
+        <p:txBody>
+          <a:bodyPr/>
+          <a:lstStyle/>
+          <a:p>
+            <a:r>
+              <a:rPr lang="en-US" dirty="0"/>
+              <a:t>Range</a:t>
+            </a:r>
+          </a:p>
+        </p:txBody>
+      </p:sp>
+      <p:sp>
+        <p:nvSpPr>
+          <p:cNvPr id="3" name="Content Placeholder 2">
+            <a:extLst>
+              <a:ext uri="{FF2B5EF4-FFF2-40B4-BE49-F238E27FC236}">
+                <a16:creationId xmlns:a16="http://schemas.microsoft.com/office/drawing/2014/main" id="{01EC4C42-76BB-DCF8-940C-EF1218F67999}"/>
+              </a:ext>
+            </a:extLst>
+          </p:cNvPr>
+          <p:cNvSpPr>
+            <a:spLocks noGrp="1"/>
+          </p:cNvSpPr>
+          <p:nvPr>
+            <p:ph idx="1"/>
+          </p:nvPr>
+        </p:nvSpPr>
+        <p:spPr/>
+        <p:txBody>
+          <a:bodyPr/>
+          <a:lstStyle/>
+          <a:p>
+            <a:r>
+              <a:rPr lang="en-US" dirty="0"/>
+              <a:t>How does our SNR vary with distance?</a:t>
+            </a:r>
+          </a:p>
+          <a:p>
+            <a:r>
+              <a:rPr lang="en-US" dirty="0" err="1"/>
+              <a:t>Friis</a:t>
+            </a:r>
+            <a:r>
+              <a:rPr lang="en-US" dirty="0"/>
+              <a:t>’ equation (far field)</a:t>
+            </a:r>
+          </a:p>
+        </p:txBody>
+      </p:sp>
+      <p:pic>
+        <p:nvPicPr>
+          <p:cNvPr id="5" name="Picture 4">
+            <a:extLst>
+              <a:ext uri="{FF2B5EF4-FFF2-40B4-BE49-F238E27FC236}">
+                <a16:creationId xmlns:a16="http://schemas.microsoft.com/office/drawing/2014/main" id="{FC9D075B-FEEB-AF9B-5F89-69A347BB630D}"/>
+              </a:ext>
+            </a:extLst>
+          </p:cNvPr>
+          <p:cNvPicPr>
+            <a:picLocks noChangeAspect="1"/>
+          </p:cNvPicPr>
+          <p:nvPr/>
+        </p:nvPicPr>
+        <p:blipFill>
+          <a:blip r:embed="rId2"/>
+          <a:stretch>
+            <a:fillRect/>
+          </a:stretch>
+        </p:blipFill>
+        <p:spPr>
+          <a:xfrm>
+            <a:off x="1468875" y="3029649"/>
+            <a:ext cx="1959483" cy="798702"/>
+          </a:xfrm>
+          <a:prstGeom prst="rect">
+            <a:avLst/>
+          </a:prstGeom>
+        </p:spPr>
+      </p:pic>
+      <p:pic>
+        <p:nvPicPr>
+          <p:cNvPr id="6" name="Picture 5">
+            <a:extLst>
+              <a:ext uri="{FF2B5EF4-FFF2-40B4-BE49-F238E27FC236}">
+                <a16:creationId xmlns:a16="http://schemas.microsoft.com/office/drawing/2014/main" id="{4515EB4A-3D80-0CB8-C97B-BA513935CAB1}"/>
+              </a:ext>
+            </a:extLst>
+          </p:cNvPr>
+          <p:cNvPicPr>
+            <a:picLocks noChangeAspect="1"/>
+          </p:cNvPicPr>
+          <p:nvPr/>
+        </p:nvPicPr>
+        <p:blipFill>
+          <a:blip r:embed="rId3"/>
+          <a:stretch>
+            <a:fillRect/>
+          </a:stretch>
+        </p:blipFill>
+        <p:spPr>
+          <a:xfrm>
+            <a:off x="6456291" y="2491817"/>
+            <a:ext cx="5153744" cy="4001058"/>
+          </a:xfrm>
+          <a:prstGeom prst="rect">
+            <a:avLst/>
+          </a:prstGeom>
+        </p:spPr>
+      </p:pic>
+    </p:spTree>
+    <p:extLst>
+      <p:ext uri="{BB962C8B-B14F-4D97-AF65-F5344CB8AC3E}">
+        <p14:creationId xmlns:p14="http://schemas.microsoft.com/office/powerpoint/2010/main" val="2247479636"/>
       </p:ext>
     </p:extLst>
   </p:cSld>

--- a/docs/how-to-usrp.pptx
+++ b/docs/how-to-usrp.pptx
@@ -5,7 +5,7 @@
     <p:sldMasterId id="2147483648" r:id="rId1"/>
   </p:sldMasterIdLst>
   <p:notesMasterIdLst>
-    <p:notesMasterId r:id="rId56"/>
+    <p:notesMasterId r:id="rId64"/>
   </p:notesMasterIdLst>
   <p:sldIdLst>
     <p:sldId id="256" r:id="rId2"/>
@@ -27,41 +27,49 @@
     <p:sldId id="882" r:id="rId18"/>
     <p:sldId id="884" r:id="rId19"/>
     <p:sldId id="873" r:id="rId20"/>
-    <p:sldId id="880" r:id="rId21"/>
-    <p:sldId id="335" r:id="rId22"/>
-    <p:sldId id="886" r:id="rId23"/>
-    <p:sldId id="332" r:id="rId24"/>
-    <p:sldId id="336" r:id="rId25"/>
-    <p:sldId id="885" r:id="rId26"/>
-    <p:sldId id="864" r:id="rId27"/>
-    <p:sldId id="854" r:id="rId28"/>
-    <p:sldId id="337" r:id="rId29"/>
-    <p:sldId id="338" r:id="rId30"/>
-    <p:sldId id="339" r:id="rId31"/>
-    <p:sldId id="341" r:id="rId32"/>
-    <p:sldId id="342" r:id="rId33"/>
-    <p:sldId id="345" r:id="rId34"/>
-    <p:sldId id="344" r:id="rId35"/>
-    <p:sldId id="853" r:id="rId36"/>
-    <p:sldId id="331" r:id="rId37"/>
-    <p:sldId id="857" r:id="rId38"/>
-    <p:sldId id="855" r:id="rId39"/>
-    <p:sldId id="340" r:id="rId40"/>
-    <p:sldId id="856" r:id="rId41"/>
-    <p:sldId id="859" r:id="rId42"/>
-    <p:sldId id="860" r:id="rId43"/>
-    <p:sldId id="858" r:id="rId44"/>
-    <p:sldId id="861" r:id="rId45"/>
-    <p:sldId id="862" r:id="rId46"/>
-    <p:sldId id="863" r:id="rId47"/>
-    <p:sldId id="322" r:id="rId48"/>
-    <p:sldId id="867" r:id="rId49"/>
-    <p:sldId id="872" r:id="rId50"/>
-    <p:sldId id="866" r:id="rId51"/>
-    <p:sldId id="869" r:id="rId52"/>
-    <p:sldId id="887" r:id="rId53"/>
-    <p:sldId id="919" r:id="rId54"/>
-    <p:sldId id="921" r:id="rId55"/>
+    <p:sldId id="923" r:id="rId21"/>
+    <p:sldId id="880" r:id="rId22"/>
+    <p:sldId id="335" r:id="rId23"/>
+    <p:sldId id="886" r:id="rId24"/>
+    <p:sldId id="332" r:id="rId25"/>
+    <p:sldId id="336" r:id="rId26"/>
+    <p:sldId id="885" r:id="rId27"/>
+    <p:sldId id="864" r:id="rId28"/>
+    <p:sldId id="929" r:id="rId29"/>
+    <p:sldId id="854" r:id="rId30"/>
+    <p:sldId id="337" r:id="rId31"/>
+    <p:sldId id="338" r:id="rId32"/>
+    <p:sldId id="928" r:id="rId33"/>
+    <p:sldId id="926" r:id="rId34"/>
+    <p:sldId id="927" r:id="rId35"/>
+    <p:sldId id="339" r:id="rId36"/>
+    <p:sldId id="341" r:id="rId37"/>
+    <p:sldId id="342" r:id="rId38"/>
+    <p:sldId id="345" r:id="rId39"/>
+    <p:sldId id="344" r:id="rId40"/>
+    <p:sldId id="853" r:id="rId41"/>
+    <p:sldId id="331" r:id="rId42"/>
+    <p:sldId id="857" r:id="rId43"/>
+    <p:sldId id="855" r:id="rId44"/>
+    <p:sldId id="340" r:id="rId45"/>
+    <p:sldId id="856" r:id="rId46"/>
+    <p:sldId id="859" r:id="rId47"/>
+    <p:sldId id="860" r:id="rId48"/>
+    <p:sldId id="858" r:id="rId49"/>
+    <p:sldId id="861" r:id="rId50"/>
+    <p:sldId id="862" r:id="rId51"/>
+    <p:sldId id="863" r:id="rId52"/>
+    <p:sldId id="322" r:id="rId53"/>
+    <p:sldId id="867" r:id="rId54"/>
+    <p:sldId id="922" r:id="rId55"/>
+    <p:sldId id="872" r:id="rId56"/>
+    <p:sldId id="866" r:id="rId57"/>
+    <p:sldId id="869" r:id="rId58"/>
+    <p:sldId id="924" r:id="rId59"/>
+    <p:sldId id="925" r:id="rId60"/>
+    <p:sldId id="887" r:id="rId61"/>
+    <p:sldId id="919" r:id="rId62"/>
+    <p:sldId id="921" r:id="rId63"/>
   </p:sldIdLst>
   <p:sldSz cx="12192000" cy="6858000"/>
   <p:notesSz cx="6858000" cy="9144000"/>
@@ -184,6 +192,7 @@
             <p14:sldId id="882"/>
             <p14:sldId id="884"/>
             <p14:sldId id="873"/>
+            <p14:sldId id="923"/>
             <p14:sldId id="880"/>
             <p14:sldId id="335"/>
           </p14:sldIdLst>
@@ -195,9 +204,13 @@
             <p14:sldId id="336"/>
             <p14:sldId id="885"/>
             <p14:sldId id="864"/>
+            <p14:sldId id="929"/>
             <p14:sldId id="854"/>
             <p14:sldId id="337"/>
             <p14:sldId id="338"/>
+            <p14:sldId id="928"/>
+            <p14:sldId id="926"/>
+            <p14:sldId id="927"/>
           </p14:sldIdLst>
         </p14:section>
         <p14:section name="UHD Setup" id="{B5689890-E480-4B25-83C1-7D7A8F9C2D39}">
@@ -233,9 +246,16 @@
             <p14:sldId id="863"/>
             <p14:sldId id="322"/>
             <p14:sldId id="867"/>
+            <p14:sldId id="922"/>
             <p14:sldId id="872"/>
             <p14:sldId id="866"/>
             <p14:sldId id="869"/>
+          </p14:sldIdLst>
+        </p14:section>
+        <p14:section name="C++" id="{6FADE9A0-DD8B-46AC-8CD9-DA20F3E0E20F}">
+          <p14:sldIdLst>
+            <p14:sldId id="924"/>
+            <p14:sldId id="925"/>
           </p14:sldIdLst>
         </p14:section>
         <p14:section name="Practical stuff" id="{8AEBAFB7-F4D7-4C04-A70B-3F1FE1512424}">
@@ -341,6 +361,93 @@
 </inkml:ink>
 </file>
 
+<file path=ppt/ink/ink4.xml><?xml version="1.0" encoding="utf-8"?>
+<inkml:ink xmlns:inkml="http://www.w3.org/2003/InkML">
+  <inkml:definitions>
+    <inkml:context xml:id="ctx0">
+      <inkml:inkSource xml:id="inkSrc0">
+        <inkml:traceFormat>
+          <inkml:channel name="X" type="integer" min="-2.14748E9" max="2.14748E9" units="cm"/>
+          <inkml:channel name="Y" type="integer" min="-2.14748E9" max="2.14748E9" units="cm"/>
+        </inkml:traceFormat>
+        <inkml:channelProperties>
+          <inkml:channelProperty channel="X" name="resolution" value="1000" units="1/cm"/>
+          <inkml:channelProperty channel="Y" name="resolution" value="1000" units="1/cm"/>
+        </inkml:channelProperties>
+      </inkml:inkSource>
+      <inkml:timestamp xml:id="ts0" timeString="2024-02-01T13:44:25.354"/>
+    </inkml:context>
+    <inkml:brush xml:id="br0">
+      <inkml:brushProperty name="width" value="0.3" units="cm"/>
+      <inkml:brushProperty name="height" value="0.6" units="cm"/>
+      <inkml:brushProperty name="color" value="#FFFC00"/>
+      <inkml:brushProperty name="tip" value="rectangle"/>
+      <inkml:brushProperty name="rasterOp" value="maskPen"/>
+      <inkml:brushProperty name="ignorePressure" value="1"/>
+    </inkml:brush>
+  </inkml:definitions>
+  <inkml:trace contextRef="#ctx0" brushRef="#br0">1 1,'226'14,"3"1,344-17,-559 3,1 1,-1 0,21 6,0 0,-15-4</inkml:trace>
+</inkml:ink>
+</file>
+
+<file path=ppt/ink/ink5.xml><?xml version="1.0" encoding="utf-8"?>
+<inkml:ink xmlns:inkml="http://www.w3.org/2003/InkML">
+  <inkml:definitions>
+    <inkml:context xml:id="ctx0">
+      <inkml:inkSource xml:id="inkSrc0">
+        <inkml:traceFormat>
+          <inkml:channel name="X" type="integer" min="-2.14748E9" max="2.14748E9" units="cm"/>
+          <inkml:channel name="Y" type="integer" min="-2.14748E9" max="2.14748E9" units="cm"/>
+        </inkml:traceFormat>
+        <inkml:channelProperties>
+          <inkml:channelProperty channel="X" name="resolution" value="1000" units="1/cm"/>
+          <inkml:channelProperty channel="Y" name="resolution" value="1000" units="1/cm"/>
+        </inkml:channelProperties>
+      </inkml:inkSource>
+      <inkml:timestamp xml:id="ts0" timeString="2024-02-01T13:44:37.923"/>
+    </inkml:context>
+    <inkml:brush xml:id="br0">
+      <inkml:brushProperty name="width" value="0.3" units="cm"/>
+      <inkml:brushProperty name="height" value="0.6" units="cm"/>
+      <inkml:brushProperty name="color" value="#FFFC00"/>
+      <inkml:brushProperty name="tip" value="rectangle"/>
+      <inkml:brushProperty name="rasterOp" value="maskPen"/>
+      <inkml:brushProperty name="ignorePressure" value="1"/>
+    </inkml:brush>
+  </inkml:definitions>
+  <inkml:trace contextRef="#ctx0" brushRef="#br0">1 2,'1257'0,"-1151"4,114 21,8 1,-117-18,240 10,-118-16,238 32,-292-18,263-12,-228-7,-11 3,612 17,49-4,-532-16,-119-11,3 0,-200 15,1-1,0 0,-1-2,1 0,-1-1,1 0,-1-1,0-1,15-7,13-5,1 2,0 2,1 2,59-6,-30 5,65-6,-117 17</inkml:trace>
+</inkml:ink>
+</file>
+
+<file path=ppt/ink/ink6.xml><?xml version="1.0" encoding="utf-8"?>
+<inkml:ink xmlns:inkml="http://www.w3.org/2003/InkML">
+  <inkml:definitions>
+    <inkml:context xml:id="ctx0">
+      <inkml:inkSource xml:id="inkSrc0">
+        <inkml:traceFormat>
+          <inkml:channel name="X" type="integer" min="-2.14748E9" max="2.14748E9" units="cm"/>
+          <inkml:channel name="Y" type="integer" min="-2.14748E9" max="2.14748E9" units="cm"/>
+        </inkml:traceFormat>
+        <inkml:channelProperties>
+          <inkml:channelProperty channel="X" name="resolution" value="1000" units="1/cm"/>
+          <inkml:channelProperty channel="Y" name="resolution" value="1000" units="1/cm"/>
+        </inkml:channelProperties>
+      </inkml:inkSource>
+      <inkml:timestamp xml:id="ts0" timeString="2024-02-01T13:44:40.678"/>
+    </inkml:context>
+    <inkml:brush xml:id="br0">
+      <inkml:brushProperty name="width" value="0.3" units="cm"/>
+      <inkml:brushProperty name="height" value="0.6" units="cm"/>
+      <inkml:brushProperty name="color" value="#FFFC00"/>
+      <inkml:brushProperty name="tip" value="rectangle"/>
+      <inkml:brushProperty name="rasterOp" value="maskPen"/>
+      <inkml:brushProperty name="ignorePressure" value="1"/>
+    </inkml:brush>
+  </inkml:definitions>
+  <inkml:trace contextRef="#ctx0" brushRef="#br0">0 1,'1775'0,"-1609"13,-12 1,-99-13,250 14,-30 1,-39-5,-70-4,-31-2,-39 8,-62-7,57 2,97-9,-165 1</inkml:trace>
+</inkml:ink>
+</file>
+
 <file path=ppt/notesMasters/notesMaster1.xml><?xml version="1.0" encoding="utf-8"?>
 <p:notesMaster xmlns:a="http://schemas.openxmlformats.org/drawingml/2006/main" xmlns:r="http://schemas.openxmlformats.org/officeDocument/2006/relationships" xmlns:p="http://schemas.openxmlformats.org/presentationml/2006/main">
   <p:cSld>
@@ -423,7 +530,7 @@
           <a:p>
             <a:fld id="{7A71371E-0AB0-4E1B-9F79-83C8F32365BE}" type="datetimeFigureOut">
               <a:rPr lang="en-US" smtClean="0"/>
-              <a:t>4/9/2024</a:t>
+              <a:t>4/10/2024</a:t>
             </a:fld>
             <a:endParaRPr lang="en-US"/>
           </a:p>
@@ -993,7 +1100,7 @@
           <a:p>
             <a:fld id="{CAA19DDD-B1BD-4DBB-A1A9-366082CC542B}" type="slidenum">
               <a:rPr lang="en-US" smtClean="0"/>
-              <a:t>28</a:t>
+              <a:t>30</a:t>
             </a:fld>
             <a:endParaRPr lang="en-US"/>
           </a:p>
@@ -1056,10 +1163,36 @@
           <a:bodyPr/>
           <a:lstStyle/>
           <a:p>
-            <a:r>
-              <a:rPr lang="en-US" dirty="0"/>
-              <a:t>https://stackoverflow.com/questions/57272453/how-can-i-copy-commits-from-one-branch-to-another</a:t>
-            </a:r>
+            <a:pPr marL="0" marR="0" lvl="0" indent="0" algn="l" defTabSz="914400" rtl="0" eaLnBrk="1" fontAlgn="auto" latinLnBrk="0" hangingPunct="1">
+              <a:lnSpc>
+                <a:spcPct val="100000"/>
+              </a:lnSpc>
+              <a:spcBef>
+                <a:spcPts val="0"/>
+              </a:spcBef>
+              <a:spcAft>
+                <a:spcPts val="0"/>
+              </a:spcAft>
+              <a:buClrTx/>
+              <a:buSzTx/>
+              <a:buFontTx/>
+              <a:buNone/>
+              <a:tabLst/>
+              <a:defRPr/>
+            </a:pPr>
+            <a:r>
+              <a:rPr lang="en-US" dirty="0">
+                <a:hlinkClick r:id="rId3"/>
+              </a:rPr>
+              <a:t>https://support.xilinx.com/s/question/0D52E00006hpZBtSAM/100ns-delay-when-using-ise-isim-why?language=en_US</a:t>
+            </a:r>
+            <a:r>
+              <a:rPr lang="en-US" dirty="0"/>
+              <a:t>  </a:t>
+            </a:r>
+          </a:p>
+          <a:p>
+            <a:endParaRPr lang="en-US" dirty="0"/>
           </a:p>
         </p:txBody>
       </p:sp>
@@ -1080,7 +1213,7 @@
           <a:p>
             <a:fld id="{CAA19DDD-B1BD-4DBB-A1A9-366082CC542B}" type="slidenum">
               <a:rPr lang="en-US" smtClean="0"/>
-              <a:t>31</a:t>
+              <a:t>32</a:t>
             </a:fld>
             <a:endParaRPr lang="en-US"/>
           </a:p>
@@ -1089,7 +1222,7 @@
     </p:spTree>
     <p:extLst>
       <p:ext uri="{BB962C8B-B14F-4D97-AF65-F5344CB8AC3E}">
-        <p14:creationId xmlns:p14="http://schemas.microsoft.com/office/powerpoint/2010/main" val="1713141026"/>
+        <p14:creationId xmlns:p14="http://schemas.microsoft.com/office/powerpoint/2010/main" val="3375852112"/>
       </p:ext>
     </p:extLst>
   </p:cSld>
@@ -1145,7 +1278,7 @@
           <a:p>
             <a:r>
               <a:rPr lang="en-US" dirty="0"/>
-              <a:t>https://stackoverflow.com/questions/46109211/cherry-picking-few-commits-from-another-branch</a:t>
+              <a:t>https://stackoverflow.com/questions/57272453/how-can-i-copy-commits-from-one-branch-to-another</a:t>
             </a:r>
           </a:p>
         </p:txBody>
@@ -1167,7 +1300,7 @@
           <a:p>
             <a:fld id="{CAA19DDD-B1BD-4DBB-A1A9-366082CC542B}" type="slidenum">
               <a:rPr lang="en-US" smtClean="0"/>
-              <a:t>32</a:t>
+              <a:t>36</a:t>
             </a:fld>
             <a:endParaRPr lang="en-US"/>
           </a:p>
@@ -1176,7 +1309,7 @@
     </p:spTree>
     <p:extLst>
       <p:ext uri="{BB962C8B-B14F-4D97-AF65-F5344CB8AC3E}">
-        <p14:creationId xmlns:p14="http://schemas.microsoft.com/office/powerpoint/2010/main" val="1933303265"/>
+        <p14:creationId xmlns:p14="http://schemas.microsoft.com/office/powerpoint/2010/main" val="1713141026"/>
       </p:ext>
     </p:extLst>
   </p:cSld>
@@ -1232,13 +1365,7 @@
           <a:p>
             <a:r>
               <a:rPr lang="en-US" dirty="0"/>
-              <a:t>https://docs.xilinx.com/r/2021.1-English/ug1387-acap-hardware-ip-platform-dev-methodology/Synthesis-Attributes </a:t>
-            </a:r>
-          </a:p>
-          <a:p>
-            <a:r>
-              <a:rPr lang="en-US" dirty="0"/>
-              <a:t>https://docs.xilinx.com/r/en-US/ug901-vivado-synthesis/DONT_TOUCH</a:t>
+              <a:t>https://stackoverflow.com/questions/46109211/cherry-picking-few-commits-from-another-branch</a:t>
             </a:r>
           </a:p>
         </p:txBody>
@@ -1260,7 +1387,7 @@
           <a:p>
             <a:fld id="{CAA19DDD-B1BD-4DBB-A1A9-366082CC542B}" type="slidenum">
               <a:rPr lang="en-US" smtClean="0"/>
-              <a:t>35</a:t>
+              <a:t>37</a:t>
             </a:fld>
             <a:endParaRPr lang="en-US"/>
           </a:p>
@@ -1269,7 +1396,7 @@
     </p:spTree>
     <p:extLst>
       <p:ext uri="{BB962C8B-B14F-4D97-AF65-F5344CB8AC3E}">
-        <p14:creationId xmlns:p14="http://schemas.microsoft.com/office/powerpoint/2010/main" val="1746533117"/>
+        <p14:creationId xmlns:p14="http://schemas.microsoft.com/office/powerpoint/2010/main" val="1933303265"/>
       </p:ext>
     </p:extLst>
   </p:cSld>
@@ -1323,36 +1450,16 @@
           <a:bodyPr/>
           <a:lstStyle/>
           <a:p>
-            <a:pPr marL="0" marR="0" lvl="0" indent="0" algn="l" defTabSz="914400" rtl="0" eaLnBrk="1" fontAlgn="auto" latinLnBrk="0" hangingPunct="1">
-              <a:lnSpc>
-                <a:spcPct val="100000"/>
-              </a:lnSpc>
-              <a:spcBef>
-                <a:spcPts val="0"/>
-              </a:spcBef>
-              <a:spcAft>
-                <a:spcPts val="0"/>
-              </a:spcAft>
-              <a:buClrTx/>
-              <a:buSzTx/>
-              <a:buFontTx/>
-              <a:buNone/>
-              <a:tabLst/>
-              <a:defRPr/>
-            </a:pPr>
-            <a:r>
-              <a:rPr lang="en-US" dirty="0">
-                <a:hlinkClick r:id="rId3"/>
-              </a:rPr>
-              <a:t>https://github.com/EttusResearch/uhd/blob/master/fpga/usrp3/top/x300/Makefile.x300.inc</a:t>
-            </a:r>
-            <a:r>
-              <a:rPr lang="en-US" dirty="0"/>
-              <a:t> </a:t>
-            </a:r>
-          </a:p>
-          <a:p>
-            <a:endParaRPr lang="en-US" dirty="0"/>
+            <a:r>
+              <a:rPr lang="en-US" dirty="0"/>
+              <a:t>https://docs.xilinx.com/r/2021.1-English/ug1387-acap-hardware-ip-platform-dev-methodology/Synthesis-Attributes </a:t>
+            </a:r>
+          </a:p>
+          <a:p>
+            <a:r>
+              <a:rPr lang="en-US" dirty="0"/>
+              <a:t>https://docs.xilinx.com/r/en-US/ug901-vivado-synthesis/DONT_TOUCH</a:t>
+            </a:r>
           </a:p>
         </p:txBody>
       </p:sp>
@@ -1373,7 +1480,7 @@
           <a:p>
             <a:fld id="{CAA19DDD-B1BD-4DBB-A1A9-366082CC542B}" type="slidenum">
               <a:rPr lang="en-US" smtClean="0"/>
-              <a:t>38</a:t>
+              <a:t>40</a:t>
             </a:fld>
             <a:endParaRPr lang="en-US"/>
           </a:p>
@@ -1382,7 +1489,7 @@
     </p:spTree>
     <p:extLst>
       <p:ext uri="{BB962C8B-B14F-4D97-AF65-F5344CB8AC3E}">
-        <p14:creationId xmlns:p14="http://schemas.microsoft.com/office/powerpoint/2010/main" val="1581599489"/>
+        <p14:creationId xmlns:p14="http://schemas.microsoft.com/office/powerpoint/2010/main" val="1746533117"/>
       </p:ext>
     </p:extLst>
   </p:cSld>
@@ -1436,21 +1543,32 @@
           <a:bodyPr/>
           <a:lstStyle/>
           <a:p>
-            <a:r>
-              <a:rPr lang="en-US" dirty="0"/>
-              <a:t>https://github.com/Wangstonn/ww_uhd/blob/osla-bpsk-4.5/fpga/usrp3/top/x300/vlsi_make.sh</a:t>
-            </a:r>
-          </a:p>
-          <a:p>
-            <a:r>
-              <a:rPr lang="en-US" dirty="0"/>
-              <a:t>usrp_load.sh</a:t>
-            </a:r>
-          </a:p>
-          <a:p>
-            <a:r>
-              <a:rPr lang="en-US" dirty="0"/>
-              <a:t>mv_bitfile.sh</a:t>
+            <a:pPr marL="0" marR="0" lvl="0" indent="0" algn="l" defTabSz="914400" rtl="0" eaLnBrk="1" fontAlgn="auto" latinLnBrk="0" hangingPunct="1">
+              <a:lnSpc>
+                <a:spcPct val="100000"/>
+              </a:lnSpc>
+              <a:spcBef>
+                <a:spcPts val="0"/>
+              </a:spcBef>
+              <a:spcAft>
+                <a:spcPts val="0"/>
+              </a:spcAft>
+              <a:buClrTx/>
+              <a:buSzTx/>
+              <a:buFontTx/>
+              <a:buNone/>
+              <a:tabLst/>
+              <a:defRPr/>
+            </a:pPr>
+            <a:r>
+              <a:rPr lang="en-US" dirty="0">
+                <a:hlinkClick r:id="rId3"/>
+              </a:rPr>
+              <a:t>https://github.com/EttusResearch/uhd/blob/master/fpga/usrp3/top/x300/Makefile.x300.inc</a:t>
+            </a:r>
+            <a:r>
+              <a:rPr lang="en-US" dirty="0"/>
+              <a:t> </a:t>
             </a:r>
           </a:p>
           <a:p>
@@ -1475,7 +1593,7 @@
           <a:p>
             <a:fld id="{CAA19DDD-B1BD-4DBB-A1A9-366082CC542B}" type="slidenum">
               <a:rPr lang="en-US" smtClean="0"/>
-              <a:t>39</a:t>
+              <a:t>43</a:t>
             </a:fld>
             <a:endParaRPr lang="en-US"/>
           </a:p>
@@ -1484,7 +1602,7 @@
     </p:spTree>
     <p:extLst>
       <p:ext uri="{BB962C8B-B14F-4D97-AF65-F5344CB8AC3E}">
-        <p14:creationId xmlns:p14="http://schemas.microsoft.com/office/powerpoint/2010/main" val="3403927886"/>
+        <p14:creationId xmlns:p14="http://schemas.microsoft.com/office/powerpoint/2010/main" val="1581599489"/>
       </p:ext>
     </p:extLst>
   </p:cSld>
@@ -1540,8 +1658,23 @@
           <a:p>
             <a:r>
               <a:rPr lang="en-US" dirty="0"/>
-              <a:t>https://api.csswg.org/bikeshed/?force=1&amp;url=https://raw.githubusercontent.com/vector-of-bool/pitchfork/develop/data/spec.bs</a:t>
-            </a:r>
+              <a:t>https://github.com/Wangstonn/ww_uhd/blob/osla-bpsk-4.5/fpga/usrp3/top/x300/vlsi_make.sh</a:t>
+            </a:r>
+          </a:p>
+          <a:p>
+            <a:r>
+              <a:rPr lang="en-US" dirty="0"/>
+              <a:t>usrp_load.sh</a:t>
+            </a:r>
+          </a:p>
+          <a:p>
+            <a:r>
+              <a:rPr lang="en-US" dirty="0"/>
+              <a:t>mv_bitfile.sh</a:t>
+            </a:r>
+          </a:p>
+          <a:p>
+            <a:endParaRPr lang="en-US" dirty="0"/>
           </a:p>
         </p:txBody>
       </p:sp>
@@ -1562,7 +1695,7 @@
           <a:p>
             <a:fld id="{CAA19DDD-B1BD-4DBB-A1A9-366082CC542B}" type="slidenum">
               <a:rPr lang="en-US" smtClean="0"/>
-              <a:t>41</a:t>
+              <a:t>44</a:t>
             </a:fld>
             <a:endParaRPr lang="en-US"/>
           </a:p>
@@ -1571,7 +1704,7 @@
     </p:spTree>
     <p:extLst>
       <p:ext uri="{BB962C8B-B14F-4D97-AF65-F5344CB8AC3E}">
-        <p14:creationId xmlns:p14="http://schemas.microsoft.com/office/powerpoint/2010/main" val="482100999"/>
+        <p14:creationId xmlns:p14="http://schemas.microsoft.com/office/powerpoint/2010/main" val="3403927886"/>
       </p:ext>
     </p:extLst>
   </p:cSld>
@@ -1627,7 +1760,7 @@
           <a:p>
             <a:r>
               <a:rPr lang="en-US" dirty="0"/>
-              <a:t>https://stackoverflow.com/questions/3202136/using-g-to-compile-multiple-cpp-and-h-files</a:t>
+              <a:t>https://api.csswg.org/bikeshed/?force=1&amp;url=https://raw.githubusercontent.com/vector-of-bool/pitchfork/develop/data/spec.bs</a:t>
             </a:r>
           </a:p>
         </p:txBody>
@@ -1649,7 +1782,7 @@
           <a:p>
             <a:fld id="{CAA19DDD-B1BD-4DBB-A1A9-366082CC542B}" type="slidenum">
               <a:rPr lang="en-US" smtClean="0"/>
-              <a:t>43</a:t>
+              <a:t>46</a:t>
             </a:fld>
             <a:endParaRPr lang="en-US"/>
           </a:p>
@@ -1658,7 +1791,7 @@
     </p:spTree>
     <p:extLst>
       <p:ext uri="{BB962C8B-B14F-4D97-AF65-F5344CB8AC3E}">
-        <p14:creationId xmlns:p14="http://schemas.microsoft.com/office/powerpoint/2010/main" val="508056505"/>
+        <p14:creationId xmlns:p14="http://schemas.microsoft.com/office/powerpoint/2010/main" val="482100999"/>
       </p:ext>
     </p:extLst>
   </p:cSld>
@@ -1714,40 +1847,7 @@
           <a:p>
             <a:r>
               <a:rPr lang="en-US" dirty="0"/>
-              <a:t>https://stackoverflow.com/questions/2360734/whats-a-good-directory-structure-for-larger-c-projects-using-makefile</a:t>
-            </a:r>
-          </a:p>
-          <a:p>
-            <a:r>
-              <a:rPr lang="en-US"/>
-              <a:t>https://www.open-std.org/jtc1/sc22/wg21/docs/papers/2018/p1204r0.html</a:t>
-            </a:r>
-          </a:p>
-          <a:p>
-            <a:endParaRPr lang="en-US"/>
-          </a:p>
-          <a:p>
-            <a:r>
-              <a:rPr lang="en-US" dirty="0"/>
-              <a:t>https://stackoverflow.com/questions/8304190/cmake-with-include-and-source-paths-basic-setup</a:t>
-            </a:r>
-          </a:p>
-          <a:p>
-            <a:r>
-              <a:rPr lang="en-US" dirty="0"/>
-              <a:t>https://gitlab.kitware.com/cmake/community/-/wikis/doc/cmake/Useful-Variables</a:t>
-            </a:r>
-          </a:p>
-          <a:p>
-            <a:r>
-              <a:rPr lang="en-US" dirty="0"/>
-              <a:t>https://stackoverflow.com/questions/4506193/what-are-the-dusty-corners-a-newcomer-to-cmake-will-want-to-know</a:t>
-            </a:r>
-          </a:p>
-          <a:p>
-            <a:r>
-              <a:rPr lang="en-US" dirty="0"/>
-              <a:t>https://cmake.org/cmake/help/latest/guide/tutorial/Adding%20a%20Library.html </a:t>
+              <a:t>https://stackoverflow.com/questions/3202136/using-g-to-compile-multiple-cpp-and-h-files</a:t>
             </a:r>
           </a:p>
         </p:txBody>
@@ -1769,7 +1869,7 @@
           <a:p>
             <a:fld id="{CAA19DDD-B1BD-4DBB-A1A9-366082CC542B}" type="slidenum">
               <a:rPr lang="en-US" smtClean="0"/>
-              <a:t>44</a:t>
+              <a:t>48</a:t>
             </a:fld>
             <a:endParaRPr lang="en-US"/>
           </a:p>
@@ -1778,7 +1878,7 @@
     </p:spTree>
     <p:extLst>
       <p:ext uri="{BB962C8B-B14F-4D97-AF65-F5344CB8AC3E}">
-        <p14:creationId xmlns:p14="http://schemas.microsoft.com/office/powerpoint/2010/main" val="4235895891"/>
+        <p14:creationId xmlns:p14="http://schemas.microsoft.com/office/powerpoint/2010/main" val="508056505"/>
       </p:ext>
     </p:extLst>
   </p:cSld>
@@ -1921,19 +2021,40 @@
           <a:p>
             <a:r>
               <a:rPr lang="en-US" dirty="0"/>
-              <a:t>https://www.everythingrf.com/rf-calculators/antenna-near-field-distance-calculator</a:t>
-            </a:r>
-          </a:p>
-          <a:p>
-            <a:r>
-              <a:rPr lang="en-US" dirty="0"/>
-              <a:t>https://www.antenna-theory.com/basics/radpattern.php</a:t>
-            </a:r>
-          </a:p>
-          <a:p>
-            <a:r>
-              <a:rPr lang="en-US" dirty="0"/>
-              <a:t>https://kb.ettus.com/images/2/2b/ettus_research_vert900_datasheet.pdf</a:t>
+              <a:t>https://stackoverflow.com/questions/2360734/whats-a-good-directory-structure-for-larger-c-projects-using-makefile</a:t>
+            </a:r>
+          </a:p>
+          <a:p>
+            <a:r>
+              <a:rPr lang="en-US"/>
+              <a:t>https://www.open-std.org/jtc1/sc22/wg21/docs/papers/2018/p1204r0.html</a:t>
+            </a:r>
+          </a:p>
+          <a:p>
+            <a:endParaRPr lang="en-US"/>
+          </a:p>
+          <a:p>
+            <a:r>
+              <a:rPr lang="en-US" dirty="0"/>
+              <a:t>https://stackoverflow.com/questions/8304190/cmake-with-include-and-source-paths-basic-setup</a:t>
+            </a:r>
+          </a:p>
+          <a:p>
+            <a:r>
+              <a:rPr lang="en-US" dirty="0"/>
+              <a:t>https://gitlab.kitware.com/cmake/community/-/wikis/doc/cmake/Useful-Variables</a:t>
+            </a:r>
+          </a:p>
+          <a:p>
+            <a:r>
+              <a:rPr lang="en-US" dirty="0"/>
+              <a:t>https://stackoverflow.com/questions/4506193/what-are-the-dusty-corners-a-newcomer-to-cmake-will-want-to-know</a:t>
+            </a:r>
+          </a:p>
+          <a:p>
+            <a:r>
+              <a:rPr lang="en-US" dirty="0"/>
+              <a:t>https://cmake.org/cmake/help/latest/guide/tutorial/Adding%20a%20Library.html </a:t>
             </a:r>
           </a:p>
         </p:txBody>
@@ -1955,7 +2076,106 @@
           <a:p>
             <a:fld id="{CAA19DDD-B1BD-4DBB-A1A9-366082CC542B}" type="slidenum">
               <a:rPr lang="en-US" smtClean="0"/>
-              <a:t>52</a:t>
+              <a:t>49</a:t>
+            </a:fld>
+            <a:endParaRPr lang="en-US"/>
+          </a:p>
+        </p:txBody>
+      </p:sp>
+    </p:spTree>
+    <p:extLst>
+      <p:ext uri="{BB962C8B-B14F-4D97-AF65-F5344CB8AC3E}">
+        <p14:creationId xmlns:p14="http://schemas.microsoft.com/office/powerpoint/2010/main" val="4235895891"/>
+      </p:ext>
+    </p:extLst>
+  </p:cSld>
+  <p:clrMapOvr>
+    <a:masterClrMapping/>
+  </p:clrMapOvr>
+</p:notes>
+</file>
+
+<file path=ppt/notesSlides/notesSlide21.xml><?xml version="1.0" encoding="utf-8"?>
+<p:notes xmlns:a="http://schemas.openxmlformats.org/drawingml/2006/main" xmlns:r="http://schemas.openxmlformats.org/officeDocument/2006/relationships" xmlns:p="http://schemas.openxmlformats.org/presentationml/2006/main">
+  <p:cSld>
+    <p:spTree>
+      <p:nvGrpSpPr>
+        <p:cNvPr id="1" name=""/>
+        <p:cNvGrpSpPr/>
+        <p:nvPr/>
+      </p:nvGrpSpPr>
+      <p:grpSpPr>
+        <a:xfrm>
+          <a:off x="0" y="0"/>
+          <a:ext cx="0" cy="0"/>
+          <a:chOff x="0" y="0"/>
+          <a:chExt cx="0" cy="0"/>
+        </a:xfrm>
+      </p:grpSpPr>
+      <p:sp>
+        <p:nvSpPr>
+          <p:cNvPr id="2" name="Slide Image Placeholder 1"/>
+          <p:cNvSpPr>
+            <a:spLocks noGrp="1" noRot="1" noChangeAspect="1"/>
+          </p:cNvSpPr>
+          <p:nvPr>
+            <p:ph type="sldImg"/>
+          </p:nvPr>
+        </p:nvSpPr>
+        <p:spPr/>
+      </p:sp>
+      <p:sp>
+        <p:nvSpPr>
+          <p:cNvPr id="3" name="Notes Placeholder 2"/>
+          <p:cNvSpPr>
+            <a:spLocks noGrp="1"/>
+          </p:cNvSpPr>
+          <p:nvPr>
+            <p:ph type="body" idx="1"/>
+          </p:nvPr>
+        </p:nvSpPr>
+        <p:spPr/>
+        <p:txBody>
+          <a:bodyPr/>
+          <a:lstStyle/>
+          <a:p>
+            <a:r>
+              <a:rPr lang="en-US" dirty="0"/>
+              <a:t>https://www.everythingrf.com/rf-calculators/antenna-near-field-distance-calculator</a:t>
+            </a:r>
+          </a:p>
+          <a:p>
+            <a:r>
+              <a:rPr lang="en-US" dirty="0"/>
+              <a:t>https://www.antenna-theory.com/basics/radpattern.php</a:t>
+            </a:r>
+          </a:p>
+          <a:p>
+            <a:r>
+              <a:rPr lang="en-US" dirty="0"/>
+              <a:t>https://kb.ettus.com/images/2/2b/ettus_research_vert900_datasheet.pdf</a:t>
+            </a:r>
+          </a:p>
+        </p:txBody>
+      </p:sp>
+      <p:sp>
+        <p:nvSpPr>
+          <p:cNvPr id="4" name="Slide Number Placeholder 3"/>
+          <p:cNvSpPr>
+            <a:spLocks noGrp="1"/>
+          </p:cNvSpPr>
+          <p:nvPr>
+            <p:ph type="sldNum" sz="quarter" idx="5"/>
+          </p:nvPr>
+        </p:nvSpPr>
+        <p:spPr/>
+        <p:txBody>
+          <a:bodyPr/>
+          <a:lstStyle/>
+          <a:p>
+            <a:fld id="{CAA19DDD-B1BD-4DBB-A1A9-366082CC542B}" type="slidenum">
+              <a:rPr lang="en-US" smtClean="0"/>
+              <a:t>60</a:t>
             </a:fld>
             <a:endParaRPr lang="en-US"/>
           </a:p>
@@ -2789,7 +3009,7 @@
           <a:p>
             <a:fld id="{8C8B827B-D727-48E9-881C-E759228D42E3}" type="datetimeFigureOut">
               <a:rPr lang="en-US" smtClean="0"/>
-              <a:t>4/9/2024</a:t>
+              <a:t>4/10/2024</a:t>
             </a:fld>
             <a:endParaRPr lang="en-US"/>
           </a:p>
@@ -2987,7 +3207,7 @@
           <a:p>
             <a:fld id="{8C8B827B-D727-48E9-881C-E759228D42E3}" type="datetimeFigureOut">
               <a:rPr lang="en-US" smtClean="0"/>
-              <a:t>4/9/2024</a:t>
+              <a:t>4/10/2024</a:t>
             </a:fld>
             <a:endParaRPr lang="en-US"/>
           </a:p>
@@ -3195,7 +3415,7 @@
           <a:p>
             <a:fld id="{8C8B827B-D727-48E9-881C-E759228D42E3}" type="datetimeFigureOut">
               <a:rPr lang="en-US" smtClean="0"/>
-              <a:t>4/9/2024</a:t>
+              <a:t>4/10/2024</a:t>
             </a:fld>
             <a:endParaRPr lang="en-US"/>
           </a:p>
@@ -3678,7 +3898,7 @@
           <a:p>
             <a:fld id="{8C8B827B-D727-48E9-881C-E759228D42E3}" type="datetimeFigureOut">
               <a:rPr lang="en-US" smtClean="0"/>
-              <a:t>4/9/2024</a:t>
+              <a:t>4/10/2024</a:t>
             </a:fld>
             <a:endParaRPr lang="en-US"/>
           </a:p>
@@ -3953,7 +4173,7 @@
           <a:p>
             <a:fld id="{8C8B827B-D727-48E9-881C-E759228D42E3}" type="datetimeFigureOut">
               <a:rPr lang="en-US" smtClean="0"/>
-              <a:t>4/9/2024</a:t>
+              <a:t>4/10/2024</a:t>
             </a:fld>
             <a:endParaRPr lang="en-US"/>
           </a:p>
@@ -4218,7 +4438,7 @@
           <a:p>
             <a:fld id="{8C8B827B-D727-48E9-881C-E759228D42E3}" type="datetimeFigureOut">
               <a:rPr lang="en-US" smtClean="0"/>
-              <a:t>4/9/2024</a:t>
+              <a:t>4/10/2024</a:t>
             </a:fld>
             <a:endParaRPr lang="en-US"/>
           </a:p>
@@ -4630,7 +4850,7 @@
           <a:p>
             <a:fld id="{8C8B827B-D727-48E9-881C-E759228D42E3}" type="datetimeFigureOut">
               <a:rPr lang="en-US" smtClean="0"/>
-              <a:t>4/9/2024</a:t>
+              <a:t>4/10/2024</a:t>
             </a:fld>
             <a:endParaRPr lang="en-US"/>
           </a:p>
@@ -4771,7 +4991,7 @@
           <a:p>
             <a:fld id="{8C8B827B-D727-48E9-881C-E759228D42E3}" type="datetimeFigureOut">
               <a:rPr lang="en-US" smtClean="0"/>
-              <a:t>4/9/2024</a:t>
+              <a:t>4/10/2024</a:t>
             </a:fld>
             <a:endParaRPr lang="en-US"/>
           </a:p>
@@ -4884,7 +5104,7 @@
           <a:p>
             <a:fld id="{8C8B827B-D727-48E9-881C-E759228D42E3}" type="datetimeFigureOut">
               <a:rPr lang="en-US" smtClean="0"/>
-              <a:t>4/9/2024</a:t>
+              <a:t>4/10/2024</a:t>
             </a:fld>
             <a:endParaRPr lang="en-US"/>
           </a:p>
@@ -5195,7 +5415,7 @@
           <a:p>
             <a:fld id="{8C8B827B-D727-48E9-881C-E759228D42E3}" type="datetimeFigureOut">
               <a:rPr lang="en-US" smtClean="0"/>
-              <a:t>4/9/2024</a:t>
+              <a:t>4/10/2024</a:t>
             </a:fld>
             <a:endParaRPr lang="en-US"/>
           </a:p>
@@ -5483,7 +5703,7 @@
           <a:p>
             <a:fld id="{8C8B827B-D727-48E9-881C-E759228D42E3}" type="datetimeFigureOut">
               <a:rPr lang="en-US" smtClean="0"/>
-              <a:t>4/9/2024</a:t>
+              <a:t>4/10/2024</a:t>
             </a:fld>
             <a:endParaRPr lang="en-US"/>
           </a:p>
@@ -5724,7 +5944,7 @@
           <a:p>
             <a:fld id="{8C8B827B-D727-48E9-881C-E759228D42E3}" type="datetimeFigureOut">
               <a:rPr lang="en-US" smtClean="0"/>
-              <a:t>4/9/2024</a:t>
+              <a:t>4/10/2024</a:t>
             </a:fld>
             <a:endParaRPr lang="en-US"/>
           </a:p>
@@ -8395,10 +8615,10 @@
       </p:grpSpPr>
       <p:sp>
         <p:nvSpPr>
-          <p:cNvPr id="2" name="Title 1">
-            <a:extLst>
-              <a:ext uri="{FF2B5EF4-FFF2-40B4-BE49-F238E27FC236}">
-                <a16:creationId xmlns:a16="http://schemas.microsoft.com/office/drawing/2014/main" id="{E71D28EB-E116-E2D5-465B-AA88E28D9007}"/>
+          <p:cNvPr id="7" name="Title 6">
+            <a:extLst>
+              <a:ext uri="{FF2B5EF4-FFF2-40B4-BE49-F238E27FC236}">
+                <a16:creationId xmlns:a16="http://schemas.microsoft.com/office/drawing/2014/main" id="{B849519B-C320-CBBB-D103-C8FB9B4A804A}"/>
               </a:ext>
             </a:extLst>
           </p:cNvPr>
@@ -8416,17 +8636,17 @@
           <a:p>
             <a:r>
               <a:rPr lang="en-US" dirty="0"/>
-              <a:t>Useful references</a:t>
-            </a:r>
-          </a:p>
-        </p:txBody>
-      </p:sp>
-      <p:sp>
-        <p:nvSpPr>
-          <p:cNvPr id="3" name="Content Placeholder 2">
-            <a:extLst>
-              <a:ext uri="{FF2B5EF4-FFF2-40B4-BE49-F238E27FC236}">
-                <a16:creationId xmlns:a16="http://schemas.microsoft.com/office/drawing/2014/main" id="{2BCDBBD1-1AC0-212A-8BEA-32102379377C}"/>
+              <a:t>MMIO maximum memory</a:t>
+            </a:r>
+          </a:p>
+        </p:txBody>
+      </p:sp>
+      <p:sp>
+        <p:nvSpPr>
+          <p:cNvPr id="8" name="Content Placeholder 7">
+            <a:extLst>
+              <a:ext uri="{FF2B5EF4-FFF2-40B4-BE49-F238E27FC236}">
+                <a16:creationId xmlns:a16="http://schemas.microsoft.com/office/drawing/2014/main" id="{AE46060B-E52F-E5D6-DD87-870FE49016B3}"/>
               </a:ext>
             </a:extLst>
           </p:cNvPr>
@@ -8437,141 +8657,253 @@
             <p:ph idx="1"/>
           </p:nvPr>
         </p:nvSpPr>
-        <p:spPr/>
-        <p:txBody>
-          <a:bodyPr>
-            <a:normAutofit fontScale="85000" lnSpcReduction="10000"/>
-          </a:bodyPr>
-          <a:lstStyle/>
-          <a:p>
-            <a:r>
-              <a:rPr lang="en-US" dirty="0">
-                <a:hlinkClick r:id="rId2"/>
-              </a:rPr>
-              <a:t>https://files.ettus.com/schematics/x300/x3xx.pdf</a:t>
-            </a:r>
-            <a:endParaRPr lang="en-US" dirty="0"/>
-          </a:p>
-          <a:p>
-            <a:r>
-              <a:rPr lang="en-US" dirty="0"/>
-              <a:t>NI documentation</a:t>
+        <p:spPr>
+          <a:xfrm>
+            <a:off x="838200" y="1825625"/>
+            <a:ext cx="5572328" cy="4351338"/>
+          </a:xfrm>
+        </p:spPr>
+        <p:txBody>
+          <a:bodyPr/>
+          <a:lstStyle/>
+          <a:p>
+            <a:r>
+              <a:rPr lang="en-US" dirty="0"/>
+              <a:t>Each BRAM is 36 kb</a:t>
             </a:r>
           </a:p>
           <a:p>
             <a:pPr lvl="1"/>
             <a:r>
-              <a:rPr lang="en-US" dirty="0">
-                <a:hlinkClick r:id="rId3"/>
-              </a:rPr>
-              <a:t>https://kb.ettus.com/Mapping_Between_ER-USRP_and_NI-USRP_Product_Numbers</a:t>
-            </a:r>
-            <a:endParaRPr lang="en-US" dirty="0"/>
-          </a:p>
-          <a:p>
-            <a:pPr lvl="1"/>
-            <a:r>
-              <a:rPr lang="en-US" dirty="0"/>
-              <a:t> </a:t>
-            </a:r>
-            <a:r>
-              <a:rPr lang="en-US" dirty="0">
-                <a:hlinkClick r:id="rId4"/>
-              </a:rPr>
-              <a:t>https://www.ni.com/docs/en-US/bundle/usrp-2940-features/page/usrp-2940-feature.html</a:t>
-            </a:r>
-            <a:r>
-              <a:rPr lang="en-US" dirty="0"/>
-              <a:t> </a:t>
-            </a:r>
-          </a:p>
-          <a:p>
-            <a:r>
-              <a:rPr lang="en-US" dirty="0"/>
-              <a:t>FPGA features</a:t>
-            </a:r>
-          </a:p>
-          <a:p>
-            <a:pPr lvl="1"/>
-            <a:r>
-              <a:rPr lang="en-US" dirty="0">
-                <a:hlinkClick r:id="rId5"/>
-              </a:rPr>
-              <a:t>https://docs.xilinx.com/v/u/en-US/7-series-product-selection-guide</a:t>
-            </a:r>
-            <a:r>
-              <a:rPr lang="en-US" dirty="0"/>
-              <a:t> </a:t>
-            </a:r>
-          </a:p>
-          <a:p>
-            <a:pPr lvl="1"/>
-            <a:r>
-              <a:rPr lang="en-US" dirty="0">
-                <a:hlinkClick r:id="rId6"/>
-              </a:rPr>
-              <a:t>https://docs.xilinx.com/v/u/en-US/ug473_7Series_Memory_Resources</a:t>
-            </a:r>
-            <a:r>
-              <a:rPr lang="en-US" dirty="0"/>
-              <a:t> </a:t>
-            </a:r>
-          </a:p>
-          <a:p>
-            <a:r>
-              <a:rPr lang="en-US" dirty="0"/>
-              <a:t>A components list:</a:t>
-            </a:r>
-          </a:p>
-          <a:p>
-            <a:pPr lvl="1"/>
-            <a:r>
-              <a:rPr lang="en-US" dirty="0">
-                <a:hlinkClick r:id="rId7"/>
-              </a:rPr>
-              <a:t>https://kb.ettus.com/X300/X310#Choosing_USRP_X310_vs_USRP_X300</a:t>
-            </a:r>
-            <a:r>
-              <a:rPr lang="en-US" dirty="0"/>
-              <a:t> </a:t>
-            </a:r>
-          </a:p>
-          <a:p>
-            <a:pPr lvl="1"/>
-            <a:r>
-              <a:rPr lang="en-US" dirty="0">
-                <a:hlinkClick r:id="rId8"/>
-              </a:rPr>
-              <a:t>https://www.analog.com/media/en/technical-documentation/data-sheets/AD9146.PDF</a:t>
-            </a:r>
-            <a:r>
-              <a:rPr lang="en-US" dirty="0"/>
-              <a:t> </a:t>
-            </a:r>
-          </a:p>
-          <a:p>
-            <a:pPr lvl="1"/>
-            <a:r>
-              <a:rPr lang="en-US" dirty="0">
-                <a:hlinkClick r:id="rId9"/>
-              </a:rPr>
-              <a:t>https://www.ti.com/lit/ds/symlink/ads62p48.pdf?ts=1697824892672&amp;ref_url=https%253A%252F%252Fwww.google.com%252F</a:t>
-            </a:r>
-            <a:r>
-              <a:rPr lang="en-US" dirty="0"/>
-              <a:t> </a:t>
-            </a:r>
-          </a:p>
-          <a:p>
-            <a:pPr lvl="1"/>
-            <a:endParaRPr lang="en-US" dirty="0"/>
-          </a:p>
-        </p:txBody>
-      </p:sp>
+              <a:rPr lang="en-US" dirty="0"/>
+              <a:t>Can’t set it to run at a data width of 32 bits – can only set it as 36 bit width</a:t>
+            </a:r>
+          </a:p>
+          <a:p>
+            <a:r>
+              <a:rPr lang="en-US" dirty="0"/>
+              <a:t>Total available (unused) memory is 311,000 32 bit samples</a:t>
+            </a:r>
+          </a:p>
+        </p:txBody>
+      </p:sp>
+      <p:pic>
+        <p:nvPicPr>
+          <p:cNvPr id="10" name="Picture 9">
+            <a:extLst>
+              <a:ext uri="{FF2B5EF4-FFF2-40B4-BE49-F238E27FC236}">
+                <a16:creationId xmlns:a16="http://schemas.microsoft.com/office/drawing/2014/main" id="{EBEFF843-9220-1ED0-11BA-A3B5981FA0BD}"/>
+              </a:ext>
+            </a:extLst>
+          </p:cNvPr>
+          <p:cNvPicPr>
+            <a:picLocks noChangeAspect="1"/>
+          </p:cNvPicPr>
+          <p:nvPr/>
+        </p:nvPicPr>
+        <p:blipFill>
+          <a:blip r:embed="rId2"/>
+          <a:stretch>
+            <a:fillRect/>
+          </a:stretch>
+        </p:blipFill>
+        <p:spPr>
+          <a:xfrm>
+            <a:off x="6835052" y="4043204"/>
+            <a:ext cx="5039428" cy="2248214"/>
+          </a:xfrm>
+          <a:prstGeom prst="rect">
+            <a:avLst/>
+          </a:prstGeom>
+        </p:spPr>
+      </p:pic>
+      <p:pic>
+        <p:nvPicPr>
+          <p:cNvPr id="12" name="Picture 11">
+            <a:extLst>
+              <a:ext uri="{FF2B5EF4-FFF2-40B4-BE49-F238E27FC236}">
+                <a16:creationId xmlns:a16="http://schemas.microsoft.com/office/drawing/2014/main" id="{52970C76-0ED8-1385-6ADB-7034D34F8DBB}"/>
+              </a:ext>
+            </a:extLst>
+          </p:cNvPr>
+          <p:cNvPicPr>
+            <a:picLocks noChangeAspect="1"/>
+          </p:cNvPicPr>
+          <p:nvPr/>
+        </p:nvPicPr>
+        <p:blipFill>
+          <a:blip r:embed="rId3"/>
+          <a:stretch>
+            <a:fillRect/>
+          </a:stretch>
+        </p:blipFill>
+        <p:spPr>
+          <a:xfrm>
+            <a:off x="6607762" y="1427188"/>
+            <a:ext cx="5489825" cy="2248214"/>
+          </a:xfrm>
+          <a:prstGeom prst="rect">
+            <a:avLst/>
+          </a:prstGeom>
+        </p:spPr>
+      </p:pic>
+      <mc:AlternateContent xmlns:mc="http://schemas.openxmlformats.org/markup-compatibility/2006" xmlns:p14="http://schemas.microsoft.com/office/powerpoint/2010/main">
+        <mc:Choice Requires="p14">
+          <p:contentPart p14:bwMode="auto" r:id="rId4">
+            <p14:nvContentPartPr>
+              <p14:cNvPr id="13" name="Ink 12">
+                <a:extLst>
+                  <a:ext uri="{FF2B5EF4-FFF2-40B4-BE49-F238E27FC236}">
+                    <a16:creationId xmlns:a16="http://schemas.microsoft.com/office/drawing/2014/main" id="{59A49827-BAB3-FFDC-35B9-6E0C7BF32798}"/>
+                  </a:ext>
+                </a:extLst>
+              </p14:cNvPr>
+              <p14:cNvContentPartPr/>
+              <p14:nvPr/>
+            </p14:nvContentPartPr>
+            <p14:xfrm>
+              <a:off x="6887091" y="2558060"/>
+              <a:ext cx="418320" cy="19080"/>
+            </p14:xfrm>
+          </p:contentPart>
+        </mc:Choice>
+        <mc:Fallback xmlns="">
+          <p:pic>
+            <p:nvPicPr>
+              <p:cNvPr id="13" name="Ink 12">
+                <a:extLst>
+                  <a:ext uri="{FF2B5EF4-FFF2-40B4-BE49-F238E27FC236}">
+                    <a16:creationId xmlns:a16="http://schemas.microsoft.com/office/drawing/2014/main" id="{59A49827-BAB3-FFDC-35B9-6E0C7BF32798}"/>
+                  </a:ext>
+                </a:extLst>
+              </p:cNvPr>
+              <p:cNvPicPr/>
+              <p:nvPr/>
+            </p:nvPicPr>
+            <p:blipFill>
+              <a:blip r:embed="rId5"/>
+              <a:stretch>
+                <a:fillRect/>
+              </a:stretch>
+            </p:blipFill>
+            <p:spPr>
+              <a:xfrm>
+                <a:off x="6833451" y="2450420"/>
+                <a:ext cx="525960" cy="234720"/>
+              </a:xfrm>
+              <a:prstGeom prst="rect">
+                <a:avLst/>
+              </a:prstGeom>
+            </p:spPr>
+          </p:pic>
+        </mc:Fallback>
+      </mc:AlternateContent>
+      <mc:AlternateContent xmlns:mc="http://schemas.openxmlformats.org/markup-compatibility/2006" xmlns:p14="http://schemas.microsoft.com/office/powerpoint/2010/main">
+        <mc:Choice Requires="p14">
+          <p:contentPart p14:bwMode="auto" r:id="rId6">
+            <p14:nvContentPartPr>
+              <p14:cNvPr id="15" name="Ink 14">
+                <a:extLst>
+                  <a:ext uri="{FF2B5EF4-FFF2-40B4-BE49-F238E27FC236}">
+                    <a16:creationId xmlns:a16="http://schemas.microsoft.com/office/drawing/2014/main" id="{71010758-5F10-1446-5965-EC0757BC19B5}"/>
+                  </a:ext>
+                </a:extLst>
+              </p14:cNvPr>
+              <p14:cNvContentPartPr/>
+              <p14:nvPr/>
+            </p14:nvContentPartPr>
+            <p14:xfrm>
+              <a:off x="9377211" y="2227220"/>
+              <a:ext cx="2577240" cy="59760"/>
+            </p14:xfrm>
+          </p:contentPart>
+        </mc:Choice>
+        <mc:Fallback xmlns="">
+          <p:pic>
+            <p:nvPicPr>
+              <p:cNvPr id="15" name="Ink 14">
+                <a:extLst>
+                  <a:ext uri="{FF2B5EF4-FFF2-40B4-BE49-F238E27FC236}">
+                    <a16:creationId xmlns:a16="http://schemas.microsoft.com/office/drawing/2014/main" id="{71010758-5F10-1446-5965-EC0757BC19B5}"/>
+                  </a:ext>
+                </a:extLst>
+              </p:cNvPr>
+              <p:cNvPicPr/>
+              <p:nvPr/>
+            </p:nvPicPr>
+            <p:blipFill>
+              <a:blip r:embed="rId7"/>
+              <a:stretch>
+                <a:fillRect/>
+              </a:stretch>
+            </p:blipFill>
+            <p:spPr>
+              <a:xfrm>
+                <a:off x="9323571" y="2119580"/>
+                <a:ext cx="2684880" cy="275400"/>
+              </a:xfrm>
+              <a:prstGeom prst="rect">
+                <a:avLst/>
+              </a:prstGeom>
+            </p:spPr>
+          </p:pic>
+        </mc:Fallback>
+      </mc:AlternateContent>
+      <mc:AlternateContent xmlns:mc="http://schemas.openxmlformats.org/markup-compatibility/2006" xmlns:p14="http://schemas.microsoft.com/office/powerpoint/2010/main">
+        <mc:Choice Requires="p14">
+          <p:contentPart p14:bwMode="auto" r:id="rId8">
+            <p14:nvContentPartPr>
+              <p14:cNvPr id="16" name="Ink 15">
+                <a:extLst>
+                  <a:ext uri="{FF2B5EF4-FFF2-40B4-BE49-F238E27FC236}">
+                    <a16:creationId xmlns:a16="http://schemas.microsoft.com/office/drawing/2014/main" id="{F1B168EA-14F9-94EA-5A38-D147B1780050}"/>
+                  </a:ext>
+                </a:extLst>
+              </p14:cNvPr>
+              <p14:cNvContentPartPr/>
+              <p14:nvPr/>
+            </p14:nvContentPartPr>
+            <p14:xfrm>
+              <a:off x="6799611" y="2383100"/>
+              <a:ext cx="1332000" cy="39600"/>
+            </p14:xfrm>
+          </p:contentPart>
+        </mc:Choice>
+        <mc:Fallback xmlns="">
+          <p:pic>
+            <p:nvPicPr>
+              <p:cNvPr id="16" name="Ink 15">
+                <a:extLst>
+                  <a:ext uri="{FF2B5EF4-FFF2-40B4-BE49-F238E27FC236}">
+                    <a16:creationId xmlns:a16="http://schemas.microsoft.com/office/drawing/2014/main" id="{F1B168EA-14F9-94EA-5A38-D147B1780050}"/>
+                  </a:ext>
+                </a:extLst>
+              </p:cNvPr>
+              <p:cNvPicPr/>
+              <p:nvPr/>
+            </p:nvPicPr>
+            <p:blipFill>
+              <a:blip r:embed="rId9"/>
+              <a:stretch>
+                <a:fillRect/>
+              </a:stretch>
+            </p:blipFill>
+            <p:spPr>
+              <a:xfrm>
+                <a:off x="6745611" y="2275460"/>
+                <a:ext cx="1439640" cy="255240"/>
+              </a:xfrm>
+              <a:prstGeom prst="rect">
+                <a:avLst/>
+              </a:prstGeom>
+            </p:spPr>
+          </p:pic>
+        </mc:Fallback>
+      </mc:AlternateContent>
     </p:spTree>
     <p:extLst>
       <p:ext uri="{BB962C8B-B14F-4D97-AF65-F5344CB8AC3E}">
-        <p14:creationId xmlns:p14="http://schemas.microsoft.com/office/powerpoint/2010/main" val="143231002"/>
+        <p14:creationId xmlns:p14="http://schemas.microsoft.com/office/powerpoint/2010/main" val="1305721894"/>
       </p:ext>
     </p:extLst>
   </p:cSld>
@@ -8603,7 +8935,7 @@
           <p:cNvPr id="2" name="Title 1">
             <a:extLst>
               <a:ext uri="{FF2B5EF4-FFF2-40B4-BE49-F238E27FC236}">
-                <a16:creationId xmlns:a16="http://schemas.microsoft.com/office/drawing/2014/main" id="{77A8B134-60D4-036B-1031-D9EEE2B29E74}"/>
+                <a16:creationId xmlns:a16="http://schemas.microsoft.com/office/drawing/2014/main" id="{E71D28EB-E116-E2D5-465B-AA88E28D9007}"/>
               </a:ext>
             </a:extLst>
           </p:cNvPr>
@@ -8621,40 +8953,162 @@
           <a:p>
             <a:r>
               <a:rPr lang="en-US" dirty="0"/>
-              <a:t>Project setup</a:t>
-            </a:r>
-          </a:p>
-        </p:txBody>
-      </p:sp>
-      <p:sp>
-        <p:nvSpPr>
-          <p:cNvPr id="3" name="Text Placeholder 2">
-            <a:extLst>
-              <a:ext uri="{FF2B5EF4-FFF2-40B4-BE49-F238E27FC236}">
-                <a16:creationId xmlns:a16="http://schemas.microsoft.com/office/drawing/2014/main" id="{5ECB9AE9-81BB-8E5B-2387-5E1E12CC1AB9}"/>
-              </a:ext>
-            </a:extLst>
-          </p:cNvPr>
-          <p:cNvSpPr>
-            <a:spLocks noGrp="1"/>
-          </p:cNvSpPr>
-          <p:nvPr>
-            <p:ph type="body" idx="1"/>
-          </p:nvPr>
-        </p:nvSpPr>
-        <p:spPr/>
-        <p:txBody>
-          <a:bodyPr/>
-          <a:lstStyle/>
-          <a:p>
-            <a:endParaRPr lang="en-US"/>
+              <a:t>Useful references</a:t>
+            </a:r>
+          </a:p>
+        </p:txBody>
+      </p:sp>
+      <p:sp>
+        <p:nvSpPr>
+          <p:cNvPr id="3" name="Content Placeholder 2">
+            <a:extLst>
+              <a:ext uri="{FF2B5EF4-FFF2-40B4-BE49-F238E27FC236}">
+                <a16:creationId xmlns:a16="http://schemas.microsoft.com/office/drawing/2014/main" id="{2BCDBBD1-1AC0-212A-8BEA-32102379377C}"/>
+              </a:ext>
+            </a:extLst>
+          </p:cNvPr>
+          <p:cNvSpPr>
+            <a:spLocks noGrp="1"/>
+          </p:cNvSpPr>
+          <p:nvPr>
+            <p:ph idx="1"/>
+          </p:nvPr>
+        </p:nvSpPr>
+        <p:spPr/>
+        <p:txBody>
+          <a:bodyPr>
+            <a:normAutofit fontScale="85000" lnSpcReduction="10000"/>
+          </a:bodyPr>
+          <a:lstStyle/>
+          <a:p>
+            <a:r>
+              <a:rPr lang="en-US" dirty="0">
+                <a:hlinkClick r:id="rId2"/>
+              </a:rPr>
+              <a:t>https://files.ettus.com/schematics/x300/x3xx.pdf</a:t>
+            </a:r>
+            <a:endParaRPr lang="en-US" dirty="0"/>
+          </a:p>
+          <a:p>
+            <a:r>
+              <a:rPr lang="en-US" dirty="0"/>
+              <a:t>NI documentation</a:t>
+            </a:r>
+          </a:p>
+          <a:p>
+            <a:pPr lvl="1"/>
+            <a:r>
+              <a:rPr lang="en-US" dirty="0">
+                <a:hlinkClick r:id="rId3"/>
+              </a:rPr>
+              <a:t>https://kb.ettus.com/Mapping_Between_ER-USRP_and_NI-USRP_Product_Numbers</a:t>
+            </a:r>
+            <a:endParaRPr lang="en-US" dirty="0"/>
+          </a:p>
+          <a:p>
+            <a:pPr lvl="1"/>
+            <a:r>
+              <a:rPr lang="en-US" dirty="0"/>
+              <a:t> </a:t>
+            </a:r>
+            <a:r>
+              <a:rPr lang="en-US" dirty="0">
+                <a:hlinkClick r:id="rId4"/>
+              </a:rPr>
+              <a:t>https://www.ni.com/docs/en-US/bundle/usrp-2940-features/page/usrp-2940-feature.html</a:t>
+            </a:r>
+            <a:r>
+              <a:rPr lang="en-US" dirty="0"/>
+              <a:t> </a:t>
+            </a:r>
+          </a:p>
+          <a:p>
+            <a:r>
+              <a:rPr lang="en-US" dirty="0"/>
+              <a:t>FPGA features</a:t>
+            </a:r>
+          </a:p>
+          <a:p>
+            <a:pPr lvl="1"/>
+            <a:r>
+              <a:rPr lang="en-US" dirty="0">
+                <a:hlinkClick r:id="rId5"/>
+              </a:rPr>
+              <a:t>https://docs.xilinx.com/v/u/en-US/7-series-product-selection-guide</a:t>
+            </a:r>
+            <a:r>
+              <a:rPr lang="en-US" dirty="0"/>
+              <a:t> </a:t>
+            </a:r>
+          </a:p>
+          <a:p>
+            <a:pPr lvl="1"/>
+            <a:r>
+              <a:rPr lang="en-US" dirty="0">
+                <a:hlinkClick r:id="rId6"/>
+              </a:rPr>
+              <a:t>https://docs.xilinx.com/v/u/en-US/ug473_7Series_Memory_Resources</a:t>
+            </a:r>
+            <a:r>
+              <a:rPr lang="en-US" dirty="0"/>
+              <a:t> </a:t>
+            </a:r>
+          </a:p>
+          <a:p>
+            <a:r>
+              <a:rPr lang="en-US" dirty="0"/>
+              <a:t>A components list:</a:t>
+            </a:r>
+          </a:p>
+          <a:p>
+            <a:pPr lvl="1"/>
+            <a:r>
+              <a:rPr lang="en-US" dirty="0">
+                <a:hlinkClick r:id="rId7"/>
+              </a:rPr>
+              <a:t>https://kb.ettus.com/X300/X310#Choosing_USRP_X310_vs_USRP_X300</a:t>
+            </a:r>
+            <a:r>
+              <a:rPr lang="en-US" dirty="0"/>
+              <a:t> </a:t>
+            </a:r>
+          </a:p>
+          <a:p>
+            <a:pPr lvl="1"/>
+            <a:r>
+              <a:rPr lang="en-US" dirty="0">
+                <a:hlinkClick r:id="rId8"/>
+              </a:rPr>
+              <a:t>https://www.analog.com/media/en/technical-documentation/data-sheets/AD9146.PDF</a:t>
+            </a:r>
+            <a:r>
+              <a:rPr lang="en-US" dirty="0"/>
+              <a:t> </a:t>
+            </a:r>
+          </a:p>
+          <a:p>
+            <a:pPr lvl="1"/>
+            <a:r>
+              <a:rPr lang="en-US" dirty="0">
+                <a:hlinkClick r:id="rId9"/>
+              </a:rPr>
+              <a:t>https://www.ti.com/lit/ds/symlink/ads62p48.pdf?ts=1697824892672&amp;ref_url=https%253A%252F%252Fwww.google.com%252F</a:t>
+            </a:r>
+            <a:r>
+              <a:rPr lang="en-US" dirty="0"/>
+              <a:t> </a:t>
+            </a:r>
+          </a:p>
+          <a:p>
+            <a:pPr lvl="1"/>
+            <a:endParaRPr lang="en-US" dirty="0"/>
           </a:p>
         </p:txBody>
       </p:sp>
     </p:spTree>
     <p:extLst>
       <p:ext uri="{BB962C8B-B14F-4D97-AF65-F5344CB8AC3E}">
-        <p14:creationId xmlns:p14="http://schemas.microsoft.com/office/powerpoint/2010/main" val="554287356"/>
+        <p14:creationId xmlns:p14="http://schemas.microsoft.com/office/powerpoint/2010/main" val="143231002"/>
       </p:ext>
     </p:extLst>
   </p:cSld>
@@ -8686,7 +9140,7 @@
           <p:cNvPr id="2" name="Title 1">
             <a:extLst>
               <a:ext uri="{FF2B5EF4-FFF2-40B4-BE49-F238E27FC236}">
-                <a16:creationId xmlns:a16="http://schemas.microsoft.com/office/drawing/2014/main" id="{0DA0C938-E2BA-904C-F582-DBCAB5041D32}"/>
+                <a16:creationId xmlns:a16="http://schemas.microsoft.com/office/drawing/2014/main" id="{77A8B134-60D4-036B-1031-D9EEE2B29E74}"/>
               </a:ext>
             </a:extLst>
           </p:cNvPr>
@@ -8703,26 +9157,26 @@
           <a:lstStyle/>
           <a:p>
             <a:r>
-              <a:rPr lang="en-US"/>
-              <a:t>vlsipool</a:t>
-            </a:r>
-          </a:p>
-        </p:txBody>
-      </p:sp>
-      <p:sp>
-        <p:nvSpPr>
-          <p:cNvPr id="3" name="Content Placeholder 2">
-            <a:extLst>
-              <a:ext uri="{FF2B5EF4-FFF2-40B4-BE49-F238E27FC236}">
-                <a16:creationId xmlns:a16="http://schemas.microsoft.com/office/drawing/2014/main" id="{7A07C1C5-4FF4-8DBC-0E7C-6DCE2E2BE925}"/>
-              </a:ext>
-            </a:extLst>
-          </p:cNvPr>
-          <p:cNvSpPr>
-            <a:spLocks noGrp="1"/>
-          </p:cNvSpPr>
-          <p:nvPr>
-            <p:ph idx="1"/>
+              <a:rPr lang="en-US" dirty="0"/>
+              <a:t>Project setup</a:t>
+            </a:r>
+          </a:p>
+        </p:txBody>
+      </p:sp>
+      <p:sp>
+        <p:nvSpPr>
+          <p:cNvPr id="3" name="Text Placeholder 2">
+            <a:extLst>
+              <a:ext uri="{FF2B5EF4-FFF2-40B4-BE49-F238E27FC236}">
+                <a16:creationId xmlns:a16="http://schemas.microsoft.com/office/drawing/2014/main" id="{5ECB9AE9-81BB-8E5B-2387-5E1E12CC1AB9}"/>
+              </a:ext>
+            </a:extLst>
+          </p:cNvPr>
+          <p:cNvSpPr>
+            <a:spLocks noGrp="1"/>
+          </p:cNvSpPr>
+          <p:nvPr>
+            <p:ph type="body" idx="1"/>
           </p:nvPr>
         </p:nvSpPr>
         <p:spPr/>
@@ -8737,7 +9191,7 @@
     </p:spTree>
     <p:extLst>
       <p:ext uri="{BB962C8B-B14F-4D97-AF65-F5344CB8AC3E}">
-        <p14:creationId xmlns:p14="http://schemas.microsoft.com/office/powerpoint/2010/main" val="3061955902"/>
+        <p14:creationId xmlns:p14="http://schemas.microsoft.com/office/powerpoint/2010/main" val="554287356"/>
       </p:ext>
     </p:extLst>
   </p:cSld>
@@ -8769,7 +9223,7 @@
           <p:cNvPr id="2" name="Title 1">
             <a:extLst>
               <a:ext uri="{FF2B5EF4-FFF2-40B4-BE49-F238E27FC236}">
-                <a16:creationId xmlns:a16="http://schemas.microsoft.com/office/drawing/2014/main" id="{36785518-F646-0426-9F0E-190B5BF5F90B}"/>
+                <a16:creationId xmlns:a16="http://schemas.microsoft.com/office/drawing/2014/main" id="{0DA0C938-E2BA-904C-F582-DBCAB5041D32}"/>
               </a:ext>
             </a:extLst>
           </p:cNvPr>
@@ -8786,8 +9240,8 @@
           <a:lstStyle/>
           <a:p>
             <a:r>
-              <a:rPr lang="en-US" dirty="0"/>
-              <a:t>Verilog file structure</a:t>
+              <a:rPr lang="en-US"/>
+              <a:t>vlsipool</a:t>
             </a:r>
           </a:p>
         </p:txBody>
@@ -8797,7 +9251,7 @@
           <p:cNvPr id="3" name="Content Placeholder 2">
             <a:extLst>
               <a:ext uri="{FF2B5EF4-FFF2-40B4-BE49-F238E27FC236}">
-                <a16:creationId xmlns:a16="http://schemas.microsoft.com/office/drawing/2014/main" id="{D8945FCE-6F7E-DED7-600B-C454BF150E3B}"/>
+                <a16:creationId xmlns:a16="http://schemas.microsoft.com/office/drawing/2014/main" id="{7A07C1C5-4FF4-8DBC-0E7C-6DCE2E2BE925}"/>
               </a:ext>
             </a:extLst>
           </p:cNvPr>
@@ -8810,142 +9264,17 @@
         </p:nvSpPr>
         <p:spPr/>
         <p:txBody>
-          <a:bodyPr>
-            <a:normAutofit/>
-          </a:bodyPr>
-          <a:lstStyle/>
-          <a:p>
-            <a:r>
-              <a:rPr lang="en-US" dirty="0"/>
-              <a:t>First focus on implementing the signal </a:t>
-            </a:r>
-            <a:r>
-              <a:rPr lang="en-US" dirty="0" err="1"/>
-              <a:t>datapath</a:t>
-            </a:r>
-            <a:r>
-              <a:rPr lang="en-US" dirty="0"/>
-              <a:t> of your modules.</a:t>
-            </a:r>
-          </a:p>
-          <a:p>
-            <a:pPr lvl="1"/>
-            <a:r>
-              <a:rPr lang="en-US" dirty="0"/>
-              <a:t>They should have a </a:t>
-            </a:r>
-            <a:r>
-              <a:rPr lang="en-US" dirty="0" err="1"/>
-              <a:t>clk</a:t>
-            </a:r>
-            <a:r>
-              <a:rPr lang="en-US" dirty="0"/>
-              <a:t>, reset, start signal, and data you want to read</a:t>
-            </a:r>
-          </a:p>
-          <a:p>
-            <a:r>
-              <a:rPr lang="en-US" dirty="0"/>
-              <a:t>Recommended file structure</a:t>
-            </a:r>
-          </a:p>
-          <a:p>
-            <a:pPr lvl="1"/>
-            <a:r>
-              <a:rPr lang="en-US" dirty="0"/>
-              <a:t>Make a </a:t>
-            </a:r>
-            <a:r>
-              <a:rPr lang="en-US" dirty="0" err="1"/>
-              <a:t>github</a:t>
-            </a:r>
-            <a:r>
-              <a:rPr lang="en-US" dirty="0"/>
-              <a:t> repo</a:t>
-            </a:r>
-          </a:p>
-          <a:p>
-            <a:pPr lvl="2"/>
-            <a:r>
-              <a:rPr lang="en-US" dirty="0"/>
-              <a:t>ex: </a:t>
-            </a:r>
-            <a:r>
-              <a:rPr lang="en-US" dirty="0" err="1"/>
-              <a:t>your_project_name</a:t>
-            </a:r>
-            <a:r>
-              <a:rPr lang="en-US" dirty="0"/>
-              <a:t> = OSLA</a:t>
-            </a:r>
-          </a:p>
-          <a:p>
-            <a:pPr lvl="1"/>
-            <a:r>
-              <a:rPr lang="en-US" dirty="0"/>
-              <a:t>Then make an </a:t>
-            </a:r>
-            <a:r>
-              <a:rPr lang="en-US" dirty="0" err="1"/>
-              <a:t>rtl</a:t>
-            </a:r>
-            <a:r>
-              <a:rPr lang="en-US" dirty="0"/>
-              <a:t> folder</a:t>
-            </a:r>
-          </a:p>
-          <a:p>
-            <a:pPr lvl="1"/>
-            <a:r>
-              <a:rPr lang="en-US" dirty="0" err="1"/>
-              <a:t>mkdir</a:t>
-            </a:r>
-            <a:r>
-              <a:rPr lang="en-US" dirty="0"/>
-              <a:t> OSLA/</a:t>
-            </a:r>
-            <a:r>
-              <a:rPr lang="en-US" dirty="0" err="1"/>
-              <a:t>rtl</a:t>
-            </a:r>
-            <a:endParaRPr lang="en-US" dirty="0"/>
-          </a:p>
-          <a:p>
-            <a:pPr lvl="1"/>
-            <a:r>
-              <a:rPr lang="en-US" dirty="0"/>
-              <a:t>Make subfolders for sources</a:t>
-            </a:r>
-          </a:p>
-          <a:p>
-            <a:pPr lvl="1"/>
-            <a:r>
-              <a:rPr lang="en-US" dirty="0" err="1"/>
-              <a:t>mkdir</a:t>
-            </a:r>
-            <a:r>
-              <a:rPr lang="en-US" dirty="0"/>
-              <a:t> OSLA/</a:t>
-            </a:r>
-            <a:r>
-              <a:rPr lang="en-US" dirty="0" err="1"/>
-              <a:t>rtl</a:t>
-            </a:r>
-            <a:r>
-              <a:rPr lang="en-US" dirty="0"/>
-              <a:t>/sources </a:t>
-            </a:r>
-          </a:p>
-          <a:p>
-            <a:pPr lvl="1"/>
-            <a:endParaRPr lang="en-US" dirty="0"/>
+          <a:bodyPr/>
+          <a:lstStyle/>
+          <a:p>
+            <a:endParaRPr lang="en-US"/>
           </a:p>
         </p:txBody>
       </p:sp>
     </p:spTree>
     <p:extLst>
       <p:ext uri="{BB962C8B-B14F-4D97-AF65-F5344CB8AC3E}">
-        <p14:creationId xmlns:p14="http://schemas.microsoft.com/office/powerpoint/2010/main" val="392448970"/>
+        <p14:creationId xmlns:p14="http://schemas.microsoft.com/office/powerpoint/2010/main" val="3061955902"/>
       </p:ext>
     </p:extLst>
   </p:cSld>
@@ -8977,7 +9306,7 @@
           <p:cNvPr id="2" name="Title 1">
             <a:extLst>
               <a:ext uri="{FF2B5EF4-FFF2-40B4-BE49-F238E27FC236}">
-                <a16:creationId xmlns:a16="http://schemas.microsoft.com/office/drawing/2014/main" id="{718BAE49-EC9B-256B-64C8-FBEC84E45DF0}"/>
+                <a16:creationId xmlns:a16="http://schemas.microsoft.com/office/drawing/2014/main" id="{36785518-F646-0426-9F0E-190B5BF5F90B}"/>
               </a:ext>
             </a:extLst>
           </p:cNvPr>
@@ -8994,73 +9323,127 @@
           <a:lstStyle/>
           <a:p>
             <a:r>
+              <a:rPr lang="en-US" dirty="0"/>
+              <a:t>Verilog file structure</a:t>
+            </a:r>
+          </a:p>
+        </p:txBody>
+      </p:sp>
+      <p:sp>
+        <p:nvSpPr>
+          <p:cNvPr id="3" name="Content Placeholder 2">
+            <a:extLst>
+              <a:ext uri="{FF2B5EF4-FFF2-40B4-BE49-F238E27FC236}">
+                <a16:creationId xmlns:a16="http://schemas.microsoft.com/office/drawing/2014/main" id="{D8945FCE-6F7E-DED7-600B-C454BF150E3B}"/>
+              </a:ext>
+            </a:extLst>
+          </p:cNvPr>
+          <p:cNvSpPr>
+            <a:spLocks noGrp="1"/>
+          </p:cNvSpPr>
+          <p:nvPr>
+            <p:ph idx="1"/>
+          </p:nvPr>
+        </p:nvSpPr>
+        <p:spPr/>
+        <p:txBody>
+          <a:bodyPr>
+            <a:normAutofit/>
+          </a:bodyPr>
+          <a:lstStyle/>
+          <a:p>
+            <a:r>
+              <a:rPr lang="en-US" dirty="0"/>
+              <a:t>First focus on implementing the signal </a:t>
+            </a:r>
+            <a:r>
+              <a:rPr lang="en-US" dirty="0" err="1"/>
+              <a:t>datapath</a:t>
+            </a:r>
+            <a:r>
+              <a:rPr lang="en-US" dirty="0"/>
+              <a:t> of your modules.</a:t>
+            </a:r>
+          </a:p>
+          <a:p>
+            <a:pPr lvl="1"/>
+            <a:r>
+              <a:rPr lang="en-US" dirty="0"/>
+              <a:t>They should have a </a:t>
+            </a:r>
+            <a:r>
+              <a:rPr lang="en-US" dirty="0" err="1"/>
+              <a:t>clk</a:t>
+            </a:r>
+            <a:r>
+              <a:rPr lang="en-US" dirty="0"/>
+              <a:t>, reset, start signal, and data you want to read</a:t>
+            </a:r>
+          </a:p>
+          <a:p>
+            <a:r>
+              <a:rPr lang="en-US" dirty="0"/>
+              <a:t>Recommended file structure</a:t>
+            </a:r>
+          </a:p>
+          <a:p>
+            <a:pPr lvl="1"/>
+            <a:r>
+              <a:rPr lang="en-US" dirty="0"/>
+              <a:t>Make a </a:t>
+            </a:r>
+            <a:r>
+              <a:rPr lang="en-US" dirty="0" err="1"/>
+              <a:t>github</a:t>
+            </a:r>
+            <a:r>
+              <a:rPr lang="en-US" dirty="0"/>
+              <a:t> repo</a:t>
+            </a:r>
+          </a:p>
+          <a:p>
+            <a:pPr lvl="2"/>
+            <a:r>
+              <a:rPr lang="en-US" dirty="0"/>
+              <a:t>ex: </a:t>
+            </a:r>
+            <a:r>
+              <a:rPr lang="en-US" dirty="0" err="1"/>
+              <a:t>your_project_name</a:t>
+            </a:r>
+            <a:r>
+              <a:rPr lang="en-US" dirty="0"/>
+              <a:t> = OSLA</a:t>
+            </a:r>
+          </a:p>
+          <a:p>
+            <a:pPr lvl="1"/>
+            <a:r>
+              <a:rPr lang="en-US" dirty="0"/>
+              <a:t>Then make an </a:t>
+            </a:r>
+            <a:r>
               <a:rPr lang="en-US" dirty="0" err="1"/>
               <a:t>rtl</a:t>
             </a:r>
             <a:r>
               <a:rPr lang="en-US" dirty="0"/>
-              <a:t>/Sources</a:t>
-            </a:r>
-          </a:p>
-        </p:txBody>
-      </p:sp>
-      <p:sp>
-        <p:nvSpPr>
-          <p:cNvPr id="3" name="Content Placeholder 2">
-            <a:extLst>
-              <a:ext uri="{FF2B5EF4-FFF2-40B4-BE49-F238E27FC236}">
-                <a16:creationId xmlns:a16="http://schemas.microsoft.com/office/drawing/2014/main" id="{67BF4A85-D757-AC99-8448-C4162E91770E}"/>
-              </a:ext>
-            </a:extLst>
-          </p:cNvPr>
-          <p:cNvSpPr>
-            <a:spLocks noGrp="1"/>
-          </p:cNvSpPr>
-          <p:nvPr>
-            <p:ph idx="1"/>
-          </p:nvPr>
-        </p:nvSpPr>
-        <p:spPr/>
-        <p:txBody>
-          <a:bodyPr>
-            <a:normAutofit fontScale="92500"/>
-          </a:bodyPr>
-          <a:lstStyle/>
-          <a:p>
-            <a:r>
-              <a:rPr lang="en-US" dirty="0"/>
-              <a:t>Each module has a folder</a:t>
-            </a:r>
-          </a:p>
-          <a:p>
-            <a:r>
-              <a:rPr lang="en-US" dirty="0"/>
-              <a:t>ex: source, </a:t>
-            </a:r>
-            <a:r>
-              <a:rPr lang="en-US" dirty="0" err="1"/>
-              <a:t>dest</a:t>
-            </a:r>
-            <a:r>
-              <a:rPr lang="en-US" dirty="0"/>
-              <a:t>, utils,…</a:t>
-            </a:r>
-          </a:p>
-          <a:p>
-            <a:r>
-              <a:rPr lang="en-US" dirty="0"/>
-              <a:t>each folder contains</a:t>
+              <a:t> folder</a:t>
             </a:r>
           </a:p>
           <a:p>
             <a:pPr lvl="1"/>
             <a:r>
-              <a:rPr lang="en-US" dirty="0"/>
-              <a:t>module </a:t>
-            </a:r>
-            <a:r>
-              <a:rPr lang="en-US" dirty="0" err="1"/>
-              <a:t>hdl</a:t>
+              <a:rPr lang="en-US" dirty="0" err="1"/>
+              <a:t>mkdir</a:t>
+            </a:r>
+            <a:r>
+              <a:rPr lang="en-US" dirty="0"/>
+              <a:t> OSLA/</a:t>
+            </a:r>
+            <a:r>
+              <a:rPr lang="en-US" dirty="0" err="1"/>
+              <a:t>rtl</a:t>
             </a:r>
             <a:endParaRPr lang="en-US" dirty="0"/>
           </a:p>
@@ -9068,62 +9451,38 @@
             <a:pPr lvl="1"/>
             <a:r>
               <a:rPr lang="en-US" dirty="0"/>
-              <a:t>testbench</a:t>
+              <a:t>Make subfolders for sources</a:t>
             </a:r>
           </a:p>
           <a:p>
             <a:pPr lvl="1"/>
             <a:r>
               <a:rPr lang="en-US" dirty="0" err="1"/>
-              <a:t>wcfg</a:t>
-            </a:r>
+              <a:t>mkdir</a:t>
+            </a:r>
+            <a:r>
+              <a:rPr lang="en-US" dirty="0"/>
+              <a:t> OSLA/</a:t>
+            </a:r>
+            <a:r>
+              <a:rPr lang="en-US" dirty="0" err="1"/>
+              <a:t>rtl</a:t>
+            </a:r>
+            <a:r>
+              <a:rPr lang="en-US" dirty="0"/>
+              <a:t>/sources </a:t>
+            </a:r>
+          </a:p>
+          <a:p>
+            <a:pPr lvl="1"/>
             <a:endParaRPr lang="en-US" dirty="0"/>
-          </a:p>
-          <a:p>
-            <a:pPr lvl="1"/>
-            <a:r>
-              <a:rPr lang="en-US" dirty="0" err="1"/>
-              <a:t>Makefile.srcs</a:t>
-            </a:r>
-            <a:r>
-              <a:rPr lang="en-US" dirty="0"/>
-              <a:t> (more on this later)</a:t>
-            </a:r>
-          </a:p>
-          <a:p>
-            <a:r>
-              <a:rPr lang="en-US" dirty="0"/>
-              <a:t>TODO: try using packages instead of #include (see </a:t>
-            </a:r>
-            <a:r>
-              <a:rPr lang="en-US" dirty="0" err="1"/>
-              <a:t>fpga</a:t>
-            </a:r>
-            <a:r>
-              <a:rPr lang="en-US" dirty="0"/>
-              <a:t>/usrp3/&lt;any folder&gt;</a:t>
-            </a:r>
-          </a:p>
-          <a:p>
-            <a:r>
-              <a:rPr lang="en-US" dirty="0"/>
-              <a:t>Advice: Don’t use global params because the </a:t>
-            </a:r>
-            <a:r>
-              <a:rPr lang="en-US" dirty="0" err="1"/>
-              <a:t>sys_defs.svh</a:t>
-            </a:r>
-            <a:r>
-              <a:rPr lang="en-US" dirty="0"/>
-              <a:t> file will cause a lot of compilation heartache</a:t>
-            </a:r>
           </a:p>
         </p:txBody>
       </p:sp>
     </p:spTree>
     <p:extLst>
       <p:ext uri="{BB962C8B-B14F-4D97-AF65-F5344CB8AC3E}">
-        <p14:creationId xmlns:p14="http://schemas.microsoft.com/office/powerpoint/2010/main" val="322272770"/>
+        <p14:creationId xmlns:p14="http://schemas.microsoft.com/office/powerpoint/2010/main" val="392448970"/>
       </p:ext>
     </p:extLst>
   </p:cSld>
@@ -9155,7 +9514,7 @@
           <p:cNvPr id="2" name="Title 1">
             <a:extLst>
               <a:ext uri="{FF2B5EF4-FFF2-40B4-BE49-F238E27FC236}">
-                <a16:creationId xmlns:a16="http://schemas.microsoft.com/office/drawing/2014/main" id="{5AEE4E50-74C6-7C4C-04A6-2D8E67AACA80}"/>
+                <a16:creationId xmlns:a16="http://schemas.microsoft.com/office/drawing/2014/main" id="{718BAE49-EC9B-256B-64C8-FBEC84E45DF0}"/>
               </a:ext>
             </a:extLst>
           </p:cNvPr>
@@ -9173,11 +9532,11 @@
           <a:p>
             <a:r>
               <a:rPr lang="en-US" dirty="0" err="1"/>
-              <a:t>Vivado</a:t>
-            </a:r>
-            <a:r>
-              <a:rPr lang="en-US" dirty="0"/>
-              <a:t> Project</a:t>
+              <a:t>rtl</a:t>
+            </a:r>
+            <a:r>
+              <a:rPr lang="en-US" dirty="0"/>
+              <a:t>/Sources</a:t>
             </a:r>
           </a:p>
         </p:txBody>
@@ -9187,7 +9546,7 @@
           <p:cNvPr id="3" name="Content Placeholder 2">
             <a:extLst>
               <a:ext uri="{FF2B5EF4-FFF2-40B4-BE49-F238E27FC236}">
-                <a16:creationId xmlns:a16="http://schemas.microsoft.com/office/drawing/2014/main" id="{4571C0BD-E934-69C4-450F-113369E1CF22}"/>
+                <a16:creationId xmlns:a16="http://schemas.microsoft.com/office/drawing/2014/main" id="{67BF4A85-D757-AC99-8448-C4162E91770E}"/>
               </a:ext>
             </a:extLst>
           </p:cNvPr>
@@ -9200,34 +9559,100 @@
         </p:nvSpPr>
         <p:spPr/>
         <p:txBody>
-          <a:bodyPr/>
-          <a:lstStyle/>
-          <a:p>
-            <a:r>
-              <a:rPr lang="en-US" dirty="0" err="1"/>
-              <a:t>Vivado</a:t>
-            </a:r>
-            <a:r>
-              <a:rPr lang="en-US" dirty="0"/>
-              <a:t> will create a TON of logs that make it hard to checkout different branches.</a:t>
-            </a:r>
-          </a:p>
-          <a:p>
-            <a:r>
-              <a:rPr lang="en-US" dirty="0"/>
-              <a:t>Create your </a:t>
-            </a:r>
-            <a:r>
-              <a:rPr lang="en-US" dirty="0" err="1"/>
-              <a:t>vivado</a:t>
-            </a:r>
-            <a:r>
-              <a:rPr lang="en-US" dirty="0"/>
-              <a:t> project outside of your git repo and have it linked to </a:t>
-            </a:r>
-            <a:r>
-              <a:rPr lang="en-US"/>
-              <a:t>sources in the repo</a:t>
+          <a:bodyPr>
+            <a:normAutofit fontScale="92500"/>
+          </a:bodyPr>
+          <a:lstStyle/>
+          <a:p>
+            <a:r>
+              <a:rPr lang="en-US" dirty="0"/>
+              <a:t>Each module has a folder</a:t>
+            </a:r>
+          </a:p>
+          <a:p>
+            <a:r>
+              <a:rPr lang="en-US" dirty="0"/>
+              <a:t>ex: source, </a:t>
+            </a:r>
+            <a:r>
+              <a:rPr lang="en-US" dirty="0" err="1"/>
+              <a:t>dest</a:t>
+            </a:r>
+            <a:r>
+              <a:rPr lang="en-US" dirty="0"/>
+              <a:t>, utils,…</a:t>
+            </a:r>
+          </a:p>
+          <a:p>
+            <a:r>
+              <a:rPr lang="en-US" dirty="0"/>
+              <a:t>each folder contains</a:t>
+            </a:r>
+          </a:p>
+          <a:p>
+            <a:pPr lvl="1"/>
+            <a:r>
+              <a:rPr lang="en-US" dirty="0"/>
+              <a:t>module </a:t>
+            </a:r>
+            <a:r>
+              <a:rPr lang="en-US" dirty="0" err="1"/>
+              <a:t>hdl</a:t>
+            </a:r>
+            <a:endParaRPr lang="en-US" dirty="0"/>
+          </a:p>
+          <a:p>
+            <a:pPr lvl="1"/>
+            <a:r>
+              <a:rPr lang="en-US" dirty="0"/>
+              <a:t>testbench</a:t>
+            </a:r>
+          </a:p>
+          <a:p>
+            <a:pPr lvl="1"/>
+            <a:r>
+              <a:rPr lang="en-US" dirty="0" err="1"/>
+              <a:t>wcfg</a:t>
+            </a:r>
+            <a:endParaRPr lang="en-US" dirty="0"/>
+          </a:p>
+          <a:p>
+            <a:pPr lvl="1"/>
+            <a:r>
+              <a:rPr lang="en-US" dirty="0" err="1"/>
+              <a:t>Makefile.srcs</a:t>
+            </a:r>
+            <a:r>
+              <a:rPr lang="en-US" dirty="0"/>
+              <a:t> (more on this later)</a:t>
+            </a:r>
+          </a:p>
+          <a:p>
+            <a:r>
+              <a:rPr lang="en-US" dirty="0"/>
+              <a:t>TODO: try using packages instead of #include (see </a:t>
+            </a:r>
+            <a:r>
+              <a:rPr lang="en-US" dirty="0" err="1"/>
+              <a:t>fpga</a:t>
+            </a:r>
+            <a:r>
+              <a:rPr lang="en-US" dirty="0"/>
+              <a:t>/usrp3/&lt;any folder&gt;</a:t>
+            </a:r>
+          </a:p>
+          <a:p>
+            <a:r>
+              <a:rPr lang="en-US" dirty="0"/>
+              <a:t>Advice: Don’t use global params because the </a:t>
+            </a:r>
+            <a:r>
+              <a:rPr lang="en-US" dirty="0" err="1"/>
+              <a:t>sys_defs.svh</a:t>
+            </a:r>
+            <a:r>
+              <a:rPr lang="en-US" dirty="0"/>
+              <a:t> file will cause a lot of compilation heartache</a:t>
             </a:r>
           </a:p>
         </p:txBody>
@@ -9235,7 +9660,7 @@
     </p:spTree>
     <p:extLst>
       <p:ext uri="{BB962C8B-B14F-4D97-AF65-F5344CB8AC3E}">
-        <p14:creationId xmlns:p14="http://schemas.microsoft.com/office/powerpoint/2010/main" val="3381241902"/>
+        <p14:creationId xmlns:p14="http://schemas.microsoft.com/office/powerpoint/2010/main" val="322272770"/>
       </p:ext>
     </p:extLst>
   </p:cSld>
@@ -9267,7 +9692,7 @@
           <p:cNvPr id="2" name="Title 1">
             <a:extLst>
               <a:ext uri="{FF2B5EF4-FFF2-40B4-BE49-F238E27FC236}">
-                <a16:creationId xmlns:a16="http://schemas.microsoft.com/office/drawing/2014/main" id="{E73756CC-4AC8-C100-2766-4C37F7A61548}"/>
+                <a16:creationId xmlns:a16="http://schemas.microsoft.com/office/drawing/2014/main" id="{5AEE4E50-74C6-7C4C-04A6-2D8E67AACA80}"/>
               </a:ext>
             </a:extLst>
           </p:cNvPr>
@@ -9284,8 +9709,12 @@
           <a:lstStyle/>
           <a:p>
             <a:r>
-              <a:rPr lang="en-US" dirty="0"/>
-              <a:t>Notes</a:t>
+              <a:rPr lang="en-US" dirty="0" err="1"/>
+              <a:t>Vivado</a:t>
+            </a:r>
+            <a:r>
+              <a:rPr lang="en-US" dirty="0"/>
+              <a:t> Project</a:t>
             </a:r>
           </a:p>
         </p:txBody>
@@ -9295,7 +9724,7 @@
           <p:cNvPr id="3" name="Content Placeholder 2">
             <a:extLst>
               <a:ext uri="{FF2B5EF4-FFF2-40B4-BE49-F238E27FC236}">
-                <a16:creationId xmlns:a16="http://schemas.microsoft.com/office/drawing/2014/main" id="{9F842409-77F7-2883-7D29-4C272D0262CC}"/>
+                <a16:creationId xmlns:a16="http://schemas.microsoft.com/office/drawing/2014/main" id="{4571C0BD-E934-69C4-450F-113369E1CF22}"/>
               </a:ext>
             </a:extLst>
           </p:cNvPr>
@@ -9312,30 +9741,30 @@
           <a:lstStyle/>
           <a:p>
             <a:r>
-              <a:rPr lang="en-US" dirty="0"/>
-              <a:t>Typically we use a </a:t>
-            </a:r>
-            <a:r>
-              <a:rPr lang="en-US" dirty="0" err="1"/>
-              <a:t>sys_defs.svh</a:t>
-            </a:r>
-            <a:r>
-              <a:rPr lang="en-US" dirty="0"/>
-              <a:t> file to hold the global variables. This typically doesn’t work well with </a:t>
-            </a:r>
-            <a:r>
-              <a:rPr lang="en-US" dirty="0" err="1"/>
-              <a:t>usrp</a:t>
-            </a:r>
-            <a:r>
-              <a:rPr lang="en-US" dirty="0"/>
-              <a:t> HDL compilation, so I’d advise using packages or parameterized values instead</a:t>
-            </a:r>
-          </a:p>
-          <a:p>
-            <a:r>
-              <a:rPr lang="en-US" dirty="0"/>
-              <a:t>Warning about parameterized modules: I once ran into a bug where the default parameter was NOT overridden by the parameter values given at instantiation. This can lead to very cryptic bugs.</a:t>
+              <a:rPr lang="en-US" dirty="0" err="1"/>
+              <a:t>Vivado</a:t>
+            </a:r>
+            <a:r>
+              <a:rPr lang="en-US" dirty="0"/>
+              <a:t> will create a TON of logs that make it hard to checkout different branches.</a:t>
+            </a:r>
+          </a:p>
+          <a:p>
+            <a:r>
+              <a:rPr lang="en-US" dirty="0"/>
+              <a:t>Create your </a:t>
+            </a:r>
+            <a:r>
+              <a:rPr lang="en-US" dirty="0" err="1"/>
+              <a:t>vivado</a:t>
+            </a:r>
+            <a:r>
+              <a:rPr lang="en-US" dirty="0"/>
+              <a:t> project outside of your git repo and have it linked to </a:t>
+            </a:r>
+            <a:r>
+              <a:rPr lang="en-US"/>
+              <a:t>sources in the repo</a:t>
             </a:r>
           </a:p>
         </p:txBody>
@@ -9343,7 +9772,7 @@
     </p:spTree>
     <p:extLst>
       <p:ext uri="{BB962C8B-B14F-4D97-AF65-F5344CB8AC3E}">
-        <p14:creationId xmlns:p14="http://schemas.microsoft.com/office/powerpoint/2010/main" val="1179139972"/>
+        <p14:creationId xmlns:p14="http://schemas.microsoft.com/office/powerpoint/2010/main" val="3381241902"/>
       </p:ext>
     </p:extLst>
   </p:cSld>
@@ -9375,6 +9804,200 @@
           <p:cNvPr id="2" name="Title 1">
             <a:extLst>
               <a:ext uri="{FF2B5EF4-FFF2-40B4-BE49-F238E27FC236}">
+                <a16:creationId xmlns:a16="http://schemas.microsoft.com/office/drawing/2014/main" id="{E73756CC-4AC8-C100-2766-4C37F7A61548}"/>
+              </a:ext>
+            </a:extLst>
+          </p:cNvPr>
+          <p:cNvSpPr>
+            <a:spLocks noGrp="1"/>
+          </p:cNvSpPr>
+          <p:nvPr>
+            <p:ph type="title"/>
+          </p:nvPr>
+        </p:nvSpPr>
+        <p:spPr/>
+        <p:txBody>
+          <a:bodyPr/>
+          <a:lstStyle/>
+          <a:p>
+            <a:r>
+              <a:rPr lang="en-US" dirty="0"/>
+              <a:t>Notes</a:t>
+            </a:r>
+          </a:p>
+        </p:txBody>
+      </p:sp>
+      <p:sp>
+        <p:nvSpPr>
+          <p:cNvPr id="3" name="Content Placeholder 2">
+            <a:extLst>
+              <a:ext uri="{FF2B5EF4-FFF2-40B4-BE49-F238E27FC236}">
+                <a16:creationId xmlns:a16="http://schemas.microsoft.com/office/drawing/2014/main" id="{9F842409-77F7-2883-7D29-4C272D0262CC}"/>
+              </a:ext>
+            </a:extLst>
+          </p:cNvPr>
+          <p:cNvSpPr>
+            <a:spLocks noGrp="1"/>
+          </p:cNvSpPr>
+          <p:nvPr>
+            <p:ph idx="1"/>
+          </p:nvPr>
+        </p:nvSpPr>
+        <p:spPr/>
+        <p:txBody>
+          <a:bodyPr/>
+          <a:lstStyle/>
+          <a:p>
+            <a:r>
+              <a:rPr lang="en-US" dirty="0"/>
+              <a:t>Typically we use a </a:t>
+            </a:r>
+            <a:r>
+              <a:rPr lang="en-US" dirty="0" err="1"/>
+              <a:t>sys_defs.svh</a:t>
+            </a:r>
+            <a:r>
+              <a:rPr lang="en-US" dirty="0"/>
+              <a:t> file to hold the global variables. This typically doesn’t work well with </a:t>
+            </a:r>
+            <a:r>
+              <a:rPr lang="en-US" dirty="0" err="1"/>
+              <a:t>usrp</a:t>
+            </a:r>
+            <a:r>
+              <a:rPr lang="en-US" dirty="0"/>
+              <a:t> HDL compilation, so I’d advise using packages or parameterized values instead</a:t>
+            </a:r>
+          </a:p>
+          <a:p>
+            <a:r>
+              <a:rPr lang="en-US" dirty="0"/>
+              <a:t>Warning about parameterized modules: I once ran into a bug where the default parameter was NOT overridden by the parameter values given at instantiation. This can lead to very cryptic bugs.</a:t>
+            </a:r>
+          </a:p>
+        </p:txBody>
+      </p:sp>
+    </p:spTree>
+    <p:extLst>
+      <p:ext uri="{BB962C8B-B14F-4D97-AF65-F5344CB8AC3E}">
+        <p14:creationId xmlns:p14="http://schemas.microsoft.com/office/powerpoint/2010/main" val="1179139972"/>
+      </p:ext>
+    </p:extLst>
+  </p:cSld>
+  <p:clrMapOvr>
+    <a:masterClrMapping/>
+  </p:clrMapOvr>
+</p:sld>
+</file>
+
+<file path=ppt/slides/slide28.xml><?xml version="1.0" encoding="utf-8"?>
+<p:sld xmlns:a="http://schemas.openxmlformats.org/drawingml/2006/main" xmlns:r="http://schemas.openxmlformats.org/officeDocument/2006/relationships" xmlns:p="http://schemas.openxmlformats.org/presentationml/2006/main">
+  <p:cSld>
+    <p:spTree>
+      <p:nvGrpSpPr>
+        <p:cNvPr id="1" name=""/>
+        <p:cNvGrpSpPr/>
+        <p:nvPr/>
+      </p:nvGrpSpPr>
+      <p:grpSpPr>
+        <a:xfrm>
+          <a:off x="0" y="0"/>
+          <a:ext cx="0" cy="0"/>
+          <a:chOff x="0" y="0"/>
+          <a:chExt cx="0" cy="0"/>
+        </a:xfrm>
+      </p:grpSpPr>
+      <p:sp>
+        <p:nvSpPr>
+          <p:cNvPr id="2" name="Title 1">
+            <a:extLst>
+              <a:ext uri="{FF2B5EF4-FFF2-40B4-BE49-F238E27FC236}">
+                <a16:creationId xmlns:a16="http://schemas.microsoft.com/office/drawing/2014/main" id="{512D3D7A-6440-065A-D064-0315F7DDC054}"/>
+              </a:ext>
+            </a:extLst>
+          </p:cNvPr>
+          <p:cNvSpPr>
+            <a:spLocks noGrp="1"/>
+          </p:cNvSpPr>
+          <p:nvPr>
+            <p:ph type="title"/>
+          </p:nvPr>
+        </p:nvSpPr>
+        <p:spPr/>
+        <p:txBody>
+          <a:bodyPr/>
+          <a:lstStyle/>
+          <a:p>
+            <a:r>
+              <a:rPr lang="en-US" dirty="0"/>
+              <a:t>FSM</a:t>
+            </a:r>
+          </a:p>
+        </p:txBody>
+      </p:sp>
+      <p:sp>
+        <p:nvSpPr>
+          <p:cNvPr id="3" name="Content Placeholder 2">
+            <a:extLst>
+              <a:ext uri="{FF2B5EF4-FFF2-40B4-BE49-F238E27FC236}">
+                <a16:creationId xmlns:a16="http://schemas.microsoft.com/office/drawing/2014/main" id="{38BF75AA-6352-D45A-21DB-A105CDB1DA78}"/>
+              </a:ext>
+            </a:extLst>
+          </p:cNvPr>
+          <p:cNvSpPr>
+            <a:spLocks noGrp="1"/>
+          </p:cNvSpPr>
+          <p:nvPr>
+            <p:ph idx="1"/>
+          </p:nvPr>
+        </p:nvSpPr>
+        <p:spPr/>
+        <p:txBody>
+          <a:bodyPr/>
+          <a:lstStyle/>
+          <a:p>
+            <a:r>
+              <a:rPr lang="en-US" dirty="0"/>
+              <a:t>https://web.engr.oregonstate.edu/~traylor/ece474/beamer_lectures/</a:t>
+            </a:r>
+          </a:p>
+        </p:txBody>
+      </p:sp>
+    </p:spTree>
+    <p:extLst>
+      <p:ext uri="{BB962C8B-B14F-4D97-AF65-F5344CB8AC3E}">
+        <p14:creationId xmlns:p14="http://schemas.microsoft.com/office/powerpoint/2010/main" val="2517560068"/>
+      </p:ext>
+    </p:extLst>
+  </p:cSld>
+  <p:clrMapOvr>
+    <a:masterClrMapping/>
+  </p:clrMapOvr>
+</p:sld>
+</file>
+
+<file path=ppt/slides/slide29.xml><?xml version="1.0" encoding="utf-8"?>
+<p:sld xmlns:a="http://schemas.openxmlformats.org/drawingml/2006/main" xmlns:r="http://schemas.openxmlformats.org/officeDocument/2006/relationships" xmlns:p="http://schemas.openxmlformats.org/presentationml/2006/main">
+  <p:cSld>
+    <p:spTree>
+      <p:nvGrpSpPr>
+        <p:cNvPr id="1" name=""/>
+        <p:cNvGrpSpPr/>
+        <p:nvPr/>
+      </p:nvGrpSpPr>
+      <p:grpSpPr>
+        <a:xfrm>
+          <a:off x="0" y="0"/>
+          <a:ext cx="0" cy="0"/>
+          <a:chOff x="0" y="0"/>
+          <a:chExt cx="0" cy="0"/>
+        </a:xfrm>
+      </p:grpSpPr>
+      <p:sp>
+        <p:nvSpPr>
+          <p:cNvPr id="2" name="Title 1">
+            <a:extLst>
+              <a:ext uri="{FF2B5EF4-FFF2-40B4-BE49-F238E27FC236}">
                 <a16:creationId xmlns:a16="http://schemas.microsoft.com/office/drawing/2014/main" id="{4AA73023-70BF-B021-5D79-F28D981113FF}"/>
               </a:ext>
             </a:extLst>
@@ -9466,7 +10089,128 @@
 </p:sld>
 </file>
 
-<file path=ppt/slides/slide28.xml><?xml version="1.0" encoding="utf-8"?>
+<file path=ppt/slides/slide3.xml><?xml version="1.0" encoding="utf-8"?>
+<p:sld xmlns:a="http://schemas.openxmlformats.org/drawingml/2006/main" xmlns:r="http://schemas.openxmlformats.org/officeDocument/2006/relationships" xmlns:p="http://schemas.openxmlformats.org/presentationml/2006/main">
+  <p:cSld>
+    <p:spTree>
+      <p:nvGrpSpPr>
+        <p:cNvPr id="1" name=""/>
+        <p:cNvGrpSpPr/>
+        <p:nvPr/>
+      </p:nvGrpSpPr>
+      <p:grpSpPr>
+        <a:xfrm>
+          <a:off x="0" y="0"/>
+          <a:ext cx="0" cy="0"/>
+          <a:chOff x="0" y="0"/>
+          <a:chExt cx="0" cy="0"/>
+        </a:xfrm>
+      </p:grpSpPr>
+      <p:sp>
+        <p:nvSpPr>
+          <p:cNvPr id="2" name="Title 1">
+            <a:extLst>
+              <a:ext uri="{FF2B5EF4-FFF2-40B4-BE49-F238E27FC236}">
+                <a16:creationId xmlns:a16="http://schemas.microsoft.com/office/drawing/2014/main" id="{DCEC5F48-384D-E496-A4C9-33C189BA5344}"/>
+              </a:ext>
+            </a:extLst>
+          </p:cNvPr>
+          <p:cNvSpPr>
+            <a:spLocks noGrp="1"/>
+          </p:cNvSpPr>
+          <p:nvPr>
+            <p:ph type="title"/>
+          </p:nvPr>
+        </p:nvSpPr>
+        <p:spPr/>
+        <p:txBody>
+          <a:bodyPr/>
+          <a:lstStyle/>
+          <a:p>
+            <a:r>
+              <a:rPr lang="en-US" dirty="0"/>
+              <a:t>So why work at the HDL level?</a:t>
+            </a:r>
+          </a:p>
+        </p:txBody>
+      </p:sp>
+      <p:sp>
+        <p:nvSpPr>
+          <p:cNvPr id="3" name="Content Placeholder 2">
+            <a:extLst>
+              <a:ext uri="{FF2B5EF4-FFF2-40B4-BE49-F238E27FC236}">
+                <a16:creationId xmlns:a16="http://schemas.microsoft.com/office/drawing/2014/main" id="{7905BA04-E41A-B730-DF0E-986B5DEB4ED9}"/>
+              </a:ext>
+            </a:extLst>
+          </p:cNvPr>
+          <p:cNvSpPr>
+            <a:spLocks noGrp="1"/>
+          </p:cNvSpPr>
+          <p:nvPr>
+            <p:ph idx="1"/>
+          </p:nvPr>
+        </p:nvSpPr>
+        <p:spPr/>
+        <p:txBody>
+          <a:bodyPr/>
+          <a:lstStyle/>
+          <a:p>
+            <a:r>
+              <a:rPr lang="en-US" dirty="0"/>
+              <a:t>For some research, we want to create custom digital signal processing hardware blocks to use on the FPGAs</a:t>
+            </a:r>
+          </a:p>
+          <a:p>
+            <a:pPr lvl="1"/>
+            <a:r>
+              <a:rPr lang="en-US" dirty="0"/>
+              <a:t>Time constraints, data size constraints …</a:t>
+            </a:r>
+          </a:p>
+          <a:p>
+            <a:r>
+              <a:rPr lang="en-US" dirty="0"/>
+              <a:t>Ettus has a way for us to create our own RFNOC blocks which we could then use from the GRC flowgraphs!</a:t>
+            </a:r>
+          </a:p>
+          <a:p>
+            <a:pPr lvl="1"/>
+            <a:r>
+              <a:rPr lang="en-US" dirty="0"/>
+              <a:t>Well, do we </a:t>
+            </a:r>
+            <a:r>
+              <a:rPr lang="en-US" i="1" dirty="0"/>
+              <a:t>really</a:t>
+            </a:r>
+            <a:r>
+              <a:rPr lang="en-US" dirty="0"/>
+              <a:t> need the flowgraph interactivity? What’s the cost?</a:t>
+            </a:r>
+          </a:p>
+          <a:p>
+            <a:pPr lvl="2"/>
+            <a:r>
+              <a:rPr lang="en-US" dirty="0"/>
+              <a:t>Need to look under the hood</a:t>
+            </a:r>
+          </a:p>
+        </p:txBody>
+      </p:sp>
+    </p:spTree>
+    <p:extLst>
+      <p:ext uri="{BB962C8B-B14F-4D97-AF65-F5344CB8AC3E}">
+        <p14:creationId xmlns:p14="http://schemas.microsoft.com/office/powerpoint/2010/main" val="692004386"/>
+      </p:ext>
+    </p:extLst>
+  </p:cSld>
+  <p:clrMapOvr>
+    <a:masterClrMapping/>
+  </p:clrMapOvr>
+</p:sld>
+</file>
+
+<file path=ppt/slides/slide30.xml><?xml version="1.0" encoding="utf-8"?>
 <p:sld xmlns:a="http://schemas.openxmlformats.org/drawingml/2006/main" xmlns:r="http://schemas.openxmlformats.org/officeDocument/2006/relationships" xmlns:p="http://schemas.openxmlformats.org/presentationml/2006/main">
   <p:cSld>
     <p:spTree>
@@ -9631,7 +10375,7 @@
 </p:sld>
 </file>
 
-<file path=ppt/slides/slide29.xml><?xml version="1.0" encoding="utf-8"?>
+<file path=ppt/slides/slide31.xml><?xml version="1.0" encoding="utf-8"?>
 <p:sld xmlns:a="http://schemas.openxmlformats.org/drawingml/2006/main" xmlns:r="http://schemas.openxmlformats.org/officeDocument/2006/relationships" xmlns:p="http://schemas.openxmlformats.org/presentationml/2006/main">
   <p:cSld>
     <p:spTree>
@@ -9805,7 +10549,7 @@
 </p:sld>
 </file>
 
-<file path=ppt/slides/slide3.xml><?xml version="1.0" encoding="utf-8"?>
+<file path=ppt/slides/slide32.xml><?xml version="1.0" encoding="utf-8"?>
 <p:sld xmlns:a="http://schemas.openxmlformats.org/drawingml/2006/main" xmlns:r="http://schemas.openxmlformats.org/officeDocument/2006/relationships" xmlns:p="http://schemas.openxmlformats.org/presentationml/2006/main">
   <p:cSld>
     <p:spTree>
@@ -9827,7 +10571,7 @@
           <p:cNvPr id="2" name="Title 1">
             <a:extLst>
               <a:ext uri="{FF2B5EF4-FFF2-40B4-BE49-F238E27FC236}">
-                <a16:creationId xmlns:a16="http://schemas.microsoft.com/office/drawing/2014/main" id="{DCEC5F48-384D-E496-A4C9-33C189BA5344}"/>
+                <a16:creationId xmlns:a16="http://schemas.microsoft.com/office/drawing/2014/main" id="{8946FBD1-E2DB-F002-6CE7-69A2E5A6EB30}"/>
               </a:ext>
             </a:extLst>
           </p:cNvPr>
@@ -9845,7 +10589,7 @@
           <a:p>
             <a:r>
               <a:rPr lang="en-US" dirty="0"/>
-              <a:t>So why work at the HDL level?</a:t>
+              <a:t>Synthesis vs Implementation</a:t>
             </a:r>
           </a:p>
         </p:txBody>
@@ -9855,7 +10599,7 @@
           <p:cNvPr id="3" name="Content Placeholder 2">
             <a:extLst>
               <a:ext uri="{FF2B5EF4-FFF2-40B4-BE49-F238E27FC236}">
-                <a16:creationId xmlns:a16="http://schemas.microsoft.com/office/drawing/2014/main" id="{7905BA04-E41A-B730-DF0E-986B5DEB4ED9}"/>
+                <a16:creationId xmlns:a16="http://schemas.microsoft.com/office/drawing/2014/main" id="{0C7FDE16-C1CC-92E4-886A-5404D2A572FE}"/>
               </a:ext>
             </a:extLst>
           </p:cNvPr>
@@ -9873,42 +10617,19 @@
           <a:p>
             <a:r>
               <a:rPr lang="en-US" dirty="0"/>
-              <a:t>For some research, we want to create custom digital signal processing hardware blocks to use on the FPGAs</a:t>
-            </a:r>
-          </a:p>
-          <a:p>
-            <a:pPr lvl="1"/>
-            <a:r>
-              <a:rPr lang="en-US" dirty="0"/>
-              <a:t>Time constraints, data size constraints …</a:t>
-            </a:r>
-          </a:p>
-          <a:p>
-            <a:r>
-              <a:rPr lang="en-US" dirty="0"/>
-              <a:t>Ettus has a way for us to create our own RFNOC blocks which we could then use from the GRC flowgraphs!</a:t>
-            </a:r>
-          </a:p>
-          <a:p>
-            <a:pPr lvl="1"/>
-            <a:r>
-              <a:rPr lang="en-US" dirty="0"/>
-              <a:t>Well, do we </a:t>
-            </a:r>
-            <a:r>
-              <a:rPr lang="en-US" i="1" dirty="0"/>
-              <a:t>really</a:t>
-            </a:r>
-            <a:r>
-              <a:rPr lang="en-US" dirty="0"/>
-              <a:t> need the flowgraph interactivity? What’s the cost?</a:t>
-            </a:r>
-          </a:p>
-          <a:p>
-            <a:pPr lvl="2"/>
-            <a:r>
-              <a:rPr lang="en-US" dirty="0"/>
-              <a:t>Need to look under the hood</a:t>
+              <a:t>Synthesis reports are only a ballpark estimate. Don’t worry about timing from these reports. Implementation is what matters.</a:t>
+            </a:r>
+          </a:p>
+          <a:p>
+            <a:r>
+              <a:rPr lang="en-US" dirty="0"/>
+              <a:t>When simulating and Implementation, there will be a 100ns delay before the device is operational due to global set reset (GSR)</a:t>
+            </a:r>
+          </a:p>
+          <a:p>
+            <a:r>
+              <a:rPr lang="en-US" dirty="0"/>
+              <a:t>Each time after booting up, SRAM based FPGA devices take time to load FPGA settings before operation</a:t>
             </a:r>
           </a:p>
         </p:txBody>
@@ -9916,7 +10637,7 @@
     </p:spTree>
     <p:extLst>
       <p:ext uri="{BB962C8B-B14F-4D97-AF65-F5344CB8AC3E}">
-        <p14:creationId xmlns:p14="http://schemas.microsoft.com/office/powerpoint/2010/main" val="692004386"/>
+        <p14:creationId xmlns:p14="http://schemas.microsoft.com/office/powerpoint/2010/main" val="968911519"/>
       </p:ext>
     </p:extLst>
   </p:cSld>
@@ -9926,7 +10647,203 @@
 </p:sld>
 </file>
 
-<file path=ppt/slides/slide30.xml><?xml version="1.0" encoding="utf-8"?>
+<file path=ppt/slides/slide33.xml><?xml version="1.0" encoding="utf-8"?>
+<p:sld xmlns:a="http://schemas.openxmlformats.org/drawingml/2006/main" xmlns:r="http://schemas.openxmlformats.org/officeDocument/2006/relationships" xmlns:p="http://schemas.openxmlformats.org/presentationml/2006/main">
+  <p:cSld>
+    <p:spTree>
+      <p:nvGrpSpPr>
+        <p:cNvPr id="1" name=""/>
+        <p:cNvGrpSpPr/>
+        <p:nvPr/>
+      </p:nvGrpSpPr>
+      <p:grpSpPr>
+        <a:xfrm>
+          <a:off x="0" y="0"/>
+          <a:ext cx="0" cy="0"/>
+          <a:chOff x="0" y="0"/>
+          <a:chExt cx="0" cy="0"/>
+        </a:xfrm>
+      </p:grpSpPr>
+      <p:sp>
+        <p:nvSpPr>
+          <p:cNvPr id="2" name="Title 1">
+            <a:extLst>
+              <a:ext uri="{FF2B5EF4-FFF2-40B4-BE49-F238E27FC236}">
+                <a16:creationId xmlns:a16="http://schemas.microsoft.com/office/drawing/2014/main" id="{CEBAEDBF-F16F-BA85-2DB8-3764048D18FB}"/>
+              </a:ext>
+            </a:extLst>
+          </p:cNvPr>
+          <p:cNvSpPr>
+            <a:spLocks noGrp="1"/>
+          </p:cNvSpPr>
+          <p:nvPr>
+            <p:ph type="title"/>
+          </p:nvPr>
+        </p:nvSpPr>
+        <p:spPr/>
+        <p:txBody>
+          <a:bodyPr/>
+          <a:lstStyle/>
+          <a:p>
+            <a:r>
+              <a:rPr lang="en-US" dirty="0"/>
+              <a:t>Inferring memory</a:t>
+            </a:r>
+          </a:p>
+        </p:txBody>
+      </p:sp>
+      <p:sp>
+        <p:nvSpPr>
+          <p:cNvPr id="3" name="Content Placeholder 2">
+            <a:extLst>
+              <a:ext uri="{FF2B5EF4-FFF2-40B4-BE49-F238E27FC236}">
+                <a16:creationId xmlns:a16="http://schemas.microsoft.com/office/drawing/2014/main" id="{84A144C5-55A5-A4F1-ED17-3D7011928654}"/>
+              </a:ext>
+            </a:extLst>
+          </p:cNvPr>
+          <p:cNvSpPr>
+            <a:spLocks noGrp="1"/>
+          </p:cNvSpPr>
+          <p:nvPr>
+            <p:ph idx="1"/>
+          </p:nvPr>
+        </p:nvSpPr>
+        <p:spPr/>
+        <p:txBody>
+          <a:bodyPr/>
+          <a:lstStyle/>
+          <a:p>
+            <a:r>
+              <a:rPr lang="en-US" dirty="0"/>
+              <a:t>Use templates</a:t>
+            </a:r>
+          </a:p>
+          <a:p>
+            <a:r>
+              <a:rPr lang="en-US" dirty="0">
+                <a:hlinkClick r:id="rId2"/>
+              </a:rPr>
+              <a:t>https://docs.amd.com/r/en-US/ug901-vivado-synthesis/RAM-HDL-Coding-Guidelines</a:t>
+            </a:r>
+            <a:r>
+              <a:rPr lang="en-US" dirty="0"/>
+              <a:t> </a:t>
+            </a:r>
+          </a:p>
+        </p:txBody>
+      </p:sp>
+    </p:spTree>
+    <p:extLst>
+      <p:ext uri="{BB962C8B-B14F-4D97-AF65-F5344CB8AC3E}">
+        <p14:creationId xmlns:p14="http://schemas.microsoft.com/office/powerpoint/2010/main" val="570727913"/>
+      </p:ext>
+    </p:extLst>
+  </p:cSld>
+  <p:clrMapOvr>
+    <a:masterClrMapping/>
+  </p:clrMapOvr>
+</p:sld>
+</file>
+
+<file path=ppt/slides/slide34.xml><?xml version="1.0" encoding="utf-8"?>
+<p:sld xmlns:a="http://schemas.openxmlformats.org/drawingml/2006/main" xmlns:r="http://schemas.openxmlformats.org/officeDocument/2006/relationships" xmlns:p="http://schemas.openxmlformats.org/presentationml/2006/main">
+  <p:cSld>
+    <p:spTree>
+      <p:nvGrpSpPr>
+        <p:cNvPr id="1" name=""/>
+        <p:cNvGrpSpPr/>
+        <p:nvPr/>
+      </p:nvGrpSpPr>
+      <p:grpSpPr>
+        <a:xfrm>
+          <a:off x="0" y="0"/>
+          <a:ext cx="0" cy="0"/>
+          <a:chOff x="0" y="0"/>
+          <a:chExt cx="0" cy="0"/>
+        </a:xfrm>
+      </p:grpSpPr>
+      <p:sp>
+        <p:nvSpPr>
+          <p:cNvPr id="2" name="Title 1">
+            <a:extLst>
+              <a:ext uri="{FF2B5EF4-FFF2-40B4-BE49-F238E27FC236}">
+                <a16:creationId xmlns:a16="http://schemas.microsoft.com/office/drawing/2014/main" id="{97268999-33E4-5263-19D0-8D2CA9077598}"/>
+              </a:ext>
+            </a:extLst>
+          </p:cNvPr>
+          <p:cNvSpPr>
+            <a:spLocks noGrp="1"/>
+          </p:cNvSpPr>
+          <p:nvPr>
+            <p:ph type="title"/>
+          </p:nvPr>
+        </p:nvSpPr>
+        <p:spPr/>
+        <p:txBody>
+          <a:bodyPr/>
+          <a:lstStyle/>
+          <a:p>
+            <a:r>
+              <a:rPr lang="en-US" dirty="0"/>
+              <a:t>Arithmetic</a:t>
+            </a:r>
+          </a:p>
+        </p:txBody>
+      </p:sp>
+      <p:sp>
+        <p:nvSpPr>
+          <p:cNvPr id="3" name="Content Placeholder 2">
+            <a:extLst>
+              <a:ext uri="{FF2B5EF4-FFF2-40B4-BE49-F238E27FC236}">
+                <a16:creationId xmlns:a16="http://schemas.microsoft.com/office/drawing/2014/main" id="{97316007-1384-934D-9A71-6EF819E415AC}"/>
+              </a:ext>
+            </a:extLst>
+          </p:cNvPr>
+          <p:cNvSpPr>
+            <a:spLocks noGrp="1"/>
+          </p:cNvSpPr>
+          <p:nvPr>
+            <p:ph idx="1"/>
+          </p:nvPr>
+        </p:nvSpPr>
+        <p:spPr/>
+        <p:txBody>
+          <a:bodyPr/>
+          <a:lstStyle/>
+          <a:p>
+            <a:r>
+              <a:rPr lang="en-US" dirty="0"/>
+              <a:t>Don’t implement your own multiplication</a:t>
+            </a:r>
+          </a:p>
+          <a:p>
+            <a:r>
+              <a:rPr lang="en-US" dirty="0">
+                <a:hlinkClick r:id="rId2"/>
+              </a:rPr>
+              <a:t>https://projectf.io/posts/multiplication-fpga-dsps/</a:t>
+            </a:r>
+            <a:r>
+              <a:rPr lang="en-US" dirty="0"/>
+              <a:t> </a:t>
+            </a:r>
+          </a:p>
+        </p:txBody>
+      </p:sp>
+    </p:spTree>
+    <p:extLst>
+      <p:ext uri="{BB962C8B-B14F-4D97-AF65-F5344CB8AC3E}">
+        <p14:creationId xmlns:p14="http://schemas.microsoft.com/office/powerpoint/2010/main" val="4281069222"/>
+      </p:ext>
+    </p:extLst>
+  </p:cSld>
+  <p:clrMapOvr>
+    <a:masterClrMapping/>
+  </p:clrMapOvr>
+</p:sld>
+</file>
+
+<file path=ppt/slides/slide35.xml><?xml version="1.0" encoding="utf-8"?>
 <p:sld xmlns:a="http://schemas.openxmlformats.org/drawingml/2006/main" xmlns:r="http://schemas.openxmlformats.org/officeDocument/2006/relationships" xmlns:p="http://schemas.openxmlformats.org/presentationml/2006/main">
   <p:cSld>
     <p:spTree>
@@ -10160,7 +11077,7 @@
 </p:sld>
 </file>
 
-<file path=ppt/slides/slide31.xml><?xml version="1.0" encoding="utf-8"?>
+<file path=ppt/slides/slide36.xml><?xml version="1.0" encoding="utf-8"?>
 <p:sld xmlns:a="http://schemas.openxmlformats.org/drawingml/2006/main" xmlns:r="http://schemas.openxmlformats.org/officeDocument/2006/relationships" xmlns:p="http://schemas.openxmlformats.org/presentationml/2006/main">
   <p:cSld>
     <p:spTree>
@@ -10357,676 +11274,6 @@
 </p:sld>
 </file>
 
-<file path=ppt/slides/slide32.xml><?xml version="1.0" encoding="utf-8"?>
-<p:sld xmlns:a="http://schemas.openxmlformats.org/drawingml/2006/main" xmlns:r="http://schemas.openxmlformats.org/officeDocument/2006/relationships" xmlns:p="http://schemas.openxmlformats.org/presentationml/2006/main">
-  <p:cSld>
-    <p:spTree>
-      <p:nvGrpSpPr>
-        <p:cNvPr id="1" name=""/>
-        <p:cNvGrpSpPr/>
-        <p:nvPr/>
-      </p:nvGrpSpPr>
-      <p:grpSpPr>
-        <a:xfrm>
-          <a:off x="0" y="0"/>
-          <a:ext cx="0" cy="0"/>
-          <a:chOff x="0" y="0"/>
-          <a:chExt cx="0" cy="0"/>
-        </a:xfrm>
-      </p:grpSpPr>
-      <p:sp>
-        <p:nvSpPr>
-          <p:cNvPr id="2" name="Title 1">
-            <a:extLst>
-              <a:ext uri="{FF2B5EF4-FFF2-40B4-BE49-F238E27FC236}">
-                <a16:creationId xmlns:a16="http://schemas.microsoft.com/office/drawing/2014/main" id="{B0617B3C-340A-92F7-5652-58CF78DE8C87}"/>
-              </a:ext>
-            </a:extLst>
-          </p:cNvPr>
-          <p:cNvSpPr>
-            <a:spLocks noGrp="1"/>
-          </p:cNvSpPr>
-          <p:nvPr>
-            <p:ph type="title"/>
-          </p:nvPr>
-        </p:nvSpPr>
-        <p:spPr/>
-        <p:txBody>
-          <a:bodyPr/>
-          <a:lstStyle/>
-          <a:p>
-            <a:r>
-              <a:rPr lang="en-US" dirty="0"/>
-              <a:t>Cherry-picking</a:t>
-            </a:r>
-          </a:p>
-        </p:txBody>
-      </p:sp>
-      <p:sp>
-        <p:nvSpPr>
-          <p:cNvPr id="3" name="Content Placeholder 2">
-            <a:extLst>
-              <a:ext uri="{FF2B5EF4-FFF2-40B4-BE49-F238E27FC236}">
-                <a16:creationId xmlns:a16="http://schemas.microsoft.com/office/drawing/2014/main" id="{802607F8-C357-48D0-A769-A1B76C353C29}"/>
-              </a:ext>
-            </a:extLst>
-          </p:cNvPr>
-          <p:cNvSpPr>
-            <a:spLocks noGrp="1"/>
-          </p:cNvSpPr>
-          <p:nvPr>
-            <p:ph idx="1"/>
-          </p:nvPr>
-        </p:nvSpPr>
-        <p:spPr/>
-        <p:txBody>
-          <a:bodyPr/>
-          <a:lstStyle/>
-          <a:p>
-            <a:r>
-              <a:rPr lang="en-US" dirty="0"/>
-              <a:t>What if we developed on a stable release branch?</a:t>
-            </a:r>
-          </a:p>
-          <a:p>
-            <a:pPr lvl="1"/>
-            <a:r>
-              <a:rPr lang="en-US" dirty="0"/>
-              <a:t>We want to selectively apply all of our changes from our current branch to the upstream/master branch</a:t>
-            </a:r>
-          </a:p>
-          <a:p>
-            <a:pPr lvl="1"/>
-            <a:r>
-              <a:rPr lang="en-US" dirty="0"/>
-              <a:t>go to your history and find the range of all commits you want</a:t>
-            </a:r>
-          </a:p>
-          <a:p>
-            <a:pPr lvl="1"/>
-            <a:r>
-              <a:rPr lang="en-US" dirty="0"/>
-              <a:t>git cherry-pick &lt;oldest commit&gt;^..&lt;latest commit&gt;</a:t>
-            </a:r>
-          </a:p>
-          <a:p>
-            <a:r>
-              <a:rPr lang="en-US" dirty="0"/>
-              <a:t>This is a one-off trick! Not a permanent solution! Do this to transition to the </a:t>
-            </a:r>
-            <a:r>
-              <a:rPr lang="en-US" dirty="0" err="1"/>
-              <a:t>uhd</a:t>
-            </a:r>
-            <a:r>
-              <a:rPr lang="en-US" dirty="0"/>
-              <a:t> master branch.</a:t>
-            </a:r>
-          </a:p>
-        </p:txBody>
-      </p:sp>
-    </p:spTree>
-    <p:extLst>
-      <p:ext uri="{BB962C8B-B14F-4D97-AF65-F5344CB8AC3E}">
-        <p14:creationId xmlns:p14="http://schemas.microsoft.com/office/powerpoint/2010/main" val="300669522"/>
-      </p:ext>
-    </p:extLst>
-  </p:cSld>
-  <p:clrMapOvr>
-    <a:masterClrMapping/>
-  </p:clrMapOvr>
-</p:sld>
-</file>
-
-<file path=ppt/slides/slide33.xml><?xml version="1.0" encoding="utf-8"?>
-<p:sld xmlns:a="http://schemas.openxmlformats.org/drawingml/2006/main" xmlns:r="http://schemas.openxmlformats.org/officeDocument/2006/relationships" xmlns:p="http://schemas.openxmlformats.org/presentationml/2006/main">
-  <p:cSld>
-    <p:spTree>
-      <p:nvGrpSpPr>
-        <p:cNvPr id="1" name=""/>
-        <p:cNvGrpSpPr/>
-        <p:nvPr/>
-      </p:nvGrpSpPr>
-      <p:grpSpPr>
-        <a:xfrm>
-          <a:off x="0" y="0"/>
-          <a:ext cx="0" cy="0"/>
-          <a:chOff x="0" y="0"/>
-          <a:chExt cx="0" cy="0"/>
-        </a:xfrm>
-      </p:grpSpPr>
-      <p:sp>
-        <p:nvSpPr>
-          <p:cNvPr id="2" name="Title 1">
-            <a:extLst>
-              <a:ext uri="{FF2B5EF4-FFF2-40B4-BE49-F238E27FC236}">
-                <a16:creationId xmlns:a16="http://schemas.microsoft.com/office/drawing/2014/main" id="{73927D09-DFF1-1FDC-FB0E-9AC397445E69}"/>
-              </a:ext>
-            </a:extLst>
-          </p:cNvPr>
-          <p:cNvSpPr>
-            <a:spLocks noGrp="1"/>
-          </p:cNvSpPr>
-          <p:nvPr>
-            <p:ph type="title"/>
-          </p:nvPr>
-        </p:nvSpPr>
-        <p:spPr/>
-        <p:txBody>
-          <a:bodyPr/>
-          <a:lstStyle/>
-          <a:p>
-            <a:r>
-              <a:rPr lang="en-US" dirty="0"/>
-              <a:t>General useful information</a:t>
-            </a:r>
-          </a:p>
-        </p:txBody>
-      </p:sp>
-      <p:sp>
-        <p:nvSpPr>
-          <p:cNvPr id="3" name="Content Placeholder 2">
-            <a:extLst>
-              <a:ext uri="{FF2B5EF4-FFF2-40B4-BE49-F238E27FC236}">
-                <a16:creationId xmlns:a16="http://schemas.microsoft.com/office/drawing/2014/main" id="{1E54288F-A9A8-99A3-E9D8-4A490850C70B}"/>
-              </a:ext>
-            </a:extLst>
-          </p:cNvPr>
-          <p:cNvSpPr>
-            <a:spLocks noGrp="1"/>
-          </p:cNvSpPr>
-          <p:nvPr>
-            <p:ph idx="1"/>
-          </p:nvPr>
-        </p:nvSpPr>
-        <p:spPr/>
-        <p:txBody>
-          <a:bodyPr/>
-          <a:lstStyle/>
-          <a:p>
-            <a:r>
-              <a:rPr lang="en-US" dirty="0">
-                <a:hlinkClick r:id="rId2"/>
-              </a:rPr>
-              <a:t>https://www.youtube.com/watch?app=desktop&amp;v=PNMOwhEHE6w</a:t>
-            </a:r>
-            <a:r>
-              <a:rPr lang="en-US" dirty="0"/>
-              <a:t> </a:t>
-            </a:r>
-          </a:p>
-          <a:p>
-            <a:r>
-              <a:rPr lang="en-US" dirty="0">
-                <a:hlinkClick r:id="rId3"/>
-              </a:rPr>
-              <a:t>https://www.youtube.com/watch?v=wqKNUXDdIvU&amp;t=1811s</a:t>
-            </a:r>
-            <a:r>
-              <a:rPr lang="en-US" dirty="0"/>
-              <a:t> </a:t>
-            </a:r>
-            <a:br>
-              <a:rPr lang="en-US" dirty="0"/>
-            </a:br>
-            <a:r>
-              <a:rPr lang="en-US" dirty="0">
-                <a:hlinkClick r:id="rId4"/>
-              </a:rPr>
-              <a:t>https://en.wikipedia.org/wiki/Stochastic_resonance</a:t>
-            </a:r>
-            <a:r>
-              <a:rPr lang="en-US" dirty="0"/>
-              <a:t> </a:t>
-            </a:r>
-          </a:p>
-          <a:p>
-            <a:r>
-              <a:rPr lang="en-US" dirty="0">
-                <a:hlinkClick r:id="rId5"/>
-              </a:rPr>
-              <a:t>https://www.youtube.com/watch?v=FxciG7nW-J0</a:t>
-            </a:r>
-            <a:r>
-              <a:rPr lang="en-US" dirty="0"/>
-              <a:t> </a:t>
-            </a:r>
-          </a:p>
-        </p:txBody>
-      </p:sp>
-    </p:spTree>
-    <p:extLst>
-      <p:ext uri="{BB962C8B-B14F-4D97-AF65-F5344CB8AC3E}">
-        <p14:creationId xmlns:p14="http://schemas.microsoft.com/office/powerpoint/2010/main" val="4125737294"/>
-      </p:ext>
-    </p:extLst>
-  </p:cSld>
-  <p:clrMapOvr>
-    <a:masterClrMapping/>
-  </p:clrMapOvr>
-</p:sld>
-</file>
-
-<file path=ppt/slides/slide34.xml><?xml version="1.0" encoding="utf-8"?>
-<p:sld xmlns:a="http://schemas.openxmlformats.org/drawingml/2006/main" xmlns:r="http://schemas.openxmlformats.org/officeDocument/2006/relationships" xmlns:p="http://schemas.openxmlformats.org/presentationml/2006/main">
-  <p:cSld>
-    <p:spTree>
-      <p:nvGrpSpPr>
-        <p:cNvPr id="1" name=""/>
-        <p:cNvGrpSpPr/>
-        <p:nvPr/>
-      </p:nvGrpSpPr>
-      <p:grpSpPr>
-        <a:xfrm>
-          <a:off x="0" y="0"/>
-          <a:ext cx="0" cy="0"/>
-          <a:chOff x="0" y="0"/>
-          <a:chExt cx="0" cy="0"/>
-        </a:xfrm>
-      </p:grpSpPr>
-      <p:sp>
-        <p:nvSpPr>
-          <p:cNvPr id="2" name="Title 1">
-            <a:extLst>
-              <a:ext uri="{FF2B5EF4-FFF2-40B4-BE49-F238E27FC236}">
-                <a16:creationId xmlns:a16="http://schemas.microsoft.com/office/drawing/2014/main" id="{D440D84B-7064-96C9-54AD-7EE2E9DFDB61}"/>
-              </a:ext>
-            </a:extLst>
-          </p:cNvPr>
-          <p:cNvSpPr>
-            <a:spLocks noGrp="1"/>
-          </p:cNvSpPr>
-          <p:nvPr>
-            <p:ph type="title"/>
-          </p:nvPr>
-        </p:nvSpPr>
-        <p:spPr/>
-        <p:txBody>
-          <a:bodyPr/>
-          <a:lstStyle/>
-          <a:p>
-            <a:r>
-              <a:rPr lang="en-US" dirty="0"/>
-              <a:t>Nonideality correction</a:t>
-            </a:r>
-          </a:p>
-        </p:txBody>
-      </p:sp>
-      <p:sp>
-        <p:nvSpPr>
-          <p:cNvPr id="3" name="Content Placeholder 2">
-            <a:extLst>
-              <a:ext uri="{FF2B5EF4-FFF2-40B4-BE49-F238E27FC236}">
-                <a16:creationId xmlns:a16="http://schemas.microsoft.com/office/drawing/2014/main" id="{32ABC283-D191-0CB8-C67F-64BA7060714F}"/>
-              </a:ext>
-            </a:extLst>
-          </p:cNvPr>
-          <p:cNvSpPr>
-            <a:spLocks noGrp="1"/>
-          </p:cNvSpPr>
-          <p:nvPr>
-            <p:ph idx="1"/>
-          </p:nvPr>
-        </p:nvSpPr>
-        <p:spPr/>
-        <p:txBody>
-          <a:bodyPr/>
-          <a:lstStyle/>
-          <a:p>
-            <a:r>
-              <a:rPr lang="en-US" dirty="0" err="1"/>
-              <a:t>fe_control</a:t>
-            </a:r>
-            <a:r>
-              <a:rPr lang="en-US" dirty="0"/>
-              <a:t> sits between x300 and </a:t>
-            </a:r>
-            <a:r>
-              <a:rPr lang="en-US" dirty="0" err="1"/>
-              <a:t>adc</a:t>
-            </a:r>
-            <a:r>
-              <a:rPr lang="en-US" dirty="0"/>
-              <a:t> (CHECK)</a:t>
-            </a:r>
-          </a:p>
-          <a:p>
-            <a:r>
-              <a:rPr lang="en-US" dirty="0">
-                <a:hlinkClick r:id="rId2"/>
-              </a:rPr>
-              <a:t>https://github.com/Wangstonn/ww_uhd/blob/master/fpga/usrp3/lib/control/fe_control.v#L14</a:t>
-            </a:r>
-            <a:endParaRPr lang="en-US" dirty="0"/>
-          </a:p>
-          <a:p>
-            <a:r>
-              <a:rPr lang="en-US" dirty="0"/>
-              <a:t>Performs DC offset correction, </a:t>
-            </a:r>
-            <a:r>
-              <a:rPr lang="en-US" dirty="0" err="1"/>
-              <a:t>etc</a:t>
-            </a:r>
-            <a:endParaRPr lang="en-US" dirty="0"/>
-          </a:p>
-          <a:p>
-            <a:r>
-              <a:rPr lang="en-US" dirty="0">
-                <a:hlinkClick r:id="rId3"/>
-              </a:rPr>
-              <a:t>https://github.com/Wangstonn/ww_uhd/blob/master/fpga/usrp3/lib/rfnoc/blocks/rfnoc_block_radio/tx_frontend_gen3.v#L8</a:t>
-            </a:r>
-            <a:r>
-              <a:rPr lang="en-US" dirty="0"/>
-              <a:t> </a:t>
-            </a:r>
-          </a:p>
-        </p:txBody>
-      </p:sp>
-    </p:spTree>
-    <p:extLst>
-      <p:ext uri="{BB962C8B-B14F-4D97-AF65-F5344CB8AC3E}">
-        <p14:creationId xmlns:p14="http://schemas.microsoft.com/office/powerpoint/2010/main" val="3650599101"/>
-      </p:ext>
-    </p:extLst>
-  </p:cSld>
-  <p:clrMapOvr>
-    <a:masterClrMapping/>
-  </p:clrMapOvr>
-</p:sld>
-</file>
-
-<file path=ppt/slides/slide35.xml><?xml version="1.0" encoding="utf-8"?>
-<p:sld xmlns:a="http://schemas.openxmlformats.org/drawingml/2006/main" xmlns:r="http://schemas.openxmlformats.org/officeDocument/2006/relationships" xmlns:p="http://schemas.openxmlformats.org/presentationml/2006/main">
-  <p:cSld>
-    <p:spTree>
-      <p:nvGrpSpPr>
-        <p:cNvPr id="1" name=""/>
-        <p:cNvGrpSpPr/>
-        <p:nvPr/>
-      </p:nvGrpSpPr>
-      <p:grpSpPr>
-        <a:xfrm>
-          <a:off x="0" y="0"/>
-          <a:ext cx="0" cy="0"/>
-          <a:chOff x="0" y="0"/>
-          <a:chExt cx="0" cy="0"/>
-        </a:xfrm>
-      </p:grpSpPr>
-      <p:sp>
-        <p:nvSpPr>
-          <p:cNvPr id="2" name="Title 1">
-            <a:extLst>
-              <a:ext uri="{FF2B5EF4-FFF2-40B4-BE49-F238E27FC236}">
-                <a16:creationId xmlns:a16="http://schemas.microsoft.com/office/drawing/2014/main" id="{8FCA704D-EE47-D3EC-C7F0-B8E06F740B7A}"/>
-              </a:ext>
-            </a:extLst>
-          </p:cNvPr>
-          <p:cNvSpPr>
-            <a:spLocks noGrp="1"/>
-          </p:cNvSpPr>
-          <p:nvPr>
-            <p:ph type="title"/>
-          </p:nvPr>
-        </p:nvSpPr>
-        <p:spPr/>
-        <p:txBody>
-          <a:bodyPr/>
-          <a:lstStyle/>
-          <a:p>
-            <a:r>
-              <a:rPr lang="en-US" dirty="0"/>
-              <a:t>Debug advice</a:t>
-            </a:r>
-          </a:p>
-        </p:txBody>
-      </p:sp>
-      <p:sp>
-        <p:nvSpPr>
-          <p:cNvPr id="3" name="Content Placeholder 2">
-            <a:extLst>
-              <a:ext uri="{FF2B5EF4-FFF2-40B4-BE49-F238E27FC236}">
-                <a16:creationId xmlns:a16="http://schemas.microsoft.com/office/drawing/2014/main" id="{D2694319-EF79-8A47-0208-AA5658E030DF}"/>
-              </a:ext>
-            </a:extLst>
-          </p:cNvPr>
-          <p:cNvSpPr>
-            <a:spLocks noGrp="1"/>
-          </p:cNvSpPr>
-          <p:nvPr>
-            <p:ph idx="1"/>
-          </p:nvPr>
-        </p:nvSpPr>
-        <p:spPr/>
-        <p:txBody>
-          <a:bodyPr/>
-          <a:lstStyle/>
-          <a:p>
-            <a:r>
-              <a:rPr lang="en-US" dirty="0"/>
-              <a:t>(* </a:t>
-            </a:r>
-            <a:r>
-              <a:rPr lang="en-US" dirty="0" err="1"/>
-              <a:t>dont_touch</a:t>
-            </a:r>
-            <a:r>
-              <a:rPr lang="en-US" dirty="0"/>
-              <a:t> = "true" , </a:t>
-            </a:r>
-            <a:r>
-              <a:rPr lang="en-US" dirty="0" err="1"/>
-              <a:t>mark_debug</a:t>
-            </a:r>
-            <a:r>
-              <a:rPr lang="en-US" dirty="0"/>
-              <a:t> = "true" *) logic </a:t>
-            </a:r>
-            <a:r>
-              <a:rPr lang="en-US" dirty="0" err="1"/>
-              <a:t>fb_o_ctr_r</a:t>
-            </a:r>
-            <a:endParaRPr lang="en-US" dirty="0"/>
-          </a:p>
-          <a:p>
-            <a:r>
-              <a:rPr lang="en-US" dirty="0"/>
-              <a:t>(* DONT_TOUCH = "yes" *) </a:t>
-            </a:r>
-            <a:r>
-              <a:rPr lang="en-US" dirty="0" err="1"/>
-              <a:t>dest</a:t>
-            </a:r>
-            <a:r>
-              <a:rPr lang="en-US" dirty="0"/>
-              <a:t> </a:t>
-            </a:r>
-            <a:r>
-              <a:rPr lang="en-US" dirty="0" err="1"/>
-              <a:t>dest_dut</a:t>
-            </a:r>
-            <a:r>
-              <a:rPr lang="en-US" dirty="0"/>
-              <a:t>( )</a:t>
-            </a:r>
-          </a:p>
-        </p:txBody>
-      </p:sp>
-    </p:spTree>
-    <p:extLst>
-      <p:ext uri="{BB962C8B-B14F-4D97-AF65-F5344CB8AC3E}">
-        <p14:creationId xmlns:p14="http://schemas.microsoft.com/office/powerpoint/2010/main" val="726467427"/>
-      </p:ext>
-    </p:extLst>
-  </p:cSld>
-  <p:clrMapOvr>
-    <a:masterClrMapping/>
-  </p:clrMapOvr>
-</p:sld>
-</file>
-
-<file path=ppt/slides/slide36.xml><?xml version="1.0" encoding="utf-8"?>
-<p:sld xmlns:a="http://schemas.openxmlformats.org/drawingml/2006/main" xmlns:r="http://schemas.openxmlformats.org/officeDocument/2006/relationships" xmlns:p="http://schemas.openxmlformats.org/presentationml/2006/main">
-  <p:cSld>
-    <p:spTree>
-      <p:nvGrpSpPr>
-        <p:cNvPr id="1" name=""/>
-        <p:cNvGrpSpPr/>
-        <p:nvPr/>
-      </p:nvGrpSpPr>
-      <p:grpSpPr>
-        <a:xfrm>
-          <a:off x="0" y="0"/>
-          <a:ext cx="0" cy="0"/>
-          <a:chOff x="0" y="0"/>
-          <a:chExt cx="0" cy="0"/>
-        </a:xfrm>
-      </p:grpSpPr>
-      <p:sp>
-        <p:nvSpPr>
-          <p:cNvPr id="2" name="Title 1">
-            <a:extLst>
-              <a:ext uri="{FF2B5EF4-FFF2-40B4-BE49-F238E27FC236}">
-                <a16:creationId xmlns:a16="http://schemas.microsoft.com/office/drawing/2014/main" id="{9D06B023-DC6A-41F3-4AE9-E867DC09A16F}"/>
-              </a:ext>
-            </a:extLst>
-          </p:cNvPr>
-          <p:cNvSpPr>
-            <a:spLocks noGrp="1"/>
-          </p:cNvSpPr>
-          <p:nvPr>
-            <p:ph type="title"/>
-          </p:nvPr>
-        </p:nvSpPr>
-        <p:spPr/>
-        <p:txBody>
-          <a:bodyPr/>
-          <a:lstStyle/>
-          <a:p>
-            <a:r>
-              <a:rPr lang="en-US" dirty="0"/>
-              <a:t>Repo overview</a:t>
-            </a:r>
-          </a:p>
-        </p:txBody>
-      </p:sp>
-      <p:sp>
-        <p:nvSpPr>
-          <p:cNvPr id="3" name="Content Placeholder 2">
-            <a:extLst>
-              <a:ext uri="{FF2B5EF4-FFF2-40B4-BE49-F238E27FC236}">
-                <a16:creationId xmlns:a16="http://schemas.microsoft.com/office/drawing/2014/main" id="{F12D3D4B-9539-38B4-187E-83D8AAB01749}"/>
-              </a:ext>
-            </a:extLst>
-          </p:cNvPr>
-          <p:cNvSpPr>
-            <a:spLocks noGrp="1"/>
-          </p:cNvSpPr>
-          <p:nvPr>
-            <p:ph idx="1"/>
-          </p:nvPr>
-        </p:nvSpPr>
-        <p:spPr/>
-        <p:txBody>
-          <a:bodyPr>
-            <a:normAutofit/>
-          </a:bodyPr>
-          <a:lstStyle/>
-          <a:p>
-            <a:r>
-              <a:rPr lang="en-US" dirty="0" err="1"/>
-              <a:t>uhd</a:t>
-            </a:r>
-            <a:r>
-              <a:rPr lang="en-US" dirty="0"/>
-              <a:t>/</a:t>
-            </a:r>
-            <a:r>
-              <a:rPr lang="en-US" dirty="0" err="1"/>
-              <a:t>fpga</a:t>
-            </a:r>
-            <a:r>
-              <a:rPr lang="en-US" dirty="0"/>
-              <a:t> contains the Verilog used on the USRPs</a:t>
-            </a:r>
-          </a:p>
-          <a:p>
-            <a:pPr marL="457200" lvl="1" indent="0">
-              <a:buNone/>
-            </a:pPr>
-            <a:r>
-              <a:rPr lang="en-US" dirty="0">
-                <a:hlinkClick r:id="rId2"/>
-              </a:rPr>
-              <a:t>https://github.com/EttusResearch/uhd/tree/master/fpga/usrp3/top/x300</a:t>
-            </a:r>
-            <a:endParaRPr lang="en-US" dirty="0"/>
-          </a:p>
-          <a:p>
-            <a:r>
-              <a:rPr lang="en-US" dirty="0"/>
-              <a:t>All the action happens in x300_core</a:t>
-            </a:r>
-          </a:p>
-          <a:p>
-            <a:pPr lvl="1"/>
-            <a:r>
-              <a:rPr lang="en-US" dirty="0"/>
-              <a:t>handles communication with PC, </a:t>
-            </a:r>
-            <a:r>
-              <a:rPr lang="en-US" dirty="0" err="1"/>
-              <a:t>gpio</a:t>
-            </a:r>
-            <a:r>
-              <a:rPr lang="en-US" dirty="0"/>
-              <a:t>, </a:t>
-            </a:r>
-            <a:r>
-              <a:rPr lang="en-US" dirty="0" err="1"/>
-              <a:t>adc</a:t>
-            </a:r>
-            <a:r>
-              <a:rPr lang="en-US" dirty="0"/>
-              <a:t>/</a:t>
-            </a:r>
-            <a:r>
-              <a:rPr lang="en-US" dirty="0" err="1"/>
-              <a:t>dac</a:t>
-            </a:r>
-            <a:r>
-              <a:rPr lang="en-US" dirty="0"/>
-              <a:t>, nonideality correction</a:t>
-            </a:r>
-          </a:p>
-          <a:p>
-            <a:r>
-              <a:rPr lang="en-US" dirty="0"/>
-              <a:t>We will insert our module here</a:t>
-            </a:r>
-          </a:p>
-          <a:p>
-            <a:r>
-              <a:rPr lang="en-US" dirty="0"/>
-              <a:t>However, there are nuances! There are many signals that we need to go through</a:t>
-            </a:r>
-          </a:p>
-        </p:txBody>
-      </p:sp>
-    </p:spTree>
-    <p:extLst>
-      <p:ext uri="{BB962C8B-B14F-4D97-AF65-F5344CB8AC3E}">
-        <p14:creationId xmlns:p14="http://schemas.microsoft.com/office/powerpoint/2010/main" val="2263773463"/>
-      </p:ext>
-    </p:extLst>
-  </p:cSld>
-  <p:clrMapOvr>
-    <a:masterClrMapping/>
-  </p:clrMapOvr>
-</p:sld>
-</file>
-
 <file path=ppt/slides/slide37.xml><?xml version="1.0" encoding="utf-8"?>
 <p:sld xmlns:a="http://schemas.openxmlformats.org/drawingml/2006/main" xmlns:r="http://schemas.openxmlformats.org/officeDocument/2006/relationships" xmlns:p="http://schemas.openxmlformats.org/presentationml/2006/main">
   <p:cSld>
@@ -11049,7 +11296,7 @@
           <p:cNvPr id="2" name="Title 1">
             <a:extLst>
               <a:ext uri="{FF2B5EF4-FFF2-40B4-BE49-F238E27FC236}">
-                <a16:creationId xmlns:a16="http://schemas.microsoft.com/office/drawing/2014/main" id="{927212E4-D71F-F26A-2E65-97BE946E880B}"/>
+                <a16:creationId xmlns:a16="http://schemas.microsoft.com/office/drawing/2014/main" id="{B0617B3C-340A-92F7-5652-58CF78DE8C87}"/>
               </a:ext>
             </a:extLst>
           </p:cNvPr>
@@ -11067,7 +11314,7 @@
           <a:p>
             <a:r>
               <a:rPr lang="en-US" dirty="0"/>
-              <a:t>Preface</a:t>
+              <a:t>Cherry-picking</a:t>
             </a:r>
           </a:p>
         </p:txBody>
@@ -11077,7 +11324,7 @@
           <p:cNvPr id="3" name="Content Placeholder 2">
             <a:extLst>
               <a:ext uri="{FF2B5EF4-FFF2-40B4-BE49-F238E27FC236}">
-                <a16:creationId xmlns:a16="http://schemas.microsoft.com/office/drawing/2014/main" id="{DFEF7017-0B55-CBEA-7008-F351EE38770A}"/>
+                <a16:creationId xmlns:a16="http://schemas.microsoft.com/office/drawing/2014/main" id="{802607F8-C357-48D0-A769-A1B76C353C29}"/>
               </a:ext>
             </a:extLst>
           </p:cNvPr>
@@ -11093,46 +11340,44 @@
           <a:bodyPr/>
           <a:lstStyle/>
           <a:p>
-            <a:pPr marL="0" indent="0">
-              <a:buNone/>
-            </a:pPr>
-            <a:r>
-              <a:rPr lang="en-US" dirty="0"/>
-              <a:t>for .</a:t>
-            </a:r>
-            <a:r>
-              <a:rPr lang="en-US" dirty="0" err="1"/>
-              <a:t>sh</a:t>
-            </a:r>
-            <a:r>
-              <a:rPr lang="en-US" dirty="0"/>
-              <a:t> files, run using . &lt;filename&gt;.</a:t>
-            </a:r>
-            <a:r>
-              <a:rPr lang="en-US" dirty="0" err="1"/>
-              <a:t>sh</a:t>
-            </a:r>
-            <a:endParaRPr lang="en-US" dirty="0"/>
-          </a:p>
-          <a:p>
-            <a:pPr marL="0" indent="0">
-              <a:buNone/>
-            </a:pPr>
-            <a:r>
-              <a:rPr lang="en-US" dirty="0"/>
-              <a:t>for </a:t>
-            </a:r>
-            <a:r>
-              <a:rPr lang="en-US" dirty="0" err="1"/>
-              <a:t>c++</a:t>
-            </a:r>
-            <a:r>
-              <a:rPr lang="en-US" dirty="0"/>
-              <a:t> files, run using </a:t>
-            </a:r>
-            <a:r>
-              <a:rPr lang="en-US"/>
-              <a:t>./&lt;filename&gt;</a:t>
+            <a:r>
+              <a:rPr lang="en-US" dirty="0"/>
+              <a:t>What if we developed on a stable release branch?</a:t>
+            </a:r>
+          </a:p>
+          <a:p>
+            <a:pPr lvl="1"/>
+            <a:r>
+              <a:rPr lang="en-US" dirty="0"/>
+              <a:t>We want to selectively apply all of our changes from our current branch to the upstream/master branch</a:t>
+            </a:r>
+          </a:p>
+          <a:p>
+            <a:pPr lvl="1"/>
+            <a:r>
+              <a:rPr lang="en-US" dirty="0"/>
+              <a:t>go to your history and find the range of all commits you want</a:t>
+            </a:r>
+          </a:p>
+          <a:p>
+            <a:pPr lvl="1"/>
+            <a:r>
+              <a:rPr lang="en-US" dirty="0"/>
+              <a:t>git cherry-pick &lt;oldest commit&gt;^..&lt;latest commit&gt;</a:t>
+            </a:r>
+          </a:p>
+          <a:p>
+            <a:r>
+              <a:rPr lang="en-US" dirty="0"/>
+              <a:t>This is a one-off trick! Not a permanent solution! Do this to transition to the </a:t>
+            </a:r>
+            <a:r>
+              <a:rPr lang="en-US" dirty="0" err="1"/>
+              <a:t>uhd</a:t>
+            </a:r>
+            <a:r>
+              <a:rPr lang="en-US" dirty="0"/>
+              <a:t> master branch.</a:t>
             </a:r>
           </a:p>
         </p:txBody>
@@ -11140,7 +11385,7 @@
     </p:spTree>
     <p:extLst>
       <p:ext uri="{BB962C8B-B14F-4D97-AF65-F5344CB8AC3E}">
-        <p14:creationId xmlns:p14="http://schemas.microsoft.com/office/powerpoint/2010/main" val="2334826202"/>
+        <p14:creationId xmlns:p14="http://schemas.microsoft.com/office/powerpoint/2010/main" val="300669522"/>
       </p:ext>
     </p:extLst>
   </p:cSld>
@@ -11172,7 +11417,7 @@
           <p:cNvPr id="2" name="Title 1">
             <a:extLst>
               <a:ext uri="{FF2B5EF4-FFF2-40B4-BE49-F238E27FC236}">
-                <a16:creationId xmlns:a16="http://schemas.microsoft.com/office/drawing/2014/main" id="{D938DE1B-4987-7195-DB8D-8907B5DE7D81}"/>
+                <a16:creationId xmlns:a16="http://schemas.microsoft.com/office/drawing/2014/main" id="{73927D09-DFF1-1FDC-FB0E-9AC397445E69}"/>
               </a:ext>
             </a:extLst>
           </p:cNvPr>
@@ -11190,15 +11435,7 @@
           <a:p>
             <a:r>
               <a:rPr lang="en-US" dirty="0"/>
-              <a:t>HDL </a:t>
-            </a:r>
-            <a:r>
-              <a:rPr lang="en-US" dirty="0" err="1"/>
-              <a:t>Makefile</a:t>
-            </a:r>
-            <a:r>
-              <a:rPr lang="en-US" dirty="0"/>
-              <a:t> setup</a:t>
+              <a:t>General useful information</a:t>
             </a:r>
           </a:p>
         </p:txBody>
@@ -11208,7 +11445,7 @@
           <p:cNvPr id="3" name="Content Placeholder 2">
             <a:extLst>
               <a:ext uri="{FF2B5EF4-FFF2-40B4-BE49-F238E27FC236}">
-                <a16:creationId xmlns:a16="http://schemas.microsoft.com/office/drawing/2014/main" id="{DD57B83D-44A1-EDAA-4C84-DCA7435F80DE}"/>
+                <a16:creationId xmlns:a16="http://schemas.microsoft.com/office/drawing/2014/main" id="{1E54288F-A9A8-99A3-E9D8-4A490850C70B}"/>
               </a:ext>
             </a:extLst>
           </p:cNvPr>
@@ -11221,139 +11458,63 @@
         </p:nvSpPr>
         <p:spPr/>
         <p:txBody>
-          <a:bodyPr>
-            <a:normAutofit lnSpcReduction="10000"/>
-          </a:bodyPr>
-          <a:lstStyle/>
-          <a:p>
-            <a:pPr marL="0" indent="0">
-              <a:buNone/>
-            </a:pPr>
-            <a:r>
-              <a:rPr lang="en-US" dirty="0"/>
-              <a:t>To compile the HDL, the </a:t>
-            </a:r>
-            <a:r>
-              <a:rPr lang="en-US" dirty="0" err="1"/>
-              <a:t>makefile</a:t>
-            </a:r>
-            <a:r>
-              <a:rPr lang="en-US" dirty="0"/>
-              <a:t> needs to know which files are needed. This is done by reading </a:t>
-            </a:r>
-            <a:r>
-              <a:rPr lang="en-US" dirty="0" err="1"/>
-              <a:t>makefile.srcs</a:t>
-            </a:r>
-            <a:r>
-              <a:rPr lang="en-US" dirty="0"/>
-              <a:t> files, which contain a list of all </a:t>
-            </a:r>
-            <a:r>
-              <a:rPr lang="en-US" dirty="0" err="1"/>
-              <a:t>hdl</a:t>
-            </a:r>
-            <a:r>
-              <a:rPr lang="en-US" dirty="0"/>
-              <a:t> code we use.</a:t>
-            </a:r>
-          </a:p>
-          <a:p>
-            <a:pPr marL="0" indent="0">
-              <a:buNone/>
-            </a:pPr>
-            <a:r>
-              <a:rPr lang="en-US" dirty="0"/>
-              <a:t>In each module folder, add a </a:t>
-            </a:r>
-            <a:r>
-              <a:rPr lang="en-US" dirty="0" err="1"/>
-              <a:t>Makefile.srcs</a:t>
-            </a:r>
-            <a:r>
-              <a:rPr lang="en-US" dirty="0"/>
-              <a:t> file that </a:t>
-            </a:r>
-          </a:p>
-          <a:p>
-            <a:pPr lvl="1"/>
-            <a:r>
-              <a:rPr lang="en-US" dirty="0"/>
-              <a:t>Adds all utility files</a:t>
-            </a:r>
-          </a:p>
-          <a:p>
-            <a:pPr lvl="1"/>
-            <a:r>
-              <a:rPr lang="en-US" dirty="0"/>
-              <a:t>Adds the full paths to each of the </a:t>
-            </a:r>
-            <a:r>
-              <a:rPr lang="en-US" dirty="0" err="1"/>
-              <a:t>hdl</a:t>
-            </a:r>
-            <a:r>
-              <a:rPr lang="en-US" dirty="0"/>
-              <a:t> files</a:t>
-            </a:r>
-          </a:p>
-          <a:p>
-            <a:pPr marL="0" indent="0">
-              <a:buNone/>
-            </a:pPr>
-            <a:r>
-              <a:rPr lang="en-US" dirty="0"/>
-              <a:t>In the top module folder </a:t>
-            </a:r>
-            <a:r>
-              <a:rPr lang="en-US" dirty="0" err="1"/>
-              <a:t>Makefile</a:t>
-            </a:r>
-            <a:r>
-              <a:rPr lang="en-US" dirty="0"/>
-              <a:t>, add all the files that are being used. To add this </a:t>
-            </a:r>
-            <a:r>
-              <a:rPr lang="en-US" dirty="0" err="1"/>
-              <a:t>Makefile</a:t>
-            </a:r>
-            <a:r>
-              <a:rPr lang="en-US" dirty="0"/>
-              <a:t>, include the path to the </a:t>
-            </a:r>
-            <a:r>
-              <a:rPr lang="en-US" dirty="0" err="1"/>
-              <a:t>Makefile.srcs</a:t>
-            </a:r>
-            <a:r>
-              <a:rPr lang="en-US" dirty="0"/>
-              <a:t> and append the path string to DESIGN_SRCS</a:t>
-            </a:r>
-          </a:p>
-          <a:p>
-            <a:pPr marL="0" indent="0">
-              <a:buNone/>
-            </a:pPr>
+          <a:bodyPr/>
+          <a:lstStyle/>
+          <a:p>
+            <a:r>
+              <a:rPr lang="en-US" dirty="0">
+                <a:hlinkClick r:id="rId2"/>
+              </a:rPr>
+              <a:t>https://www.youtube.com/watch?app=desktop&amp;v=PNMOwhEHE6w</a:t>
+            </a:r>
+            <a:r>
+              <a:rPr lang="en-US" dirty="0"/>
+              <a:t> </a:t>
+            </a:r>
+          </a:p>
+          <a:p>
             <a:r>
               <a:rPr lang="en-US" dirty="0">
                 <a:hlinkClick r:id="rId3"/>
               </a:rPr>
-              <a:t>https://github.com/Wangstonn/ww_uhd/blob/osla-bpsk-4.5/fpga/usrp3/top/x300/Makefile.x300.inc</a:t>
+              <a:t>https://www.youtube.com/watch?v=wqKNUXDdIvU&amp;t=1811s</a:t>
             </a:r>
             <a:r>
               <a:rPr lang="en-US" dirty="0"/>
               <a:t> </a:t>
             </a:r>
-          </a:p>
-          <a:p>
-            <a:endParaRPr lang="en-US" dirty="0"/>
+            <a:br>
+              <a:rPr lang="en-US" dirty="0"/>
+            </a:br>
+            <a:r>
+              <a:rPr lang="en-US" dirty="0">
+                <a:hlinkClick r:id="rId4"/>
+              </a:rPr>
+              <a:t>https://en.wikipedia.org/wiki/Stochastic_resonance</a:t>
+            </a:r>
+            <a:r>
+              <a:rPr lang="en-US" dirty="0"/>
+              <a:t> </a:t>
+            </a:r>
+          </a:p>
+          <a:p>
+            <a:r>
+              <a:rPr lang="en-US" dirty="0">
+                <a:hlinkClick r:id="rId5"/>
+              </a:rPr>
+              <a:t>https://www.youtube.com/watch?v=FxciG7nW-J0</a:t>
+            </a:r>
+            <a:r>
+              <a:rPr lang="en-US" dirty="0"/>
+              <a:t> </a:t>
+            </a:r>
           </a:p>
         </p:txBody>
       </p:sp>
     </p:spTree>
     <p:extLst>
       <p:ext uri="{BB962C8B-B14F-4D97-AF65-F5344CB8AC3E}">
-        <p14:creationId xmlns:p14="http://schemas.microsoft.com/office/powerpoint/2010/main" val="1910499077"/>
+        <p14:creationId xmlns:p14="http://schemas.microsoft.com/office/powerpoint/2010/main" val="4125737294"/>
       </p:ext>
     </p:extLst>
   </p:cSld>
@@ -11385,7 +11546,7 @@
           <p:cNvPr id="2" name="Title 1">
             <a:extLst>
               <a:ext uri="{FF2B5EF4-FFF2-40B4-BE49-F238E27FC236}">
-                <a16:creationId xmlns:a16="http://schemas.microsoft.com/office/drawing/2014/main" id="{D078B0CE-F18C-2F17-AF69-3E236D3AEA45}"/>
+                <a16:creationId xmlns:a16="http://schemas.microsoft.com/office/drawing/2014/main" id="{D440D84B-7064-96C9-54AD-7EE2E9DFDB61}"/>
               </a:ext>
             </a:extLst>
           </p:cNvPr>
@@ -11403,15 +11564,7 @@
           <a:p>
             <a:r>
               <a:rPr lang="en-US" dirty="0"/>
-              <a:t>Compilation/</a:t>
-            </a:r>
-            <a:r>
-              <a:rPr lang="en-US" dirty="0" err="1"/>
-              <a:t>bitfile</a:t>
-            </a:r>
-            <a:r>
-              <a:rPr lang="en-US" dirty="0"/>
-              <a:t> generation</a:t>
+              <a:t>Nonideality correction</a:t>
             </a:r>
           </a:p>
         </p:txBody>
@@ -11421,7 +11574,7 @@
           <p:cNvPr id="3" name="Content Placeholder 2">
             <a:extLst>
               <a:ext uri="{FF2B5EF4-FFF2-40B4-BE49-F238E27FC236}">
-                <a16:creationId xmlns:a16="http://schemas.microsoft.com/office/drawing/2014/main" id="{8158A2A7-97C4-1EE3-BD3F-1C1DEA1ECE7D}"/>
+                <a16:creationId xmlns:a16="http://schemas.microsoft.com/office/drawing/2014/main" id="{32ABC283-D191-0CB8-C67F-64BA7060714F}"/>
               </a:ext>
             </a:extLst>
           </p:cNvPr>
@@ -11434,238 +11587,64 @@
         </p:nvSpPr>
         <p:spPr/>
         <p:txBody>
-          <a:bodyPr>
-            <a:normAutofit fontScale="70000" lnSpcReduction="20000"/>
-          </a:bodyPr>
-          <a:lstStyle/>
-          <a:p>
-            <a:pPr marL="0" indent="0">
-              <a:buNone/>
-            </a:pPr>
-            <a:r>
-              <a:rPr lang="en-US" dirty="0"/>
-              <a:t>module load python/3.8.5</a:t>
-            </a:r>
-          </a:p>
-          <a:p>
-            <a:pPr marL="0" indent="0">
-              <a:buNone/>
-            </a:pPr>
-            <a:r>
-              <a:rPr lang="en-US" dirty="0"/>
-              <a:t>. ./setupenv.sh --</a:t>
-            </a:r>
-            <a:r>
-              <a:rPr lang="en-US" dirty="0" err="1"/>
-              <a:t>vivado</a:t>
-            </a:r>
-            <a:r>
-              <a:rPr lang="en-US" dirty="0"/>
-              <a:t>-path /</a:t>
-            </a:r>
-            <a:r>
-              <a:rPr lang="en-US" dirty="0" err="1"/>
-              <a:t>usr</a:t>
-            </a:r>
-            <a:r>
-              <a:rPr lang="en-US" dirty="0"/>
-              <a:t>/</a:t>
-            </a:r>
-            <a:r>
-              <a:rPr lang="en-US" dirty="0" err="1"/>
-              <a:t>caen</a:t>
-            </a:r>
-            <a:r>
-              <a:rPr lang="en-US" dirty="0"/>
-              <a:t>/</a:t>
-            </a:r>
-            <a:r>
-              <a:rPr lang="en-US" dirty="0" err="1"/>
-              <a:t>xilinx</a:t>
-            </a:r>
-            <a:r>
-              <a:rPr lang="en-US" dirty="0"/>
-              <a:t>/2021.1/</a:t>
-            </a:r>
-            <a:r>
-              <a:rPr lang="en-US" dirty="0" err="1"/>
-              <a:t>Vivado</a:t>
-            </a:r>
-            <a:r>
-              <a:rPr lang="en-US" dirty="0"/>
-              <a:t>/</a:t>
-            </a:r>
-          </a:p>
-          <a:p>
-            <a:pPr marL="0" indent="0">
-              <a:buNone/>
-            </a:pPr>
-            <a:r>
-              <a:rPr lang="en-US" dirty="0"/>
-              <a:t>make X310_HG</a:t>
-            </a:r>
-          </a:p>
-          <a:p>
-            <a:pPr marL="0" indent="0">
-              <a:buNone/>
-            </a:pPr>
-            <a:r>
-              <a:rPr lang="en-US" dirty="0" err="1"/>
-              <a:t>vivado</a:t>
-            </a:r>
-            <a:r>
-              <a:rPr lang="en-US" dirty="0"/>
-              <a:t> path will change based on </a:t>
-            </a:r>
-            <a:r>
-              <a:rPr lang="en-US" dirty="0" err="1"/>
-              <a:t>uhd</a:t>
-            </a:r>
-            <a:r>
-              <a:rPr lang="en-US" dirty="0"/>
-              <a:t> version</a:t>
-            </a:r>
-          </a:p>
-          <a:p>
-            <a:pPr marL="0" indent="0">
-              <a:buNone/>
-            </a:pPr>
+          <a:bodyPr/>
+          <a:lstStyle/>
+          <a:p>
+            <a:r>
+              <a:rPr lang="en-US" dirty="0" err="1"/>
+              <a:t>fe_control</a:t>
+            </a:r>
+            <a:r>
+              <a:rPr lang="en-US" dirty="0"/>
+              <a:t> sits between x300 and </a:t>
+            </a:r>
+            <a:r>
+              <a:rPr lang="en-US" dirty="0" err="1"/>
+              <a:t>adc</a:t>
+            </a:r>
+            <a:r>
+              <a:rPr lang="en-US" dirty="0"/>
+              <a:t> (CHECK)</a:t>
+            </a:r>
+          </a:p>
+          <a:p>
+            <a:r>
+              <a:rPr lang="en-US" dirty="0">
+                <a:hlinkClick r:id="rId2"/>
+              </a:rPr>
+              <a:t>https://github.com/Wangstonn/ww_uhd/blob/master/fpga/usrp3/lib/control/fe_control.v#L14</a:t>
+            </a:r>
+            <a:endParaRPr lang="en-US" dirty="0"/>
+          </a:p>
+          <a:p>
+            <a:r>
+              <a:rPr lang="en-US" dirty="0"/>
+              <a:t>Performs DC offset correction, </a:t>
+            </a:r>
+            <a:r>
+              <a:rPr lang="en-US" dirty="0" err="1"/>
+              <a:t>etc</a:t>
+            </a:r>
+            <a:endParaRPr lang="en-US" dirty="0"/>
+          </a:p>
+          <a:p>
             <a:r>
               <a:rPr lang="en-US" dirty="0">
                 <a:hlinkClick r:id="rId3"/>
               </a:rPr>
-              <a:t>https://github.com/Wangstonn/ww_uhd/blob/osla-bpsk-4.5/fpga/usrp3/top/x300/vlsi_make.sh</a:t>
+              <a:t>https://github.com/Wangstonn/ww_uhd/blob/master/fpga/usrp3/lib/rfnoc/blocks/rfnoc_block_radio/tx_frontend_gen3.v#L8</a:t>
             </a:r>
             <a:r>
               <a:rPr lang="en-US" dirty="0"/>
               <a:t> </a:t>
             </a:r>
-          </a:p>
-          <a:p>
-            <a:pPr marL="0" indent="0">
-              <a:buNone/>
-            </a:pPr>
-            <a:endParaRPr lang="en-US" dirty="0"/>
-          </a:p>
-          <a:p>
-            <a:pPr marL="0" indent="0">
-              <a:buNone/>
-            </a:pPr>
-            <a:r>
-              <a:rPr lang="en-US" dirty="0"/>
-              <a:t>To record </a:t>
-            </a:r>
-            <a:r>
-              <a:rPr lang="en-US" dirty="0" err="1"/>
-              <a:t>bitfile</a:t>
-            </a:r>
-            <a:r>
-              <a:rPr lang="en-US" dirty="0"/>
-              <a:t> in </a:t>
-            </a:r>
-            <a:r>
-              <a:rPr lang="en-US" dirty="0" err="1"/>
-              <a:t>github</a:t>
-            </a:r>
-            <a:r>
-              <a:rPr lang="en-US" dirty="0"/>
-              <a:t> commit</a:t>
-            </a:r>
-          </a:p>
-          <a:p>
-            <a:pPr marL="0" indent="0">
-              <a:buNone/>
-            </a:pPr>
-            <a:r>
-              <a:rPr lang="en-US" dirty="0"/>
-              <a:t>mv build/usrp_x310_fpga_HG.bit ./usrp_x310_fpga_HG.bit </a:t>
-            </a:r>
-          </a:p>
-          <a:p>
-            <a:pPr marL="0" indent="0">
-              <a:buNone/>
-            </a:pPr>
-            <a:r>
-              <a:rPr lang="en-US" dirty="0"/>
-              <a:t>To load onto USRP </a:t>
-            </a:r>
-            <a:r>
-              <a:rPr lang="en-US" dirty="0" err="1"/>
-              <a:t>vscode</a:t>
-            </a:r>
-            <a:r>
-              <a:rPr lang="en-US" dirty="0"/>
-              <a:t> into lab computer</a:t>
-            </a:r>
-          </a:p>
-          <a:p>
-            <a:pPr marL="0" indent="0">
-              <a:buNone/>
-            </a:pPr>
-            <a:r>
-              <a:rPr lang="en-US" dirty="0" err="1"/>
-              <a:t>uhd_image_loader</a:t>
-            </a:r>
-            <a:r>
-              <a:rPr lang="en-US" dirty="0"/>
-              <a:t> --</a:t>
-            </a:r>
-            <a:r>
-              <a:rPr lang="en-US" dirty="0" err="1"/>
-              <a:t>args</a:t>
-            </a:r>
-            <a:r>
-              <a:rPr lang="en-US" dirty="0"/>
-              <a:t> type=x300 </a:t>
-            </a:r>
-            <a:r>
-              <a:rPr lang="en-US" dirty="0" err="1"/>
-              <a:t>addr</a:t>
-            </a:r>
-            <a:r>
-              <a:rPr lang="en-US" dirty="0"/>
-              <a:t>=192.168.110.2 --</a:t>
-            </a:r>
-            <a:r>
-              <a:rPr lang="en-US" dirty="0" err="1"/>
-              <a:t>fpga</a:t>
-            </a:r>
-            <a:r>
-              <a:rPr lang="en-US" dirty="0"/>
-              <a:t>-path usrp_x310_fpga_HG.bit</a:t>
-            </a:r>
-          </a:p>
-          <a:p>
-            <a:pPr marL="0" indent="0">
-              <a:buNone/>
-            </a:pPr>
-            <a:r>
-              <a:rPr lang="en-US" dirty="0"/>
-              <a:t>IP addresses and reservation are found here: </a:t>
-            </a:r>
-            <a:r>
-              <a:rPr lang="en-US" dirty="0">
-                <a:hlinkClick r:id="rId4"/>
-              </a:rPr>
-              <a:t>https://docs.google.com/spreadsheets/d/1B6xLjOiw-5AcmWQ2GNcWTHVfxSufC8P4PqGfJjSeS0I/edit#gid=0</a:t>
-            </a:r>
-            <a:r>
-              <a:rPr lang="en-US" dirty="0"/>
-              <a:t> </a:t>
-            </a:r>
-          </a:p>
-          <a:p>
-            <a:pPr marL="0" indent="0">
-              <a:buNone/>
-            </a:pPr>
-            <a:endParaRPr lang="en-US" dirty="0"/>
           </a:p>
         </p:txBody>
       </p:sp>
     </p:spTree>
     <p:extLst>
       <p:ext uri="{BB962C8B-B14F-4D97-AF65-F5344CB8AC3E}">
-        <p14:creationId xmlns:p14="http://schemas.microsoft.com/office/powerpoint/2010/main" val="4009249910"/>
+        <p14:creationId xmlns:p14="http://schemas.microsoft.com/office/powerpoint/2010/main" val="3650599101"/>
       </p:ext>
     </p:extLst>
   </p:cSld>
@@ -11836,7 +11815,7 @@
           <p:cNvPr id="2" name="Title 1">
             <a:extLst>
               <a:ext uri="{FF2B5EF4-FFF2-40B4-BE49-F238E27FC236}">
-                <a16:creationId xmlns:a16="http://schemas.microsoft.com/office/drawing/2014/main" id="{1F716981-6492-0C45-169A-2540837508FF}"/>
+                <a16:creationId xmlns:a16="http://schemas.microsoft.com/office/drawing/2014/main" id="{8FCA704D-EE47-D3EC-C7F0-B8E06F740B7A}"/>
               </a:ext>
             </a:extLst>
           </p:cNvPr>
@@ -11854,7 +11833,7 @@
           <a:p>
             <a:r>
               <a:rPr lang="en-US" dirty="0"/>
-              <a:t>Host C++ code</a:t>
+              <a:t>Debug advice</a:t>
             </a:r>
           </a:p>
         </p:txBody>
@@ -11864,7 +11843,7 @@
           <p:cNvPr id="3" name="Content Placeholder 2">
             <a:extLst>
               <a:ext uri="{FF2B5EF4-FFF2-40B4-BE49-F238E27FC236}">
-                <a16:creationId xmlns:a16="http://schemas.microsoft.com/office/drawing/2014/main" id="{513851C1-B5D7-6196-C2F4-3A7EFE09E261}"/>
+                <a16:creationId xmlns:a16="http://schemas.microsoft.com/office/drawing/2014/main" id="{D2694319-EF79-8A47-0208-AA5658E030DF}"/>
               </a:ext>
             </a:extLst>
           </p:cNvPr>
@@ -11881,26 +11860,51 @@
           <a:lstStyle/>
           <a:p>
             <a:r>
-              <a:rPr lang="en-US" dirty="0">
-                <a:hlinkClick r:id="rId2"/>
-              </a:rPr>
-              <a:t>https://github.com/dbkomma/uhd/blob/usrp_da/host/dk_uhd/usrp_da/usrp_da.cpp</a:t>
+              <a:rPr lang="en-US" dirty="0"/>
+              <a:t>(* </a:t>
+            </a:r>
+            <a:r>
+              <a:rPr lang="en-US" dirty="0" err="1"/>
+              <a:t>dont_touch</a:t>
+            </a:r>
+            <a:r>
+              <a:rPr lang="en-US" dirty="0"/>
+              <a:t> = "true" , </a:t>
+            </a:r>
+            <a:r>
+              <a:rPr lang="en-US" dirty="0" err="1"/>
+              <a:t>mark_debug</a:t>
+            </a:r>
+            <a:r>
+              <a:rPr lang="en-US" dirty="0"/>
+              <a:t> = "true" *) logic </a:t>
+            </a:r>
+            <a:r>
+              <a:rPr lang="en-US" dirty="0" err="1"/>
+              <a:t>fb_o_ctr_r</a:t>
+            </a:r>
+            <a:endParaRPr lang="en-US" dirty="0"/>
+          </a:p>
+          <a:p>
+            <a:r>
+              <a:rPr lang="en-US" dirty="0"/>
+              <a:t>(* DONT_TOUCH = "yes" *) </a:t>
+            </a:r>
+            <a:r>
+              <a:rPr lang="en-US" dirty="0" err="1"/>
+              <a:t>dest</a:t>
             </a:r>
             <a:r>
               <a:rPr lang="en-US" dirty="0"/>
               <a:t> </a:t>
             </a:r>
-          </a:p>
-          <a:p>
-            <a:r>
-              <a:rPr lang="en-US">
-                <a:hlinkClick r:id="rId3"/>
-              </a:rPr>
-              <a:t>https://files.ettus.com/manual/structuhd_1_1stream__args__t.html#a602a64b4937a85dba84e7f724387e252</a:t>
-            </a:r>
-            <a:r>
-              <a:rPr lang="en-US"/>
-              <a:t> </a:t>
+            <a:r>
+              <a:rPr lang="en-US" dirty="0" err="1"/>
+              <a:t>dest_dut</a:t>
+            </a:r>
+            <a:r>
+              <a:rPr lang="en-US" dirty="0"/>
+              <a:t>( )</a:t>
             </a:r>
           </a:p>
         </p:txBody>
@@ -11908,7 +11912,7 @@
     </p:spTree>
     <p:extLst>
       <p:ext uri="{BB962C8B-B14F-4D97-AF65-F5344CB8AC3E}">
-        <p14:creationId xmlns:p14="http://schemas.microsoft.com/office/powerpoint/2010/main" val="1343792565"/>
+        <p14:creationId xmlns:p14="http://schemas.microsoft.com/office/powerpoint/2010/main" val="726467427"/>
       </p:ext>
     </p:extLst>
   </p:cSld>
@@ -11940,7 +11944,7 @@
           <p:cNvPr id="2" name="Title 1">
             <a:extLst>
               <a:ext uri="{FF2B5EF4-FFF2-40B4-BE49-F238E27FC236}">
-                <a16:creationId xmlns:a16="http://schemas.microsoft.com/office/drawing/2014/main" id="{77F63983-0D05-ABAD-049E-B27646B1DF49}"/>
+                <a16:creationId xmlns:a16="http://schemas.microsoft.com/office/drawing/2014/main" id="{9D06B023-DC6A-41F3-4AE9-E867DC09A16F}"/>
               </a:ext>
             </a:extLst>
           </p:cNvPr>
@@ -11958,7 +11962,7 @@
           <a:p>
             <a:r>
               <a:rPr lang="en-US" dirty="0"/>
-              <a:t>Structuring a C++ project</a:t>
+              <a:t>Repo overview</a:t>
             </a:r>
           </a:p>
         </p:txBody>
@@ -11968,7 +11972,7 @@
           <p:cNvPr id="3" name="Content Placeholder 2">
             <a:extLst>
               <a:ext uri="{FF2B5EF4-FFF2-40B4-BE49-F238E27FC236}">
-                <a16:creationId xmlns:a16="http://schemas.microsoft.com/office/drawing/2014/main" id="{563B0120-289B-4BFA-3AE5-42E329E1899D}"/>
+                <a16:creationId xmlns:a16="http://schemas.microsoft.com/office/drawing/2014/main" id="{F12D3D4B-9539-38B4-187E-83D8AAB01749}"/>
               </a:ext>
             </a:extLst>
           </p:cNvPr>
@@ -11982,125 +11986,94 @@
         <p:spPr/>
         <p:txBody>
           <a:bodyPr>
-            <a:normAutofit fontScale="92500" lnSpcReduction="10000"/>
+            <a:normAutofit/>
           </a:bodyPr>
           <a:lstStyle/>
           <a:p>
             <a:r>
-              <a:rPr lang="en-US" dirty="0"/>
-              <a:t>Your code should be organized into folders that contain functions, their header, and a unit test. </a:t>
-            </a:r>
-          </a:p>
-          <a:p>
-            <a:pPr marL="0" indent="0">
+              <a:rPr lang="en-US" dirty="0" err="1"/>
+              <a:t>uhd</a:t>
+            </a:r>
+            <a:r>
+              <a:rPr lang="en-US" dirty="0"/>
+              <a:t>/</a:t>
+            </a:r>
+            <a:r>
+              <a:rPr lang="en-US" dirty="0" err="1"/>
+              <a:t>fpga</a:t>
+            </a:r>
+            <a:r>
+              <a:rPr lang="en-US" dirty="0"/>
+              <a:t> contains the Verilog used on the USRPs</a:t>
+            </a:r>
+          </a:p>
+          <a:p>
+            <a:pPr marL="457200" lvl="1" indent="0">
               <a:buNone/>
             </a:pPr>
             <a:r>
-              <a:rPr lang="en-US" dirty="0" err="1"/>
-              <a:t>project_folder</a:t>
+              <a:rPr lang="en-US" dirty="0">
+                <a:hlinkClick r:id="rId2"/>
+              </a:rPr>
+              <a:t>https://github.com/EttusResearch/uhd/tree/master/fpga/usrp3/top/x300</a:t>
+            </a:r>
+            <a:endParaRPr lang="en-US" dirty="0"/>
+          </a:p>
+          <a:p>
+            <a:r>
+              <a:rPr lang="en-US" dirty="0"/>
+              <a:t>All the action happens in x300_core</a:t>
+            </a:r>
+          </a:p>
+          <a:p>
+            <a:pPr lvl="1"/>
+            <a:r>
+              <a:rPr lang="en-US" dirty="0"/>
+              <a:t>handles communication with PC, </a:t>
+            </a:r>
+            <a:r>
+              <a:rPr lang="en-US" dirty="0" err="1"/>
+              <a:t>gpio</a:t>
+            </a:r>
+            <a:r>
+              <a:rPr lang="en-US" dirty="0"/>
+              <a:t>, </a:t>
+            </a:r>
+            <a:r>
+              <a:rPr lang="en-US" dirty="0" err="1"/>
+              <a:t>adc</a:t>
             </a:r>
             <a:r>
               <a:rPr lang="en-US" dirty="0"/>
               <a:t>/</a:t>
             </a:r>
-          </a:p>
-          <a:p>
-            <a:pPr marL="0" indent="0">
-              <a:buNone/>
-            </a:pPr>
-            <a:r>
-              <a:rPr lang="en-US" dirty="0"/>
-              <a:t>│</a:t>
-            </a:r>
-          </a:p>
-          <a:p>
-            <a:pPr marL="0" indent="0">
-              <a:buNone/>
-            </a:pPr>
-            <a:r>
-              <a:rPr lang="en-US" dirty="0"/>
-              <a:t>├── main.cpp         // Contains the main program logic</a:t>
-            </a:r>
-          </a:p>
-          <a:p>
-            <a:pPr marL="0" indent="0">
-              <a:buNone/>
-            </a:pPr>
-            <a:r>
-              <a:rPr lang="en-US" dirty="0"/>
-              <a:t>└── </a:t>
-            </a:r>
-            <a:r>
-              <a:rPr lang="en-US" dirty="0" err="1"/>
-              <a:t>src</a:t>
-            </a:r>
-            <a:r>
-              <a:rPr lang="en-US" dirty="0"/>
-              <a:t>/             // Folder containing source files</a:t>
-            </a:r>
-          </a:p>
-          <a:p>
-            <a:pPr marL="0" indent="0">
-              <a:buNone/>
-            </a:pPr>
-            <a:r>
-              <a:rPr lang="en-US" dirty="0"/>
-              <a:t>    ├── functions.cpp    // Implementation of functions</a:t>
-            </a:r>
-          </a:p>
-          <a:p>
-            <a:pPr marL="0" indent="0">
-              <a:buNone/>
-            </a:pPr>
-            <a:r>
-              <a:rPr lang="en-US" dirty="0"/>
-              <a:t>    ├── </a:t>
-            </a:r>
-            <a:r>
-              <a:rPr lang="en-US" dirty="0" err="1"/>
-              <a:t>functions.h</a:t>
-            </a:r>
-            <a:r>
-              <a:rPr lang="en-US" dirty="0"/>
-              <a:t>      // Header file declaring functions</a:t>
-            </a:r>
-          </a:p>
-          <a:p>
-            <a:pPr marL="0" indent="0">
-              <a:buNone/>
-            </a:pPr>
-            <a:r>
-              <a:rPr lang="en-US" dirty="0"/>
-              <a:t>    └── tests.cpp        // File for testing functions</a:t>
-            </a:r>
-          </a:p>
-          <a:p>
-            <a:pPr marL="0" indent="0">
-              <a:buNone/>
-            </a:pPr>
-            <a:r>
-              <a:rPr lang="en-US" dirty="0"/>
-              <a:t>These functions can be further grouped into libraries</a:t>
-            </a:r>
-          </a:p>
-          <a:p>
-            <a:pPr marL="0" indent="0">
-              <a:buNone/>
-            </a:pPr>
-            <a:endParaRPr lang="en-US" dirty="0"/>
-          </a:p>
-          <a:p>
-            <a:pPr marL="0" indent="0">
-              <a:buNone/>
-            </a:pPr>
-            <a:endParaRPr lang="en-US" dirty="0"/>
+            <a:r>
+              <a:rPr lang="en-US" dirty="0" err="1"/>
+              <a:t>dac</a:t>
+            </a:r>
+            <a:r>
+              <a:rPr lang="en-US" dirty="0"/>
+              <a:t>, nonideality correction</a:t>
+            </a:r>
+          </a:p>
+          <a:p>
+            <a:r>
+              <a:rPr lang="en-US" dirty="0"/>
+              <a:t>We will insert our module here</a:t>
+            </a:r>
+          </a:p>
+          <a:p>
+            <a:r>
+              <a:rPr lang="en-US" dirty="0"/>
+              <a:t>However, there are nuances! There are many signals that we need to go through</a:t>
+            </a:r>
           </a:p>
         </p:txBody>
       </p:sp>
     </p:spTree>
     <p:extLst>
       <p:ext uri="{BB962C8B-B14F-4D97-AF65-F5344CB8AC3E}">
-        <p14:creationId xmlns:p14="http://schemas.microsoft.com/office/powerpoint/2010/main" val="2106590430"/>
+        <p14:creationId xmlns:p14="http://schemas.microsoft.com/office/powerpoint/2010/main" val="2263773463"/>
       </p:ext>
     </p:extLst>
   </p:cSld>
@@ -12132,7 +12105,7 @@
           <p:cNvPr id="2" name="Title 1">
             <a:extLst>
               <a:ext uri="{FF2B5EF4-FFF2-40B4-BE49-F238E27FC236}">
-                <a16:creationId xmlns:a16="http://schemas.microsoft.com/office/drawing/2014/main" id="{C6FFD899-8501-9B13-2958-0BD800CB100B}"/>
+                <a16:creationId xmlns:a16="http://schemas.microsoft.com/office/drawing/2014/main" id="{927212E4-D71F-F26A-2E65-97BE946E880B}"/>
               </a:ext>
             </a:extLst>
           </p:cNvPr>
@@ -12150,7 +12123,7 @@
           <a:p>
             <a:r>
               <a:rPr lang="en-US" dirty="0"/>
-              <a:t>Header file</a:t>
+              <a:t>Preface</a:t>
             </a:r>
           </a:p>
         </p:txBody>
@@ -12160,7 +12133,7 @@
           <p:cNvPr id="3" name="Content Placeholder 2">
             <a:extLst>
               <a:ext uri="{FF2B5EF4-FFF2-40B4-BE49-F238E27FC236}">
-                <a16:creationId xmlns:a16="http://schemas.microsoft.com/office/drawing/2014/main" id="{44CC026B-963B-3C6A-6FB4-C05F96C306FB}"/>
+                <a16:creationId xmlns:a16="http://schemas.microsoft.com/office/drawing/2014/main" id="{DFEF7017-0B55-CBEA-7008-F351EE38770A}"/>
               </a:ext>
             </a:extLst>
           </p:cNvPr>
@@ -12173,9 +12146,7 @@
         </p:nvSpPr>
         <p:spPr/>
         <p:txBody>
-          <a:bodyPr>
-            <a:normAutofit fontScale="70000" lnSpcReduction="20000"/>
-          </a:bodyPr>
+          <a:bodyPr/>
           <a:lstStyle/>
           <a:p>
             <a:pPr marL="0" indent="0">
@@ -12183,8 +12154,21 @@
             </a:pPr>
             <a:r>
               <a:rPr lang="en-US" dirty="0"/>
-              <a:t>//Include guards to prevent repeated definition</a:t>
-            </a:r>
+              <a:t>for .</a:t>
+            </a:r>
+            <a:r>
+              <a:rPr lang="en-US" dirty="0" err="1"/>
+              <a:t>sh</a:t>
+            </a:r>
+            <a:r>
+              <a:rPr lang="en-US" dirty="0"/>
+              <a:t> files, run using . &lt;filename&gt;.</a:t>
+            </a:r>
+            <a:r>
+              <a:rPr lang="en-US" dirty="0" err="1"/>
+              <a:t>sh</a:t>
+            </a:r>
+            <a:endParaRPr lang="en-US" dirty="0"/>
           </a:p>
           <a:p>
             <a:pPr marL="0" indent="0">
@@ -12192,31 +12176,7 @@
             </a:pPr>
             <a:r>
               <a:rPr lang="en-US" dirty="0"/>
-              <a:t>#ifndef CROSS_CORRELATION_H</a:t>
-            </a:r>
-          </a:p>
-          <a:p>
-            <a:pPr marL="0" indent="0">
-              <a:buNone/>
-            </a:pPr>
-            <a:r>
-              <a:rPr lang="en-US" dirty="0"/>
-              <a:t>#define CROSS_CORRELATION_H</a:t>
-            </a:r>
-          </a:p>
-          <a:p>
-            <a:pPr marL="0" indent="0">
-              <a:buNone/>
-            </a:pPr>
-            <a:endParaRPr lang="en-US" dirty="0"/>
-          </a:p>
-          <a:p>
-            <a:pPr marL="0" indent="0">
-              <a:buNone/>
-            </a:pPr>
-            <a:r>
-              <a:rPr lang="en-US" dirty="0"/>
-              <a:t>//libraries needed to be included in function </a:t>
+              <a:t>for </a:t>
             </a:r>
             <a:r>
               <a:rPr lang="en-US" dirty="0" err="1"/>
@@ -12224,72 +12184,11 @@
             </a:r>
             <a:r>
               <a:rPr lang="en-US" dirty="0"/>
-              <a:t> file</a:t>
-            </a:r>
-          </a:p>
-          <a:p>
-            <a:pPr marL="0" indent="0">
-              <a:buNone/>
-            </a:pPr>
-            <a:r>
-              <a:rPr lang="en-US" dirty="0"/>
-              <a:t>#include &lt;vector&gt;</a:t>
-            </a:r>
-          </a:p>
-          <a:p>
-            <a:pPr marL="0" indent="0">
-              <a:buNone/>
-            </a:pPr>
-            <a:r>
-              <a:rPr lang="en-US" dirty="0"/>
-              <a:t>#include &lt;complex&gt;</a:t>
-            </a:r>
-          </a:p>
-          <a:p>
-            <a:pPr marL="0" indent="0">
-              <a:buNone/>
-            </a:pPr>
-            <a:endParaRPr lang="en-US" dirty="0"/>
-          </a:p>
-          <a:p>
-            <a:pPr marL="0" indent="0">
-              <a:buNone/>
-            </a:pPr>
-            <a:r>
-              <a:rPr lang="en-US" dirty="0"/>
-              <a:t>//function prototypes</a:t>
-            </a:r>
-          </a:p>
-          <a:p>
-            <a:pPr marL="0" indent="0">
-              <a:buNone/>
-            </a:pPr>
-            <a:r>
-              <a:rPr lang="en-US" dirty="0"/>
-              <a:t>std::tuple&lt;std::vector&lt;std::complex&lt;double&gt;&gt;, std::vector&lt;int&gt;&gt; </a:t>
-            </a:r>
-            <a:r>
-              <a:rPr lang="en-US" dirty="0" err="1"/>
-              <a:t>crossCorrelationComplex</a:t>
-            </a:r>
-            <a:r>
-              <a:rPr lang="en-US" dirty="0"/>
-              <a:t>(const std::vector&lt;std::complex&lt;double&gt;&gt;&amp; x, const std::vector&lt;std::complex&lt;double&gt;&gt;&amp; y);</a:t>
-            </a:r>
-          </a:p>
-          <a:p>
-            <a:pPr marL="0" indent="0">
-              <a:buNone/>
-            </a:pPr>
-            <a:endParaRPr lang="en-US" dirty="0"/>
-          </a:p>
-          <a:p>
-            <a:pPr marL="0" indent="0">
-              <a:buNone/>
-            </a:pPr>
-            <a:r>
-              <a:rPr lang="en-US" dirty="0"/>
-              <a:t>#endif  // CROSS_CORRELATION_H</a:t>
+              <a:t> files, run using </a:t>
+            </a:r>
+            <a:r>
+              <a:rPr lang="en-US"/>
+              <a:t>./&lt;filename&gt;</a:t>
             </a:r>
           </a:p>
         </p:txBody>
@@ -12297,7 +12196,7 @@
     </p:spTree>
     <p:extLst>
       <p:ext uri="{BB962C8B-B14F-4D97-AF65-F5344CB8AC3E}">
-        <p14:creationId xmlns:p14="http://schemas.microsoft.com/office/powerpoint/2010/main" val="1204546905"/>
+        <p14:creationId xmlns:p14="http://schemas.microsoft.com/office/powerpoint/2010/main" val="2334826202"/>
       </p:ext>
     </p:extLst>
   </p:cSld>
@@ -12329,7 +12228,7 @@
           <p:cNvPr id="2" name="Title 1">
             <a:extLst>
               <a:ext uri="{FF2B5EF4-FFF2-40B4-BE49-F238E27FC236}">
-                <a16:creationId xmlns:a16="http://schemas.microsoft.com/office/drawing/2014/main" id="{58D3C2F9-C265-0404-B5CE-F184A601A74E}"/>
+                <a16:creationId xmlns:a16="http://schemas.microsoft.com/office/drawing/2014/main" id="{D938DE1B-4987-7195-DB8D-8907B5DE7D81}"/>
               </a:ext>
             </a:extLst>
           </p:cNvPr>
@@ -12346,10 +12245,17 @@
           <a:lstStyle/>
           <a:p>
             <a:r>
-              <a:rPr lang="en-US" dirty="0" err="1"/>
-              <a:t>CMake</a:t>
-            </a:r>
-            <a:endParaRPr lang="en-US" dirty="0"/>
+              <a:rPr lang="en-US" dirty="0"/>
+              <a:t>HDL </a:t>
+            </a:r>
+            <a:r>
+              <a:rPr lang="en-US" dirty="0" err="1"/>
+              <a:t>Makefile</a:t>
+            </a:r>
+            <a:r>
+              <a:rPr lang="en-US" dirty="0"/>
+              <a:t> setup</a:t>
+            </a:r>
           </a:p>
         </p:txBody>
       </p:sp>
@@ -12358,7 +12264,7 @@
           <p:cNvPr id="3" name="Content Placeholder 2">
             <a:extLst>
               <a:ext uri="{FF2B5EF4-FFF2-40B4-BE49-F238E27FC236}">
-                <a16:creationId xmlns:a16="http://schemas.microsoft.com/office/drawing/2014/main" id="{CE8BE17D-7372-543D-6E83-6ED5765E9D9C}"/>
+                <a16:creationId xmlns:a16="http://schemas.microsoft.com/office/drawing/2014/main" id="{DD57B83D-44A1-EDAA-4C84-DCA7435F80DE}"/>
               </a:ext>
             </a:extLst>
           </p:cNvPr>
@@ -12381,23 +12287,31 @@
             </a:pPr>
             <a:r>
               <a:rPr lang="en-US" dirty="0"/>
-              <a:t>Up to now, you probably used an IDE to compile </a:t>
-            </a:r>
-            <a:r>
-              <a:rPr lang="en-US" dirty="0" err="1"/>
-              <a:t>c++</a:t>
-            </a:r>
-            <a:r>
-              <a:rPr lang="en-US" dirty="0"/>
-              <a:t> files. When compiling on a </a:t>
-            </a:r>
-            <a:r>
-              <a:rPr lang="en-US" dirty="0" err="1"/>
-              <a:t>linux</a:t>
-            </a:r>
-            <a:r>
-              <a:rPr lang="en-US" dirty="0"/>
-              <a:t> server, the command used is</a:t>
+              <a:t>To compile the HDL, the </a:t>
+            </a:r>
+            <a:r>
+              <a:rPr lang="en-US" dirty="0" err="1"/>
+              <a:t>makefile</a:t>
+            </a:r>
+            <a:r>
+              <a:rPr lang="en-US" dirty="0"/>
+              <a:t> needs to know which files are needed. This is done by reading </a:t>
+            </a:r>
+            <a:r>
+              <a:rPr lang="en-US" dirty="0" err="1"/>
+              <a:t>makefile.srcs</a:t>
+            </a:r>
+            <a:r>
+              <a:rPr lang="en-US" dirty="0"/>
+              <a:t> files, which contain a list of all </a:t>
+            </a:r>
+            <a:r>
+              <a:rPr lang="en-US" dirty="0" err="1"/>
+              <a:t>hdl</a:t>
+            </a:r>
+            <a:r>
+              <a:rPr lang="en-US" dirty="0"/>
+              <a:t> code we use.</a:t>
             </a:r>
           </a:p>
           <a:p>
@@ -12406,7 +12320,37 @@
             </a:pPr>
             <a:r>
               <a:rPr lang="en-US" dirty="0"/>
-              <a:t>g++ -o test xcorr_slow.test.cpp</a:t>
+              <a:t>In each module folder, add a </a:t>
+            </a:r>
+            <a:r>
+              <a:rPr lang="en-US" dirty="0" err="1"/>
+              <a:t>Makefile.srcs</a:t>
+            </a:r>
+            <a:r>
+              <a:rPr lang="en-US" dirty="0"/>
+              <a:t> file that </a:t>
+            </a:r>
+          </a:p>
+          <a:p>
+            <a:pPr lvl="1"/>
+            <a:r>
+              <a:rPr lang="en-US" dirty="0"/>
+              <a:t>Adds all utility files</a:t>
+            </a:r>
+          </a:p>
+          <a:p>
+            <a:pPr lvl="1"/>
+            <a:r>
+              <a:rPr lang="en-US" dirty="0"/>
+              <a:t>Adds the full paths to each of the </a:t>
+            </a:r>
+            <a:r>
+              <a:rPr lang="en-US" dirty="0" err="1"/>
+              <a:t>hdl</a:t>
+            </a:r>
+            <a:r>
+              <a:rPr lang="en-US" dirty="0"/>
+              <a:t> files</a:t>
             </a:r>
           </a:p>
           <a:p>
@@ -12415,15 +12359,31 @@
             </a:pPr>
             <a:r>
               <a:rPr lang="en-US" dirty="0"/>
-              <a:t>What happens is you have a function in a separate file? Then </a:t>
-            </a:r>
-            <a:r>
-              <a:rPr lang="en-US" dirty="0" err="1"/>
-              <a:t>c++</a:t>
-            </a:r>
-            <a:r>
-              <a:rPr lang="en-US" dirty="0"/>
-              <a:t> must compile both and link them</a:t>
+              <a:t>In the top module folder </a:t>
+            </a:r>
+            <a:r>
+              <a:rPr lang="en-US" dirty="0" err="1"/>
+              <a:t>Makefile</a:t>
+            </a:r>
+            <a:r>
+              <a:rPr lang="en-US" dirty="0"/>
+              <a:t>, add all the files that are being used. To add this </a:t>
+            </a:r>
+            <a:r>
+              <a:rPr lang="en-US" dirty="0" err="1"/>
+              <a:t>Makefile</a:t>
+            </a:r>
+            <a:r>
+              <a:rPr lang="en-US" dirty="0"/>
+              <a:t>, include the path to the </a:t>
+            </a:r>
+            <a:r>
+              <a:rPr lang="en-US" dirty="0" err="1"/>
+              <a:t>Makefile.srcs</a:t>
+            </a:r>
+            <a:r>
+              <a:rPr lang="en-US" dirty="0"/>
+              <a:t> and append the path string to DESIGN_SRCS</a:t>
             </a:r>
           </a:p>
           <a:p>
@@ -12431,46 +12391,25 @@
               <a:buNone/>
             </a:pPr>
             <a:r>
-              <a:rPr lang="en-US" dirty="0"/>
-              <a:t> g++ -o test xcorr_slow.test.cpp xcorr_slow.cpp</a:t>
-            </a:r>
-          </a:p>
-          <a:p>
-            <a:pPr marL="0" indent="0">
-              <a:buNone/>
-            </a:pPr>
-            <a:r>
-              <a:rPr lang="en-US" dirty="0"/>
-              <a:t>With many function and many files. This can quickly become too complex. </a:t>
-            </a:r>
-          </a:p>
-          <a:p>
-            <a:pPr marL="0" indent="0">
-              <a:buNone/>
-            </a:pPr>
-            <a:r>
-              <a:rPr lang="en-US" dirty="0" err="1"/>
-              <a:t>CMake</a:t>
-            </a:r>
-            <a:r>
-              <a:rPr lang="en-US" dirty="0"/>
-              <a:t> is a build tool that uses CMakeLists.txt to record dependencies and allow us to build larger </a:t>
-            </a:r>
-            <a:r>
-              <a:rPr lang="en-US" dirty="0" err="1"/>
-              <a:t>c++</a:t>
-            </a:r>
-            <a:r>
-              <a:rPr lang="en-US" dirty="0"/>
-              <a:t> executables</a:t>
-            </a:r>
+              <a:rPr lang="en-US" dirty="0">
+                <a:hlinkClick r:id="rId3"/>
+              </a:rPr>
+              <a:t>https://github.com/Wangstonn/ww_uhd/blob/osla-bpsk-4.5/fpga/usrp3/top/x300/Makefile.x300.inc</a:t>
+            </a:r>
+            <a:r>
+              <a:rPr lang="en-US" dirty="0"/>
+              <a:t> </a:t>
+            </a:r>
+          </a:p>
+          <a:p>
+            <a:endParaRPr lang="en-US" dirty="0"/>
           </a:p>
         </p:txBody>
       </p:sp>
     </p:spTree>
     <p:extLst>
       <p:ext uri="{BB962C8B-B14F-4D97-AF65-F5344CB8AC3E}">
-        <p14:creationId xmlns:p14="http://schemas.microsoft.com/office/powerpoint/2010/main" val="3981680681"/>
+        <p14:creationId xmlns:p14="http://schemas.microsoft.com/office/powerpoint/2010/main" val="1910499077"/>
       </p:ext>
     </p:extLst>
   </p:cSld>
@@ -12502,7 +12441,7 @@
           <p:cNvPr id="2" name="Title 1">
             <a:extLst>
               <a:ext uri="{FF2B5EF4-FFF2-40B4-BE49-F238E27FC236}">
-                <a16:creationId xmlns:a16="http://schemas.microsoft.com/office/drawing/2014/main" id="{296F7896-13A1-5572-48D4-DBB1F349B5C2}"/>
+                <a16:creationId xmlns:a16="http://schemas.microsoft.com/office/drawing/2014/main" id="{D078B0CE-F18C-2F17-AF69-3E236D3AEA45}"/>
               </a:ext>
             </a:extLst>
           </p:cNvPr>
@@ -12520,7 +12459,15 @@
           <a:p>
             <a:r>
               <a:rPr lang="en-US" dirty="0"/>
-              <a:t>CMakeLists.txt files</a:t>
+              <a:t>Compilation/</a:t>
+            </a:r>
+            <a:r>
+              <a:rPr lang="en-US" dirty="0" err="1"/>
+              <a:t>bitfile</a:t>
+            </a:r>
+            <a:r>
+              <a:rPr lang="en-US" dirty="0"/>
+              <a:t> generation</a:t>
             </a:r>
           </a:p>
         </p:txBody>
@@ -12530,7 +12477,7 @@
           <p:cNvPr id="3" name="Content Placeholder 2">
             <a:extLst>
               <a:ext uri="{FF2B5EF4-FFF2-40B4-BE49-F238E27FC236}">
-                <a16:creationId xmlns:a16="http://schemas.microsoft.com/office/drawing/2014/main" id="{55BE17E9-B3BA-A5E9-8723-20E42EAB65B2}"/>
+                <a16:creationId xmlns:a16="http://schemas.microsoft.com/office/drawing/2014/main" id="{8158A2A7-97C4-1EE3-BD3F-1C1DEA1ECE7D}"/>
               </a:ext>
             </a:extLst>
           </p:cNvPr>
@@ -12544,7 +12491,7 @@
         <p:spPr/>
         <p:txBody>
           <a:bodyPr>
-            <a:normAutofit fontScale="47500" lnSpcReduction="20000"/>
+            <a:normAutofit fontScale="70000" lnSpcReduction="20000"/>
           </a:bodyPr>
           <a:lstStyle/>
           <a:p>
@@ -12553,7 +12500,7 @@
             </a:pPr>
             <a:r>
               <a:rPr lang="en-US" dirty="0"/>
-              <a:t>Each folder will have a CMakeLists.txt</a:t>
+              <a:t>module load python/3.8.5</a:t>
             </a:r>
           </a:p>
           <a:p>
@@ -12562,7 +12509,47 @@
             </a:pPr>
             <a:r>
               <a:rPr lang="en-US" dirty="0"/>
-              <a:t>root</a:t>
+              <a:t>. ./setupenv.sh --</a:t>
+            </a:r>
+            <a:r>
+              <a:rPr lang="en-US" dirty="0" err="1"/>
+              <a:t>vivado</a:t>
+            </a:r>
+            <a:r>
+              <a:rPr lang="en-US" dirty="0"/>
+              <a:t>-path /</a:t>
+            </a:r>
+            <a:r>
+              <a:rPr lang="en-US" dirty="0" err="1"/>
+              <a:t>usr</a:t>
+            </a:r>
+            <a:r>
+              <a:rPr lang="en-US" dirty="0"/>
+              <a:t>/</a:t>
+            </a:r>
+            <a:r>
+              <a:rPr lang="en-US" dirty="0" err="1"/>
+              <a:t>caen</a:t>
+            </a:r>
+            <a:r>
+              <a:rPr lang="en-US" dirty="0"/>
+              <a:t>/</a:t>
+            </a:r>
+            <a:r>
+              <a:rPr lang="en-US" dirty="0" err="1"/>
+              <a:t>xilinx</a:t>
+            </a:r>
+            <a:r>
+              <a:rPr lang="en-US" dirty="0"/>
+              <a:t>/2021.1/</a:t>
+            </a:r>
+            <a:r>
+              <a:rPr lang="en-US" dirty="0" err="1"/>
+              <a:t>Vivado</a:t>
+            </a:r>
+            <a:r>
+              <a:rPr lang="en-US" dirty="0"/>
+              <a:t>/</a:t>
             </a:r>
           </a:p>
           <a:p>
@@ -12571,12 +12558,49 @@
             </a:pPr>
             <a:r>
               <a:rPr lang="en-US" dirty="0"/>
-              <a:t>|- </a:t>
-            </a:r>
-            <a:r>
-              <a:rPr lang="en-US" dirty="0" err="1"/>
-              <a:t>MainProject</a:t>
-            </a:r>
+              <a:t>make X310_HG</a:t>
+            </a:r>
+          </a:p>
+          <a:p>
+            <a:pPr marL="0" indent="0">
+              <a:buNone/>
+            </a:pPr>
+            <a:r>
+              <a:rPr lang="en-US" dirty="0" err="1"/>
+              <a:t>vivado</a:t>
+            </a:r>
+            <a:r>
+              <a:rPr lang="en-US" dirty="0"/>
+              <a:t> path will change based on </a:t>
+            </a:r>
+            <a:r>
+              <a:rPr lang="en-US" dirty="0" err="1"/>
+              <a:t>uhd</a:t>
+            </a:r>
+            <a:r>
+              <a:rPr lang="en-US" dirty="0"/>
+              <a:t> version</a:t>
+            </a:r>
+          </a:p>
+          <a:p>
+            <a:pPr marL="0" indent="0">
+              <a:buNone/>
+            </a:pPr>
+            <a:r>
+              <a:rPr lang="en-US" dirty="0">
+                <a:hlinkClick r:id="rId3"/>
+              </a:rPr>
+              <a:t>https://github.com/Wangstonn/ww_uhd/blob/osla-bpsk-4.5/fpga/usrp3/top/x300/vlsi_make.sh</a:t>
+            </a:r>
+            <a:r>
+              <a:rPr lang="en-US" dirty="0"/>
+              <a:t> </a:t>
+            </a:r>
+          </a:p>
+          <a:p>
+            <a:pPr marL="0" indent="0">
+              <a:buNone/>
+            </a:pPr>
             <a:endParaRPr lang="en-US" dirty="0"/>
           </a:p>
           <a:p>
@@ -12585,7 +12609,23 @@
             </a:pPr>
             <a:r>
               <a:rPr lang="en-US" dirty="0"/>
-              <a:t>|  |- main.cpp</a:t>
+              <a:t>To record </a:t>
+            </a:r>
+            <a:r>
+              <a:rPr lang="en-US" dirty="0" err="1"/>
+              <a:t>bitfile</a:t>
+            </a:r>
+            <a:r>
+              <a:rPr lang="en-US" dirty="0"/>
+              <a:t> in </a:t>
+            </a:r>
+            <a:r>
+              <a:rPr lang="en-US" dirty="0" err="1"/>
+              <a:t>github</a:t>
+            </a:r>
+            <a:r>
+              <a:rPr lang="en-US" dirty="0"/>
+              <a:t> commit</a:t>
             </a:r>
           </a:p>
           <a:p>
@@ -12594,7 +12634,7 @@
             </a:pPr>
             <a:r>
               <a:rPr lang="en-US" dirty="0"/>
-              <a:t>|  |- CMakeLists.txt</a:t>
+              <a:t>mv build/usrp_x310_fpga_HG.bit ./usrp_x310_fpga_HG.bit </a:t>
             </a:r>
           </a:p>
           <a:p>
@@ -12603,27 +12643,53 @@
             </a:pPr>
             <a:r>
               <a:rPr lang="en-US" dirty="0"/>
-              <a:t>|  |- </a:t>
-            </a:r>
-            <a:r>
-              <a:rPr lang="en-US" dirty="0" err="1"/>
-              <a:t>src</a:t>
-            </a:r>
-            <a:endParaRPr lang="en-US" dirty="0"/>
+              <a:t>To load onto USRP </a:t>
+            </a:r>
+            <a:r>
+              <a:rPr lang="en-US" dirty="0" err="1"/>
+              <a:t>vscode</a:t>
+            </a:r>
+            <a:r>
+              <a:rPr lang="en-US" dirty="0"/>
+              <a:t> into lab computer</a:t>
+            </a:r>
           </a:p>
           <a:p>
             <a:pPr marL="0" indent="0">
               <a:buNone/>
             </a:pPr>
             <a:r>
-              <a:rPr lang="en-US" dirty="0"/>
-              <a:t>|  |  |- </a:t>
-            </a:r>
-            <a:r>
-              <a:rPr lang="en-US" dirty="0" err="1"/>
-              <a:t>xcorr</a:t>
-            </a:r>
-            <a:endParaRPr lang="en-US" dirty="0"/>
+              <a:rPr lang="en-US" dirty="0" err="1"/>
+              <a:t>uhd_image_loader</a:t>
+            </a:r>
+            <a:r>
+              <a:rPr lang="en-US" dirty="0"/>
+              <a:t> --</a:t>
+            </a:r>
+            <a:r>
+              <a:rPr lang="en-US" dirty="0" err="1"/>
+              <a:t>args</a:t>
+            </a:r>
+            <a:r>
+              <a:rPr lang="en-US" dirty="0"/>
+              <a:t> type=x300 </a:t>
+            </a:r>
+            <a:r>
+              <a:rPr lang="en-US" dirty="0" err="1"/>
+              <a:t>addr</a:t>
+            </a:r>
+            <a:r>
+              <a:rPr lang="en-US" dirty="0"/>
+              <a:t>=192.168.110.2 --</a:t>
+            </a:r>
+            <a:r>
+              <a:rPr lang="en-US" dirty="0" err="1"/>
+              <a:t>fpga</a:t>
+            </a:r>
+            <a:r>
+              <a:rPr lang="en-US" dirty="0"/>
+              <a:t>-path usrp_x310_fpga_HG.bit</a:t>
+            </a:r>
           </a:p>
           <a:p>
             <a:pPr marL="0" indent="0">
@@ -12631,94 +12697,17 @@
             </a:pPr>
             <a:r>
               <a:rPr lang="en-US" dirty="0"/>
-              <a:t>|  |  |  |- </a:t>
-            </a:r>
-            <a:r>
-              <a:rPr lang="en-US" dirty="0" err="1"/>
-              <a:t>xcorr.h</a:t>
-            </a:r>
-            <a:endParaRPr lang="en-US" dirty="0"/>
-          </a:p>
-          <a:p>
-            <a:pPr marL="0" indent="0">
-              <a:buNone/>
-            </a:pPr>
-            <a:r>
-              <a:rPr lang="en-US" dirty="0"/>
-              <a:t>|  |  |  |- xcorr.cpp</a:t>
-            </a:r>
-          </a:p>
-          <a:p>
-            <a:pPr marL="0" indent="0">
-              <a:buNone/>
-            </a:pPr>
-            <a:r>
-              <a:rPr lang="en-US" dirty="0"/>
-              <a:t>|  |  |  |- test.cpp </a:t>
-            </a:r>
-          </a:p>
-          <a:p>
-            <a:pPr marL="0" indent="0">
-              <a:buNone/>
-            </a:pPr>
-            <a:r>
-              <a:rPr lang="en-US" dirty="0"/>
-              <a:t>|  |  |  '- CMakeLists.txt</a:t>
-            </a:r>
-          </a:p>
-          <a:p>
-            <a:pPr marL="0" indent="0">
-              <a:buNone/>
-            </a:pPr>
-            <a:r>
-              <a:rPr lang="en-US" dirty="0"/>
-              <a:t>|  |  '- </a:t>
-            </a:r>
-            <a:r>
-              <a:rPr lang="en-US" dirty="0" err="1"/>
-              <a:t>fft</a:t>
-            </a:r>
-            <a:endParaRPr lang="en-US" dirty="0"/>
-          </a:p>
-          <a:p>
-            <a:pPr marL="0" indent="0">
-              <a:buNone/>
-            </a:pPr>
-            <a:r>
-              <a:rPr lang="en-US" dirty="0"/>
-              <a:t>|  |     |- </a:t>
-            </a:r>
-            <a:r>
-              <a:rPr lang="en-US" dirty="0" err="1"/>
-              <a:t>fft.h</a:t>
-            </a:r>
-            <a:endParaRPr lang="en-US" dirty="0"/>
-          </a:p>
-          <a:p>
-            <a:pPr marL="0" indent="0">
-              <a:buNone/>
-            </a:pPr>
-            <a:r>
-              <a:rPr lang="en-US" dirty="0"/>
-              <a:t>|  |     |- fft.cpp</a:t>
-            </a:r>
-          </a:p>
-          <a:p>
-            <a:pPr marL="0" indent="0">
-              <a:buNone/>
-            </a:pPr>
-            <a:r>
-              <a:rPr lang="en-US" dirty="0"/>
-              <a:t>|  |     |- test.cpp </a:t>
-            </a:r>
-          </a:p>
-          <a:p>
-            <a:pPr marL="0" indent="0">
-              <a:buNone/>
-            </a:pPr>
-            <a:r>
-              <a:rPr lang="en-US" dirty="0"/>
-              <a:t>|  |     '- CMakeLists.txt</a:t>
+              <a:t>IP addresses and reservation are found here: </a:t>
+            </a:r>
+            <a:r>
+              <a:rPr lang="en-US" dirty="0">
+                <a:hlinkClick r:id="rId4"/>
+              </a:rPr>
+              <a:t>https://docs.google.com/spreadsheets/d/1B6xLjOiw-5AcmWQ2GNcWTHVfxSufC8P4PqGfJjSeS0I/edit#gid=0</a:t>
+            </a:r>
+            <a:r>
+              <a:rPr lang="en-US" dirty="0"/>
+              <a:t> </a:t>
             </a:r>
           </a:p>
           <a:p>
@@ -12732,7 +12721,7 @@
     </p:spTree>
     <p:extLst>
       <p:ext uri="{BB962C8B-B14F-4D97-AF65-F5344CB8AC3E}">
-        <p14:creationId xmlns:p14="http://schemas.microsoft.com/office/powerpoint/2010/main" val="3198059320"/>
+        <p14:creationId xmlns:p14="http://schemas.microsoft.com/office/powerpoint/2010/main" val="4009249910"/>
       </p:ext>
     </p:extLst>
   </p:cSld>
@@ -12764,7 +12753,7 @@
           <p:cNvPr id="2" name="Title 1">
             <a:extLst>
               <a:ext uri="{FF2B5EF4-FFF2-40B4-BE49-F238E27FC236}">
-                <a16:creationId xmlns:a16="http://schemas.microsoft.com/office/drawing/2014/main" id="{9F7C41FD-22B3-C540-3B6E-1C150A062CEB}"/>
+                <a16:creationId xmlns:a16="http://schemas.microsoft.com/office/drawing/2014/main" id="{1F716981-6492-0C45-169A-2540837508FF}"/>
               </a:ext>
             </a:extLst>
           </p:cNvPr>
@@ -12781,12 +12770,8 @@
           <a:lstStyle/>
           <a:p>
             <a:r>
-              <a:rPr lang="en-US" dirty="0" err="1"/>
-              <a:t>CMake</a:t>
-            </a:r>
-            <a:r>
-              <a:rPr lang="en-US" dirty="0"/>
-              <a:t> function overview</a:t>
+              <a:rPr lang="en-US" dirty="0"/>
+              <a:t>Host C++ code</a:t>
             </a:r>
           </a:p>
         </p:txBody>
@@ -12796,7 +12781,7 @@
           <p:cNvPr id="3" name="Content Placeholder 2">
             <a:extLst>
               <a:ext uri="{FF2B5EF4-FFF2-40B4-BE49-F238E27FC236}">
-                <a16:creationId xmlns:a16="http://schemas.microsoft.com/office/drawing/2014/main" id="{F7B12B4D-8B40-869A-1D64-9746517D0798}"/>
+                <a16:creationId xmlns:a16="http://schemas.microsoft.com/office/drawing/2014/main" id="{513851C1-B5D7-6196-C2F4-3A7EFE09E261}"/>
               </a:ext>
             </a:extLst>
           </p:cNvPr>
@@ -12809,166 +12794,38 @@
         </p:nvSpPr>
         <p:spPr/>
         <p:txBody>
-          <a:bodyPr>
-            <a:normAutofit fontScale="92500"/>
-          </a:bodyPr>
-          <a:lstStyle/>
-          <a:p>
-            <a:pPr marL="0" indent="0">
-              <a:buNone/>
-            </a:pPr>
-            <a:r>
-              <a:rPr lang="en-US" dirty="0"/>
-              <a:t>project(): determines the name of the project</a:t>
-            </a:r>
-          </a:p>
-          <a:p>
-            <a:pPr marL="0" indent="0">
-              <a:buNone/>
-            </a:pPr>
-            <a:r>
-              <a:rPr lang="en-US" dirty="0" err="1"/>
-              <a:t>add_subdirectory</a:t>
-            </a:r>
+          <a:bodyPr/>
+          <a:lstStyle/>
+          <a:p>
             <a:r>
               <a:rPr lang="en-US" dirty="0">
-                <a:sym typeface="Wingdings" panose="05000000000000000000" pitchFamily="2" charset="2"/>
+                <a:hlinkClick r:id="rId2"/>
               </a:rPr>
-              <a:t>(): adds subdirectories containing other </a:t>
-            </a:r>
-            <a:r>
-              <a:rPr lang="en-US" dirty="0" err="1">
-                <a:sym typeface="Wingdings" panose="05000000000000000000" pitchFamily="2" charset="2"/>
+              <a:t>https://github.com/dbkomma/uhd/blob/usrp_da/host/dk_uhd/usrp_da/usrp_da.cpp</a:t>
+            </a:r>
+            <a:r>
+              <a:rPr lang="en-US" dirty="0"/>
+              <a:t> </a:t>
+            </a:r>
+          </a:p>
+          <a:p>
+            <a:r>
+              <a:rPr lang="en-US">
+                <a:hlinkClick r:id="rId3"/>
               </a:rPr>
-              <a:t>cmakelists</a:t>
-            </a:r>
-            <a:endParaRPr lang="en-US" dirty="0">
-              <a:sym typeface="Wingdings" panose="05000000000000000000" pitchFamily="2" charset="2"/>
-            </a:endParaRPr>
-          </a:p>
-          <a:p>
-            <a:pPr marL="0" indent="0">
-              <a:buNone/>
-            </a:pPr>
-            <a:r>
-              <a:rPr lang="en-US" dirty="0" err="1"/>
-              <a:t>add_executable</a:t>
-            </a:r>
-            <a:r>
-              <a:rPr lang="en-US" dirty="0"/>
-              <a:t>(): creates the executable from the </a:t>
-            </a:r>
-            <a:r>
-              <a:rPr lang="en-US" dirty="0" err="1"/>
-              <a:t>cpp</a:t>
-            </a:r>
-            <a:r>
-              <a:rPr lang="en-US" dirty="0"/>
-              <a:t> file</a:t>
-            </a:r>
-          </a:p>
-          <a:p>
-            <a:pPr marL="0" indent="0">
-              <a:buNone/>
-            </a:pPr>
-            <a:r>
-              <a:rPr lang="en-US" dirty="0" err="1"/>
-              <a:t>target_link_libraries</a:t>
-            </a:r>
-            <a:r>
-              <a:rPr lang="en-US" dirty="0"/>
-              <a:t>(</a:t>
-            </a:r>
-            <a:r>
-              <a:rPr lang="en-US" dirty="0" err="1"/>
-              <a:t>MainExecutable</a:t>
-            </a:r>
-            <a:r>
-              <a:rPr lang="en-US" dirty="0"/>
+              <a:t>https://files.ettus.com/manual/structuhd_1_1stream__args__t.html#a602a64b4937a85dba84e7f724387e252</a:t>
+            </a:r>
+            <a:r>
+              <a:rPr lang="en-US"/>
               <a:t> </a:t>
             </a:r>
-            <a:r>
-              <a:rPr lang="en-US" dirty="0" err="1"/>
-              <a:t>XCorr</a:t>
-            </a:r>
-            <a:r>
-              <a:rPr lang="en-US" dirty="0"/>
-              <a:t> FFT): links libraries (defined in subdirectory cmakelists.txt) to the main executable</a:t>
-            </a:r>
-          </a:p>
-          <a:p>
-            <a:pPr marL="0" indent="0">
-              <a:buNone/>
-            </a:pPr>
-            <a:r>
-              <a:rPr lang="en-US" dirty="0" err="1"/>
-              <a:t>add_library</a:t>
-            </a:r>
-            <a:r>
-              <a:rPr lang="en-US" dirty="0"/>
-              <a:t>(</a:t>
-            </a:r>
-            <a:r>
-              <a:rPr lang="en-US" dirty="0" err="1"/>
-              <a:t>XCorr</a:t>
-            </a:r>
-            <a:r>
-              <a:rPr lang="en-US" dirty="0"/>
-              <a:t> </a:t>
-            </a:r>
-          </a:p>
-          <a:p>
-            <a:pPr marL="0" indent="0">
-              <a:buNone/>
-            </a:pPr>
-            <a:r>
-              <a:rPr lang="en-US" dirty="0"/>
-              <a:t>    xcorr.cpp</a:t>
-            </a:r>
-          </a:p>
-          <a:p>
-            <a:pPr marL="0" indent="0">
-              <a:buNone/>
-            </a:pPr>
-            <a:r>
-              <a:rPr lang="en-US" dirty="0"/>
-              <a:t>    </a:t>
-            </a:r>
-            <a:r>
-              <a:rPr lang="en-US" dirty="0" err="1"/>
-              <a:t>xcorr.h</a:t>
-            </a:r>
-            <a:r>
-              <a:rPr lang="en-US" dirty="0"/>
-              <a:t> #unit test file missing since we don’t want to link it to </a:t>
-            </a:r>
-            <a:r>
-              <a:rPr lang="en-US" dirty="0" err="1"/>
-              <a:t>mainexec</a:t>
-            </a:r>
-            <a:endParaRPr lang="en-US" dirty="0"/>
-          </a:p>
-          <a:p>
-            <a:pPr marL="0" indent="0">
-              <a:buNone/>
-            </a:pPr>
-            <a:r>
-              <a:rPr lang="en-US" dirty="0"/>
-              <a:t>) # Create a library from sources in subdirectory folder</a:t>
-            </a:r>
-          </a:p>
-          <a:p>
-            <a:pPr marL="0" indent="0">
-              <a:buNone/>
-            </a:pPr>
-            <a:endParaRPr lang="en-US" dirty="0"/>
           </a:p>
         </p:txBody>
       </p:sp>
     </p:spTree>
     <p:extLst>
       <p:ext uri="{BB962C8B-B14F-4D97-AF65-F5344CB8AC3E}">
-        <p14:creationId xmlns:p14="http://schemas.microsoft.com/office/powerpoint/2010/main" val="3462236853"/>
+        <p14:creationId xmlns:p14="http://schemas.microsoft.com/office/powerpoint/2010/main" val="1343792565"/>
       </p:ext>
     </p:extLst>
   </p:cSld>
@@ -13000,7 +12857,7 @@
           <p:cNvPr id="2" name="Title 1">
             <a:extLst>
               <a:ext uri="{FF2B5EF4-FFF2-40B4-BE49-F238E27FC236}">
-                <a16:creationId xmlns:a16="http://schemas.microsoft.com/office/drawing/2014/main" id="{842D70F5-6B02-A53D-7042-57BE7C3B7C82}"/>
+                <a16:creationId xmlns:a16="http://schemas.microsoft.com/office/drawing/2014/main" id="{77F63983-0D05-ABAD-049E-B27646B1DF49}"/>
               </a:ext>
             </a:extLst>
           </p:cNvPr>
@@ -13017,12 +12874,8 @@
           <a:lstStyle/>
           <a:p>
             <a:r>
-              <a:rPr lang="en-US" dirty="0" err="1"/>
-              <a:t>CMake</a:t>
-            </a:r>
-            <a:r>
-              <a:rPr lang="en-US" dirty="0"/>
-              <a:t> config</a:t>
+              <a:rPr lang="en-US" dirty="0"/>
+              <a:t>Structuring a C++ project</a:t>
             </a:r>
           </a:p>
         </p:txBody>
@@ -13032,7 +12885,7 @@
           <p:cNvPr id="3" name="Content Placeholder 2">
             <a:extLst>
               <a:ext uri="{FF2B5EF4-FFF2-40B4-BE49-F238E27FC236}">
-                <a16:creationId xmlns:a16="http://schemas.microsoft.com/office/drawing/2014/main" id="{5A119A56-7EC2-31C3-83BE-F7935A9B5978}"/>
+                <a16:creationId xmlns:a16="http://schemas.microsoft.com/office/drawing/2014/main" id="{563B0120-289B-4BFA-3AE5-42E329E1899D}"/>
               </a:ext>
             </a:extLst>
           </p:cNvPr>
@@ -13046,32 +12899,26 @@
         <p:spPr/>
         <p:txBody>
           <a:bodyPr>
-            <a:normAutofit fontScale="92500" lnSpcReduction="20000"/>
+            <a:normAutofit fontScale="92500" lnSpcReduction="10000"/>
           </a:bodyPr>
           <a:lstStyle/>
           <a:p>
+            <a:r>
+              <a:rPr lang="en-US" dirty="0"/>
+              <a:t>Your code should be organized into folders that contain functions, their header, and a unit test. </a:t>
+            </a:r>
+          </a:p>
+          <a:p>
             <a:pPr marL="0" indent="0">
               <a:buNone/>
             </a:pPr>
             <a:r>
-              <a:rPr lang="en-US" dirty="0"/>
-              <a:t>cd </a:t>
-            </a:r>
-            <a:r>
-              <a:rPr lang="en-US" dirty="0" err="1"/>
-              <a:t>uhd</a:t>
-            </a:r>
-            <a:r>
-              <a:rPr lang="en-US" dirty="0"/>
-              <a:t>/host/&lt;folder for </a:t>
-            </a:r>
-            <a:r>
-              <a:rPr lang="en-US" dirty="0" err="1"/>
-              <a:t>c++</a:t>
-            </a:r>
-            <a:r>
-              <a:rPr lang="en-US" dirty="0"/>
-              <a:t> code&gt;</a:t>
+              <a:rPr lang="en-US" dirty="0" err="1"/>
+              <a:t>project_folder</a:t>
+            </a:r>
+            <a:r>
+              <a:rPr lang="en-US" dirty="0"/>
+              <a:t>/</a:t>
             </a:r>
           </a:p>
           <a:p>
@@ -13079,12 +12926,8 @@
               <a:buNone/>
             </a:pPr>
             <a:r>
-              <a:rPr lang="en-US" dirty="0" err="1"/>
-              <a:t>mkdir</a:t>
-            </a:r>
-            <a:r>
-              <a:rPr lang="en-US" dirty="0"/>
-              <a:t> build</a:t>
+              <a:rPr lang="en-US" dirty="0"/>
+              <a:t>│</a:t>
             </a:r>
           </a:p>
           <a:p>
@@ -13093,7 +12936,7 @@
             </a:pPr>
             <a:r>
               <a:rPr lang="en-US" dirty="0"/>
-              <a:t>cd build</a:t>
+              <a:t>├── main.cpp         // Contains the main program logic</a:t>
             </a:r>
           </a:p>
           <a:p>
@@ -13101,12 +12944,16 @@
               <a:buNone/>
             </a:pPr>
             <a:r>
-              <a:rPr lang="en-US" dirty="0" err="1"/>
-              <a:t>cmake</a:t>
-            </a:r>
-            <a:r>
-              <a:rPr lang="en-US" dirty="0"/>
-              <a:t> ..</a:t>
+              <a:rPr lang="en-US" dirty="0"/>
+              <a:t>└── </a:t>
+            </a:r>
+            <a:r>
+              <a:rPr lang="en-US" dirty="0" err="1"/>
+              <a:t>src</a:t>
+            </a:r>
+            <a:r>
+              <a:rPr lang="en-US" dirty="0"/>
+              <a:t>/             // Folder containing source files</a:t>
             </a:r>
           </a:p>
           <a:p>
@@ -13115,7 +12962,42 @@
             </a:pPr>
             <a:r>
               <a:rPr lang="en-US" dirty="0"/>
-              <a:t>make</a:t>
+              <a:t>    ├── functions.cpp    // Implementation of functions</a:t>
+            </a:r>
+          </a:p>
+          <a:p>
+            <a:pPr marL="0" indent="0">
+              <a:buNone/>
+            </a:pPr>
+            <a:r>
+              <a:rPr lang="en-US" dirty="0"/>
+              <a:t>    ├── </a:t>
+            </a:r>
+            <a:r>
+              <a:rPr lang="en-US" dirty="0" err="1"/>
+              <a:t>functions.h</a:t>
+            </a:r>
+            <a:r>
+              <a:rPr lang="en-US" dirty="0"/>
+              <a:t>      // Header file declaring functions</a:t>
+            </a:r>
+          </a:p>
+          <a:p>
+            <a:pPr marL="0" indent="0">
+              <a:buNone/>
+            </a:pPr>
+            <a:r>
+              <a:rPr lang="en-US" dirty="0"/>
+              <a:t>    └── tests.cpp        // File for testing functions</a:t>
+            </a:r>
+          </a:p>
+          <a:p>
+            <a:pPr marL="0" indent="0">
+              <a:buNone/>
+            </a:pPr>
+            <a:r>
+              <a:rPr lang="en-US" dirty="0"/>
+              <a:t>These functions can be further grouped into libraries</a:t>
             </a:r>
           </a:p>
           <a:p>
@@ -13128,106 +13010,6 @@
             <a:pPr marL="0" indent="0">
               <a:buNone/>
             </a:pPr>
-            <a:r>
-              <a:rPr lang="en-US" dirty="0"/>
-              <a:t>Inside build will be the executable (execute using ./</a:t>
-            </a:r>
-            <a:r>
-              <a:rPr lang="en-US" dirty="0" err="1"/>
-              <a:t>build_exec</a:t>
-            </a:r>
-            <a:r>
-              <a:rPr lang="en-US" dirty="0"/>
-              <a:t>)</a:t>
-            </a:r>
-          </a:p>
-          <a:p>
-            <a:pPr marL="0" indent="0">
-              <a:buNone/>
-            </a:pPr>
-            <a:r>
-              <a:rPr lang="en-US" dirty="0"/>
-              <a:t>Note that your executable will be in project/build. This is important when accessing files using relative path, since </a:t>
-            </a:r>
-            <a:r>
-              <a:rPr lang="en-US" dirty="0" err="1"/>
-              <a:t>itll</a:t>
-            </a:r>
-            <a:r>
-              <a:rPr lang="en-US" dirty="0"/>
-              <a:t> be different than the location of the </a:t>
-            </a:r>
-            <a:r>
-              <a:rPr lang="en-US" dirty="0" err="1"/>
-              <a:t>cpp</a:t>
-            </a:r>
-            <a:r>
-              <a:rPr lang="en-US" dirty="0"/>
-              <a:t> file</a:t>
-            </a:r>
-          </a:p>
-          <a:p>
-            <a:pPr marL="0" indent="0">
-              <a:buNone/>
-            </a:pPr>
-            <a:r>
-              <a:rPr lang="en-US" dirty="0"/>
-              <a:t> std::</a:t>
-            </a:r>
-            <a:r>
-              <a:rPr lang="en-US" dirty="0" err="1"/>
-              <a:t>ifstream</a:t>
-            </a:r>
-            <a:r>
-              <a:rPr lang="en-US" dirty="0"/>
-              <a:t> </a:t>
-            </a:r>
-            <a:r>
-              <a:rPr lang="en-US" dirty="0" err="1"/>
-              <a:t>if_file</a:t>
-            </a:r>
-            <a:r>
-              <a:rPr lang="en-US" dirty="0"/>
-              <a:t>("../../../</a:t>
-            </a:r>
-            <a:r>
-              <a:rPr lang="en-US" dirty="0" err="1"/>
-              <a:t>matlab</a:t>
-            </a:r>
-            <a:r>
-              <a:rPr lang="en-US" dirty="0"/>
-              <a:t>/</a:t>
-            </a:r>
-            <a:r>
-              <a:rPr lang="en-US" dirty="0" err="1"/>
-              <a:t>mlsr</a:t>
-            </a:r>
-            <a:r>
-              <a:rPr lang="en-US" dirty="0"/>
-              <a:t>/</a:t>
-            </a:r>
-            <a:r>
-              <a:rPr lang="en-US" dirty="0" err="1"/>
-              <a:t>preamble.mem</a:t>
-            </a:r>
-            <a:r>
-              <a:rPr lang="en-US" dirty="0"/>
-              <a:t>");</a:t>
-            </a:r>
-          </a:p>
-          <a:p>
-            <a:pPr marL="0" indent="0">
-              <a:buNone/>
-            </a:pPr>
-            <a:endParaRPr lang="en-US" dirty="0"/>
-          </a:p>
-          <a:p>
-            <a:pPr marL="0" indent="0">
-              <a:buNone/>
-            </a:pPr>
-            <a:endParaRPr lang="en-US" dirty="0"/>
-          </a:p>
-          <a:p>
             <a:endParaRPr lang="en-US" dirty="0"/>
           </a:p>
         </p:txBody>
@@ -13235,7 +13017,7 @@
     </p:spTree>
     <p:extLst>
       <p:ext uri="{BB962C8B-B14F-4D97-AF65-F5344CB8AC3E}">
-        <p14:creationId xmlns:p14="http://schemas.microsoft.com/office/powerpoint/2010/main" val="3149419981"/>
+        <p14:creationId xmlns:p14="http://schemas.microsoft.com/office/powerpoint/2010/main" val="2106590430"/>
       </p:ext>
     </p:extLst>
   </p:cSld>
@@ -13267,7 +13049,7 @@
           <p:cNvPr id="2" name="Title 1">
             <a:extLst>
               <a:ext uri="{FF2B5EF4-FFF2-40B4-BE49-F238E27FC236}">
-                <a16:creationId xmlns:a16="http://schemas.microsoft.com/office/drawing/2014/main" id="{120A129F-F3CA-63BC-A582-27486C38D717}"/>
+                <a16:creationId xmlns:a16="http://schemas.microsoft.com/office/drawing/2014/main" id="{C6FFD899-8501-9B13-2958-0BD800CB100B}"/>
               </a:ext>
             </a:extLst>
           </p:cNvPr>
@@ -13285,7 +13067,7 @@
           <a:p>
             <a:r>
               <a:rPr lang="en-US" dirty="0"/>
-              <a:t>USRP CPP code build</a:t>
+              <a:t>Header file</a:t>
             </a:r>
           </a:p>
         </p:txBody>
@@ -13295,7 +13077,7 @@
           <p:cNvPr id="3" name="Content Placeholder 2">
             <a:extLst>
               <a:ext uri="{FF2B5EF4-FFF2-40B4-BE49-F238E27FC236}">
-                <a16:creationId xmlns:a16="http://schemas.microsoft.com/office/drawing/2014/main" id="{E75057D6-5FEC-4E1F-6F35-6874E81A82C5}"/>
+                <a16:creationId xmlns:a16="http://schemas.microsoft.com/office/drawing/2014/main" id="{44CC026B-963B-3C6A-6FB4-C05F96C306FB}"/>
               </a:ext>
             </a:extLst>
           </p:cNvPr>
@@ -13309,7 +13091,7 @@
         <p:spPr/>
         <p:txBody>
           <a:bodyPr>
-            <a:normAutofit/>
+            <a:normAutofit fontScale="70000" lnSpcReduction="20000"/>
           </a:bodyPr>
           <a:lstStyle/>
           <a:p>
@@ -13318,15 +13100,7 @@
             </a:pPr>
             <a:r>
               <a:rPr lang="en-US" dirty="0"/>
-              <a:t>use </a:t>
-            </a:r>
-            <a:r>
-              <a:rPr lang="en-US" dirty="0" err="1"/>
-              <a:t>VScode</a:t>
-            </a:r>
-            <a:r>
-              <a:rPr lang="en-US" dirty="0"/>
-              <a:t> to ssh into aa machine</a:t>
+              <a:t>//Include guards to prevent repeated definition</a:t>
             </a:r>
           </a:p>
           <a:p>
@@ -13335,17 +13109,7 @@
             </a:pPr>
             <a:r>
               <a:rPr lang="en-US" dirty="0"/>
-              <a:t>Make a folder in host, copying </a:t>
-            </a:r>
-            <a:r>
-              <a:rPr lang="en-US" dirty="0">
-                <a:hlinkClick r:id="rId2"/>
-              </a:rPr>
-              <a:t>https://github.com/EttusResearch/uhd/tree/master/host/examples/init_usrp</a:t>
-            </a:r>
-            <a:r>
-              <a:rPr lang="en-US" dirty="0"/>
-              <a:t> </a:t>
+              <a:t>#ifndef CROSS_CORRELATION_H</a:t>
             </a:r>
           </a:p>
           <a:p>
@@ -13354,7 +13118,22 @@
             </a:pPr>
             <a:r>
               <a:rPr lang="en-US" dirty="0"/>
-              <a:t>modify the CMakelists.txt to run your </a:t>
+              <a:t>#define CROSS_CORRELATION_H</a:t>
+            </a:r>
+          </a:p>
+          <a:p>
+            <a:pPr marL="0" indent="0">
+              <a:buNone/>
+            </a:pPr>
+            <a:endParaRPr lang="en-US" dirty="0"/>
+          </a:p>
+          <a:p>
+            <a:pPr marL="0" indent="0">
+              <a:buNone/>
+            </a:pPr>
+            <a:r>
+              <a:rPr lang="en-US" dirty="0"/>
+              <a:t>//libraries needed to be included in function </a:t>
             </a:r>
             <a:r>
               <a:rPr lang="en-US" dirty="0" err="1"/>
@@ -13362,7 +13141,7 @@
             </a:r>
             <a:r>
               <a:rPr lang="en-US" dirty="0"/>
-              <a:t> file instead</a:t>
+              <a:t> file</a:t>
             </a:r>
           </a:p>
           <a:p>
@@ -13371,23 +13150,7 @@
             </a:pPr>
             <a:r>
               <a:rPr lang="en-US" dirty="0"/>
-              <a:t>Configure </a:t>
-            </a:r>
-            <a:r>
-              <a:rPr lang="en-US" dirty="0" err="1"/>
-              <a:t>cmake</a:t>
-            </a:r>
-            <a:r>
-              <a:rPr lang="en-US" dirty="0"/>
-              <a:t> (</a:t>
-            </a:r>
-            <a:r>
-              <a:rPr lang="en-US" dirty="0" err="1"/>
-              <a:t>prev</a:t>
-            </a:r>
-            <a:r>
-              <a:rPr lang="en-US" dirty="0"/>
-              <a:t> slide)</a:t>
+              <a:t>#include &lt;vector&gt;</a:t>
             </a:r>
           </a:p>
           <a:p>
@@ -13396,31 +13159,54 @@
             </a:pPr>
             <a:r>
               <a:rPr lang="en-US" dirty="0"/>
-              <a:t>./</a:t>
-            </a:r>
-            <a:r>
-              <a:rPr lang="en-US" dirty="0" err="1"/>
-              <a:t>your_build</a:t>
-            </a:r>
-            <a:r>
-              <a:rPr lang="en-US" dirty="0"/>
-              <a:t> --</a:t>
-            </a:r>
-            <a:r>
-              <a:rPr lang="en-US" dirty="0" err="1"/>
-              <a:t>tx-args</a:t>
-            </a:r>
-            <a:r>
-              <a:rPr lang="en-US" dirty="0"/>
-              <a:t> "type=x300,addr=192.168.110.2" --</a:t>
-            </a:r>
-            <a:r>
-              <a:rPr lang="en-US" dirty="0" err="1"/>
-              <a:t>rx-args</a:t>
-            </a:r>
-            <a:r>
-              <a:rPr lang="en-US" dirty="0"/>
-              <a:t> "type=x300,addr=192.168.110.2" </a:t>
+              <a:t>#include &lt;complex&gt;</a:t>
+            </a:r>
+          </a:p>
+          <a:p>
+            <a:pPr marL="0" indent="0">
+              <a:buNone/>
+            </a:pPr>
+            <a:endParaRPr lang="en-US" dirty="0"/>
+          </a:p>
+          <a:p>
+            <a:pPr marL="0" indent="0">
+              <a:buNone/>
+            </a:pPr>
+            <a:r>
+              <a:rPr lang="en-US" dirty="0"/>
+              <a:t>//function prototypes</a:t>
+            </a:r>
+          </a:p>
+          <a:p>
+            <a:pPr marL="0" indent="0">
+              <a:buNone/>
+            </a:pPr>
+            <a:r>
+              <a:rPr lang="en-US" dirty="0"/>
+              <a:t>std::tuple&lt;std::vector&lt;std::complex&lt;double&gt;&gt;, std::vector&lt;int&gt;&gt; </a:t>
+            </a:r>
+            <a:r>
+              <a:rPr lang="en-US" dirty="0" err="1"/>
+              <a:t>crossCorrelationComplex</a:t>
+            </a:r>
+            <a:r>
+              <a:rPr lang="en-US" dirty="0"/>
+              <a:t>(const std::vector&lt;std::complex&lt;double&gt;&gt;&amp; x, const std::vector&lt;std::complex&lt;double&gt;&gt;&amp; y);</a:t>
+            </a:r>
+          </a:p>
+          <a:p>
+            <a:pPr marL="0" indent="0">
+              <a:buNone/>
+            </a:pPr>
+            <a:endParaRPr lang="en-US" dirty="0"/>
+          </a:p>
+          <a:p>
+            <a:pPr marL="0" indent="0">
+              <a:buNone/>
+            </a:pPr>
+            <a:r>
+              <a:rPr lang="en-US" dirty="0"/>
+              <a:t>#endif  // CROSS_CORRELATION_H</a:t>
             </a:r>
           </a:p>
         </p:txBody>
@@ -13428,7 +13214,7 @@
     </p:spTree>
     <p:extLst>
       <p:ext uri="{BB962C8B-B14F-4D97-AF65-F5344CB8AC3E}">
-        <p14:creationId xmlns:p14="http://schemas.microsoft.com/office/powerpoint/2010/main" val="280195497"/>
+        <p14:creationId xmlns:p14="http://schemas.microsoft.com/office/powerpoint/2010/main" val="1204546905"/>
       </p:ext>
     </p:extLst>
   </p:cSld>
@@ -13460,7 +13246,7 @@
           <p:cNvPr id="2" name="Title 1">
             <a:extLst>
               <a:ext uri="{FF2B5EF4-FFF2-40B4-BE49-F238E27FC236}">
-                <a16:creationId xmlns:a16="http://schemas.microsoft.com/office/drawing/2014/main" id="{9251348A-CD0B-7D3E-C91D-7FA072AFD2F6}"/>
+                <a16:creationId xmlns:a16="http://schemas.microsoft.com/office/drawing/2014/main" id="{58D3C2F9-C265-0404-B5CE-F184A601A74E}"/>
               </a:ext>
             </a:extLst>
           </p:cNvPr>
@@ -13477,9 +13263,10 @@
           <a:lstStyle/>
           <a:p>
             <a:r>
-              <a:rPr lang="en-US" dirty="0"/>
-              <a:t>Changing library code</a:t>
-            </a:r>
+              <a:rPr lang="en-US" dirty="0" err="1"/>
+              <a:t>CMake</a:t>
+            </a:r>
+            <a:endParaRPr lang="en-US" dirty="0"/>
           </a:p>
         </p:txBody>
       </p:sp>
@@ -13488,7 +13275,7 @@
           <p:cNvPr id="3" name="Content Placeholder 2">
             <a:extLst>
               <a:ext uri="{FF2B5EF4-FFF2-40B4-BE49-F238E27FC236}">
-                <a16:creationId xmlns:a16="http://schemas.microsoft.com/office/drawing/2014/main" id="{B7A87DE9-FCA1-BA53-77EA-6C63098D025D}"/>
+                <a16:creationId xmlns:a16="http://schemas.microsoft.com/office/drawing/2014/main" id="{CE8BE17D-7372-543D-6E83-6ED5765E9D9C}"/>
               </a:ext>
             </a:extLst>
           </p:cNvPr>
@@ -13502,7 +13289,7 @@
         <p:spPr/>
         <p:txBody>
           <a:bodyPr>
-            <a:normAutofit fontScale="62500" lnSpcReduction="20000"/>
+            <a:normAutofit lnSpcReduction="10000"/>
           </a:bodyPr>
           <a:lstStyle/>
           <a:p>
@@ -13511,13 +13298,24 @@
             </a:pPr>
             <a:r>
               <a:rPr lang="en-US" dirty="0"/>
-              <a:t>on </a:t>
-            </a:r>
-            <a:r>
-              <a:rPr lang="en-US" dirty="0" err="1"/>
-              <a:t>houghton</a:t>
-            </a:r>
-            <a:endParaRPr lang="en-US" dirty="0"/>
+              <a:t>Up to now, you probably used an IDE to compile </a:t>
+            </a:r>
+            <a:r>
+              <a:rPr lang="en-US" dirty="0" err="1"/>
+              <a:t>c++</a:t>
+            </a:r>
+            <a:r>
+              <a:rPr lang="en-US" dirty="0"/>
+              <a:t> files. When compiling on a </a:t>
+            </a:r>
+            <a:r>
+              <a:rPr lang="en-US" dirty="0" err="1"/>
+              <a:t>linux</a:t>
+            </a:r>
+            <a:r>
+              <a:rPr lang="en-US" dirty="0"/>
+              <a:t> server, the command used is</a:t>
+            </a:r>
           </a:p>
           <a:p>
             <a:pPr marL="0" indent="0">
@@ -13525,7 +13323,7 @@
             </a:pPr>
             <a:r>
               <a:rPr lang="en-US" dirty="0"/>
-              <a:t>go to ~</a:t>
+              <a:t>g++ -o test xcorr_slow.test.cpp</a:t>
             </a:r>
           </a:p>
           <a:p>
@@ -13534,7 +13332,15 @@
             </a:pPr>
             <a:r>
               <a:rPr lang="en-US" dirty="0"/>
-              <a:t>cd .local (where some libraries are (in path)</a:t>
+              <a:t>What happens is you have a function in a separate file? Then </a:t>
+            </a:r>
+            <a:r>
+              <a:rPr lang="en-US" dirty="0" err="1"/>
+              <a:t>c++</a:t>
+            </a:r>
+            <a:r>
+              <a:rPr lang="en-US" dirty="0"/>
+              <a:t> must compile both and link them</a:t>
             </a:r>
           </a:p>
           <a:p>
@@ -13543,7 +13349,7 @@
             </a:pPr>
             <a:r>
               <a:rPr lang="en-US" dirty="0"/>
-              <a:t>cd lib</a:t>
+              <a:t> g++ -o test xcorr_slow.test.cpp xcorr_slow.cpp</a:t>
             </a:r>
           </a:p>
           <a:p>
@@ -13551,12 +13357,8 @@
               <a:buNone/>
             </a:pPr>
             <a:r>
-              <a:rPr lang="en-US" dirty="0" err="1"/>
-              <a:t>mkdir</a:t>
-            </a:r>
-            <a:r>
-              <a:rPr lang="en-US" dirty="0"/>
-              <a:t> uhd-4.5</a:t>
+              <a:rPr lang="en-US" dirty="0"/>
+              <a:t>With many function and many files. This can quickly become too complex. </a:t>
             </a:r>
           </a:p>
           <a:p>
@@ -13565,84 +13367,19 @@
             </a:pPr>
             <a:r>
               <a:rPr lang="en-US" dirty="0" err="1"/>
-              <a:t>pwd</a:t>
-            </a:r>
-            <a:r>
-              <a:rPr lang="en-US" dirty="0"/>
-              <a:t>, write down </a:t>
-            </a:r>
-          </a:p>
-          <a:p>
-            <a:pPr marL="0" indent="0">
-              <a:buNone/>
-            </a:pPr>
-            <a:endParaRPr lang="en-US" dirty="0"/>
-          </a:p>
-          <a:p>
-            <a:pPr marL="0" indent="0">
-              <a:buNone/>
-            </a:pPr>
-            <a:r>
-              <a:rPr lang="en-US" dirty="0"/>
-              <a:t>go to </a:t>
-            </a:r>
-            <a:r>
-              <a:rPr lang="en-US" dirty="0" err="1"/>
-              <a:t>uhd</a:t>
-            </a:r>
-            <a:r>
-              <a:rPr lang="en-US" dirty="0"/>
-              <a:t> repo -&gt; host</a:t>
-            </a:r>
-          </a:p>
-          <a:p>
-            <a:pPr marL="0" indent="0">
-              <a:buNone/>
-            </a:pPr>
-            <a:r>
-              <a:rPr lang="en-US" dirty="0" err="1"/>
-              <a:t>mkdir</a:t>
-            </a:r>
-            <a:r>
-              <a:rPr lang="en-US" dirty="0"/>
-              <a:t> build</a:t>
-            </a:r>
-          </a:p>
-          <a:p>
-            <a:pPr marL="0" indent="0">
-              <a:buNone/>
-            </a:pPr>
-            <a:endParaRPr lang="en-US" dirty="0"/>
-          </a:p>
-          <a:p>
-            <a:pPr marL="0" indent="0">
-              <a:buNone/>
-            </a:pPr>
-            <a:r>
-              <a:rPr lang="en-US" dirty="0" err="1"/>
-              <a:t>cmake</a:t>
-            </a:r>
-            <a:r>
-              <a:rPr lang="en-US" dirty="0"/>
-              <a:t> -DCMAKE_INSTALL_PREFIX=&lt;full path to uhd-4.5&gt; ../</a:t>
-            </a:r>
-          </a:p>
-          <a:p>
-            <a:pPr marL="0" indent="0">
-              <a:buNone/>
-            </a:pPr>
-            <a:r>
-              <a:rPr lang="en-US" dirty="0"/>
-              <a:t>make</a:t>
-            </a:r>
-          </a:p>
-          <a:p>
-            <a:pPr marL="0" indent="0">
-              <a:buNone/>
-            </a:pPr>
-            <a:r>
-              <a:rPr lang="en-US" dirty="0"/>
-              <a:t>make install //ADD DEMBAS NEW STUFF</a:t>
+              <a:t>CMake</a:t>
+            </a:r>
+            <a:r>
+              <a:rPr lang="en-US" dirty="0"/>
+              <a:t> is a build tool that uses CMakeLists.txt to record dependencies and allow us to build larger </a:t>
+            </a:r>
+            <a:r>
+              <a:rPr lang="en-US" dirty="0" err="1"/>
+              <a:t>c++</a:t>
+            </a:r>
+            <a:r>
+              <a:rPr lang="en-US" dirty="0"/>
+              <a:t> executables</a:t>
             </a:r>
           </a:p>
         </p:txBody>
@@ -13650,7 +13387,7 @@
     </p:spTree>
     <p:extLst>
       <p:ext uri="{BB962C8B-B14F-4D97-AF65-F5344CB8AC3E}">
-        <p14:creationId xmlns:p14="http://schemas.microsoft.com/office/powerpoint/2010/main" val="305720106"/>
+        <p14:creationId xmlns:p14="http://schemas.microsoft.com/office/powerpoint/2010/main" val="3981680681"/>
       </p:ext>
     </p:extLst>
   </p:cSld>
@@ -13682,7 +13419,7 @@
           <p:cNvPr id="2" name="Title 1">
             <a:extLst>
               <a:ext uri="{FF2B5EF4-FFF2-40B4-BE49-F238E27FC236}">
-                <a16:creationId xmlns:a16="http://schemas.microsoft.com/office/drawing/2014/main" id="{BB8B6AB5-34C2-F809-D2F6-B8B873B88DC2}"/>
+                <a16:creationId xmlns:a16="http://schemas.microsoft.com/office/drawing/2014/main" id="{296F7896-13A1-5572-48D4-DBB1F349B5C2}"/>
               </a:ext>
             </a:extLst>
           </p:cNvPr>
@@ -13700,15 +13437,7 @@
           <a:p>
             <a:r>
               <a:rPr lang="en-US" dirty="0"/>
-              <a:t>Working with USRP </a:t>
-            </a:r>
-            <a:r>
-              <a:rPr lang="en-US" dirty="0" err="1"/>
-              <a:t>c++</a:t>
-            </a:r>
-            <a:r>
-              <a:rPr lang="en-US" dirty="0"/>
-              <a:t> code</a:t>
+              <a:t>CMakeLists.txt files</a:t>
             </a:r>
           </a:p>
         </p:txBody>
@@ -13718,7 +13447,7 @@
           <p:cNvPr id="3" name="Content Placeholder 2">
             <a:extLst>
               <a:ext uri="{FF2B5EF4-FFF2-40B4-BE49-F238E27FC236}">
-                <a16:creationId xmlns:a16="http://schemas.microsoft.com/office/drawing/2014/main" id="{97A24664-3E5B-9BA7-8B0B-C064B43B215D}"/>
+                <a16:creationId xmlns:a16="http://schemas.microsoft.com/office/drawing/2014/main" id="{55BE17E9-B3BA-A5E9-8723-20E42EAB65B2}"/>
               </a:ext>
             </a:extLst>
           </p:cNvPr>
@@ -13731,29 +13460,196 @@
         </p:nvSpPr>
         <p:spPr/>
         <p:txBody>
-          <a:bodyPr/>
-          <a:lstStyle/>
-          <a:p>
-            <a:r>
-              <a:rPr lang="en-US" dirty="0">
-                <a:hlinkClick r:id="rId2"/>
-              </a:rPr>
-              <a:t>https://files.ettus.com/manual/classuhd_1_1usrp_1_1multi__usrp.html#a38b10a6bd2128b3810da229c60b31aa1</a:t>
+          <a:bodyPr>
+            <a:normAutofit fontScale="47500" lnSpcReduction="20000"/>
+          </a:bodyPr>
+          <a:lstStyle/>
+          <a:p>
+            <a:pPr marL="0" indent="0">
+              <a:buNone/>
+            </a:pPr>
+            <a:r>
+              <a:rPr lang="en-US" dirty="0"/>
+              <a:t>Each folder will have a CMakeLists.txt</a:t>
+            </a:r>
+          </a:p>
+          <a:p>
+            <a:pPr marL="0" indent="0">
+              <a:buNone/>
+            </a:pPr>
+            <a:r>
+              <a:rPr lang="en-US" dirty="0"/>
+              <a:t>root</a:t>
+            </a:r>
+          </a:p>
+          <a:p>
+            <a:pPr marL="0" indent="0">
+              <a:buNone/>
+            </a:pPr>
+            <a:r>
+              <a:rPr lang="en-US" dirty="0"/>
+              <a:t>|- </a:t>
+            </a:r>
+            <a:r>
+              <a:rPr lang="en-US" dirty="0" err="1"/>
+              <a:t>MainProject</a:t>
             </a:r>
             <a:endParaRPr lang="en-US" dirty="0"/>
           </a:p>
           <a:p>
-            <a:r>
-              <a:rPr lang="en-US" dirty="0"/>
-              <a:t>https://files.ettus.com/manual/page_configuration.html</a:t>
-            </a:r>
+            <a:pPr marL="0" indent="0">
+              <a:buNone/>
+            </a:pPr>
+            <a:r>
+              <a:rPr lang="en-US" dirty="0"/>
+              <a:t>|  |- main.cpp</a:t>
+            </a:r>
+          </a:p>
+          <a:p>
+            <a:pPr marL="0" indent="0">
+              <a:buNone/>
+            </a:pPr>
+            <a:r>
+              <a:rPr lang="en-US" dirty="0"/>
+              <a:t>|  |- CMakeLists.txt</a:t>
+            </a:r>
+          </a:p>
+          <a:p>
+            <a:pPr marL="0" indent="0">
+              <a:buNone/>
+            </a:pPr>
+            <a:r>
+              <a:rPr lang="en-US" dirty="0"/>
+              <a:t>|  |- </a:t>
+            </a:r>
+            <a:r>
+              <a:rPr lang="en-US" dirty="0" err="1"/>
+              <a:t>src</a:t>
+            </a:r>
+            <a:endParaRPr lang="en-US" dirty="0"/>
+          </a:p>
+          <a:p>
+            <a:pPr marL="0" indent="0">
+              <a:buNone/>
+            </a:pPr>
+            <a:r>
+              <a:rPr lang="en-US" dirty="0"/>
+              <a:t>|  |  |- </a:t>
+            </a:r>
+            <a:r>
+              <a:rPr lang="en-US" dirty="0" err="1"/>
+              <a:t>xcorr</a:t>
+            </a:r>
+            <a:endParaRPr lang="en-US" dirty="0"/>
+          </a:p>
+          <a:p>
+            <a:pPr marL="0" indent="0">
+              <a:buNone/>
+            </a:pPr>
+            <a:r>
+              <a:rPr lang="en-US" dirty="0"/>
+              <a:t>|  |  |  |- </a:t>
+            </a:r>
+            <a:r>
+              <a:rPr lang="en-US" dirty="0" err="1"/>
+              <a:t>xcorr.h</a:t>
+            </a:r>
+            <a:endParaRPr lang="en-US" dirty="0"/>
+          </a:p>
+          <a:p>
+            <a:pPr marL="0" indent="0">
+              <a:buNone/>
+            </a:pPr>
+            <a:r>
+              <a:rPr lang="en-US" dirty="0"/>
+              <a:t>|  |  |  |- xcorr.cpp</a:t>
+            </a:r>
+          </a:p>
+          <a:p>
+            <a:pPr marL="0" indent="0">
+              <a:buNone/>
+            </a:pPr>
+            <a:r>
+              <a:rPr lang="en-US" dirty="0"/>
+              <a:t>|  |  |  |- test.cpp </a:t>
+            </a:r>
+          </a:p>
+          <a:p>
+            <a:pPr marL="0" indent="0">
+              <a:buNone/>
+            </a:pPr>
+            <a:r>
+              <a:rPr lang="en-US" dirty="0"/>
+              <a:t>|  |  |  '- CMakeLists.txt</a:t>
+            </a:r>
+          </a:p>
+          <a:p>
+            <a:pPr marL="0" indent="0">
+              <a:buNone/>
+            </a:pPr>
+            <a:r>
+              <a:rPr lang="en-US" dirty="0"/>
+              <a:t>|  |  '- </a:t>
+            </a:r>
+            <a:r>
+              <a:rPr lang="en-US" dirty="0" err="1"/>
+              <a:t>fft</a:t>
+            </a:r>
+            <a:endParaRPr lang="en-US" dirty="0"/>
+          </a:p>
+          <a:p>
+            <a:pPr marL="0" indent="0">
+              <a:buNone/>
+            </a:pPr>
+            <a:r>
+              <a:rPr lang="en-US" dirty="0"/>
+              <a:t>|  |     |- </a:t>
+            </a:r>
+            <a:r>
+              <a:rPr lang="en-US" dirty="0" err="1"/>
+              <a:t>fft.h</a:t>
+            </a:r>
+            <a:endParaRPr lang="en-US" dirty="0"/>
+          </a:p>
+          <a:p>
+            <a:pPr marL="0" indent="0">
+              <a:buNone/>
+            </a:pPr>
+            <a:r>
+              <a:rPr lang="en-US" dirty="0"/>
+              <a:t>|  |     |- fft.cpp</a:t>
+            </a:r>
+          </a:p>
+          <a:p>
+            <a:pPr marL="0" indent="0">
+              <a:buNone/>
+            </a:pPr>
+            <a:r>
+              <a:rPr lang="en-US" dirty="0"/>
+              <a:t>|  |     |- test.cpp </a:t>
+            </a:r>
+          </a:p>
+          <a:p>
+            <a:pPr marL="0" indent="0">
+              <a:buNone/>
+            </a:pPr>
+            <a:r>
+              <a:rPr lang="en-US" dirty="0"/>
+              <a:t>|  |     '- CMakeLists.txt</a:t>
+            </a:r>
+          </a:p>
+          <a:p>
+            <a:pPr marL="0" indent="0">
+              <a:buNone/>
+            </a:pPr>
+            <a:endParaRPr lang="en-US" dirty="0"/>
           </a:p>
         </p:txBody>
       </p:sp>
     </p:spTree>
     <p:extLst>
       <p:ext uri="{BB962C8B-B14F-4D97-AF65-F5344CB8AC3E}">
-        <p14:creationId xmlns:p14="http://schemas.microsoft.com/office/powerpoint/2010/main" val="685194676"/>
+        <p14:creationId xmlns:p14="http://schemas.microsoft.com/office/powerpoint/2010/main" val="3198059320"/>
       </p:ext>
     </p:extLst>
   </p:cSld>
@@ -13890,7 +13786,7 @@
           <p:cNvPr id="2" name="Title 1">
             <a:extLst>
               <a:ext uri="{FF2B5EF4-FFF2-40B4-BE49-F238E27FC236}">
-                <a16:creationId xmlns:a16="http://schemas.microsoft.com/office/drawing/2014/main" id="{F969C23B-1247-88EB-CACF-4EA658112384}"/>
+                <a16:creationId xmlns:a16="http://schemas.microsoft.com/office/drawing/2014/main" id="{9F7C41FD-22B3-C540-3B6E-1C150A062CEB}"/>
               </a:ext>
             </a:extLst>
           </p:cNvPr>
@@ -13907,8 +13803,12 @@
           <a:lstStyle/>
           <a:p>
             <a:r>
-              <a:rPr lang="en-US" dirty="0"/>
-              <a:t>Loopback params</a:t>
+              <a:rPr lang="en-US" dirty="0" err="1"/>
+              <a:t>CMake</a:t>
+            </a:r>
+            <a:r>
+              <a:rPr lang="en-US" dirty="0"/>
+              <a:t> function overview</a:t>
             </a:r>
           </a:p>
         </p:txBody>
@@ -13918,7 +13818,7 @@
           <p:cNvPr id="3" name="Content Placeholder 2">
             <a:extLst>
               <a:ext uri="{FF2B5EF4-FFF2-40B4-BE49-F238E27FC236}">
-                <a16:creationId xmlns:a16="http://schemas.microsoft.com/office/drawing/2014/main" id="{127D9C7F-8289-2787-26A9-FA3470CF4BEE}"/>
+                <a16:creationId xmlns:a16="http://schemas.microsoft.com/office/drawing/2014/main" id="{F7B12B4D-8B40-869A-1D64-9746517D0798}"/>
               </a:ext>
             </a:extLst>
           </p:cNvPr>
@@ -13931,7 +13831,9 @@
         </p:nvSpPr>
         <p:spPr/>
         <p:txBody>
-          <a:bodyPr/>
+          <a:bodyPr>
+            <a:normAutofit fontScale="92500"/>
+          </a:bodyPr>
           <a:lstStyle/>
           <a:p>
             <a:pPr marL="0" indent="0">
@@ -13939,23 +13841,7 @@
             </a:pPr>
             <a:r>
               <a:rPr lang="en-US" dirty="0"/>
-              <a:t>Loopback, 8 inch wire, 30dB attenuator (</a:t>
-            </a:r>
-            <a:r>
-              <a:rPr lang="en-US" dirty="0" err="1"/>
-              <a:t>tx</a:t>
-            </a:r>
-            <a:r>
-              <a:rPr lang="en-US" dirty="0"/>
-              <a:t>/</a:t>
-            </a:r>
-            <a:r>
-              <a:rPr lang="en-US" dirty="0" err="1"/>
-              <a:t>rx</a:t>
-            </a:r>
-            <a:r>
-              <a:rPr lang="en-US" dirty="0"/>
-              <a:t> gain = 0)</a:t>
+              <a:t>project(): determines the name of the project</a:t>
             </a:r>
           </a:p>
           <a:p>
@@ -13963,8 +13849,124 @@
               <a:buNone/>
             </a:pPr>
             <a:r>
-              <a:rPr lang="nb-NO" dirty="0"/>
-              <a:t>Setting TX Freq: 2400.000000 MHz..</a:t>
+              <a:rPr lang="en-US" dirty="0" err="1"/>
+              <a:t>add_subdirectory</a:t>
+            </a:r>
+            <a:r>
+              <a:rPr lang="en-US" dirty="0">
+                <a:sym typeface="Wingdings" panose="05000000000000000000" pitchFamily="2" charset="2"/>
+              </a:rPr>
+              <a:t>(): adds subdirectories containing other </a:t>
+            </a:r>
+            <a:r>
+              <a:rPr lang="en-US" dirty="0" err="1">
+                <a:sym typeface="Wingdings" panose="05000000000000000000" pitchFamily="2" charset="2"/>
+              </a:rPr>
+              <a:t>cmakelists</a:t>
+            </a:r>
+            <a:endParaRPr lang="en-US" dirty="0">
+              <a:sym typeface="Wingdings" panose="05000000000000000000" pitchFamily="2" charset="2"/>
+            </a:endParaRPr>
+          </a:p>
+          <a:p>
+            <a:pPr marL="0" indent="0">
+              <a:buNone/>
+            </a:pPr>
+            <a:r>
+              <a:rPr lang="en-US" dirty="0" err="1"/>
+              <a:t>add_executable</a:t>
+            </a:r>
+            <a:r>
+              <a:rPr lang="en-US" dirty="0"/>
+              <a:t>(): creates the executable from the </a:t>
+            </a:r>
+            <a:r>
+              <a:rPr lang="en-US" dirty="0" err="1"/>
+              <a:t>cpp</a:t>
+            </a:r>
+            <a:r>
+              <a:rPr lang="en-US" dirty="0"/>
+              <a:t> file</a:t>
+            </a:r>
+          </a:p>
+          <a:p>
+            <a:pPr marL="0" indent="0">
+              <a:buNone/>
+            </a:pPr>
+            <a:r>
+              <a:rPr lang="en-US" dirty="0" err="1"/>
+              <a:t>target_link_libraries</a:t>
+            </a:r>
+            <a:r>
+              <a:rPr lang="en-US" dirty="0"/>
+              <a:t>(</a:t>
+            </a:r>
+            <a:r>
+              <a:rPr lang="en-US" dirty="0" err="1"/>
+              <a:t>MainExecutable</a:t>
+            </a:r>
+            <a:r>
+              <a:rPr lang="en-US" dirty="0"/>
+              <a:t> </a:t>
+            </a:r>
+            <a:r>
+              <a:rPr lang="en-US" dirty="0" err="1"/>
+              <a:t>XCorr</a:t>
+            </a:r>
+            <a:r>
+              <a:rPr lang="en-US" dirty="0"/>
+              <a:t> FFT): links libraries (defined in subdirectory cmakelists.txt) to the main executable</a:t>
+            </a:r>
+          </a:p>
+          <a:p>
+            <a:pPr marL="0" indent="0">
+              <a:buNone/>
+            </a:pPr>
+            <a:r>
+              <a:rPr lang="en-US" dirty="0" err="1"/>
+              <a:t>add_library</a:t>
+            </a:r>
+            <a:r>
+              <a:rPr lang="en-US" dirty="0"/>
+              <a:t>(</a:t>
+            </a:r>
+            <a:r>
+              <a:rPr lang="en-US" dirty="0" err="1"/>
+              <a:t>XCorr</a:t>
+            </a:r>
+            <a:r>
+              <a:rPr lang="en-US" dirty="0"/>
+              <a:t> </a:t>
+            </a:r>
+          </a:p>
+          <a:p>
+            <a:pPr marL="0" indent="0">
+              <a:buNone/>
+            </a:pPr>
+            <a:r>
+              <a:rPr lang="en-US" dirty="0"/>
+              <a:t>    xcorr.cpp</a:t>
+            </a:r>
+          </a:p>
+          <a:p>
+            <a:pPr marL="0" indent="0">
+              <a:buNone/>
+            </a:pPr>
+            <a:r>
+              <a:rPr lang="en-US" dirty="0"/>
+              <a:t>    </a:t>
+            </a:r>
+            <a:r>
+              <a:rPr lang="en-US" dirty="0" err="1"/>
+              <a:t>xcorr.h</a:t>
+            </a:r>
+            <a:r>
+              <a:rPr lang="en-US" dirty="0"/>
+              <a:t> #unit test file missing since we don’t want to link it to </a:t>
+            </a:r>
+            <a:r>
+              <a:rPr lang="en-US" dirty="0" err="1"/>
+              <a:t>mainexec</a:t>
             </a:r>
             <a:endParaRPr lang="en-US" dirty="0"/>
           </a:p>
@@ -13973,36 +13975,14 @@
               <a:buNone/>
             </a:pPr>
             <a:r>
-              <a:rPr lang="de-DE" dirty="0"/>
-              <a:t>D_hat= 119, EsN0= 14.8833, h_hat : abs= 0.439122 arg= 3.12618</a:t>
+              <a:rPr lang="en-US" dirty="0"/>
+              <a:t>) # Create a library from sources in subdirectory folder</a:t>
             </a:r>
           </a:p>
           <a:p>
             <a:pPr marL="0" indent="0">
               <a:buNone/>
             </a:pPr>
-            <a:r>
-              <a:rPr lang="de-DE" dirty="0"/>
-              <a:t>Attenuators dont affect delay</a:t>
-            </a:r>
-          </a:p>
-          <a:p>
-            <a:pPr marL="0" indent="0">
-              <a:buNone/>
-            </a:pPr>
-            <a:r>
-              <a:rPr lang="de-DE" dirty="0"/>
-              <a:t>rx/tx gain dont affect delay</a:t>
-            </a:r>
-          </a:p>
-          <a:p>
-            <a:pPr marL="0" indent="0">
-              <a:buNone/>
-            </a:pPr>
-            <a:r>
-              <a:rPr lang="de-DE" dirty="0"/>
-              <a:t> freq doesnt affect delay</a:t>
-            </a:r>
             <a:endParaRPr lang="en-US" dirty="0"/>
           </a:p>
         </p:txBody>
@@ -14010,7 +13990,7 @@
     </p:spTree>
     <p:extLst>
       <p:ext uri="{BB962C8B-B14F-4D97-AF65-F5344CB8AC3E}">
-        <p14:creationId xmlns:p14="http://schemas.microsoft.com/office/powerpoint/2010/main" val="2591630338"/>
+        <p14:creationId xmlns:p14="http://schemas.microsoft.com/office/powerpoint/2010/main" val="3462236853"/>
       </p:ext>
     </p:extLst>
   </p:cSld>
@@ -14042,6 +14022,1161 @@
           <p:cNvPr id="2" name="Title 1">
             <a:extLst>
               <a:ext uri="{FF2B5EF4-FFF2-40B4-BE49-F238E27FC236}">
+                <a16:creationId xmlns:a16="http://schemas.microsoft.com/office/drawing/2014/main" id="{842D70F5-6B02-A53D-7042-57BE7C3B7C82}"/>
+              </a:ext>
+            </a:extLst>
+          </p:cNvPr>
+          <p:cNvSpPr>
+            <a:spLocks noGrp="1"/>
+          </p:cNvSpPr>
+          <p:nvPr>
+            <p:ph type="title"/>
+          </p:nvPr>
+        </p:nvSpPr>
+        <p:spPr/>
+        <p:txBody>
+          <a:bodyPr/>
+          <a:lstStyle/>
+          <a:p>
+            <a:r>
+              <a:rPr lang="en-US" dirty="0" err="1"/>
+              <a:t>CMake</a:t>
+            </a:r>
+            <a:r>
+              <a:rPr lang="en-US" dirty="0"/>
+              <a:t> config</a:t>
+            </a:r>
+          </a:p>
+        </p:txBody>
+      </p:sp>
+      <p:sp>
+        <p:nvSpPr>
+          <p:cNvPr id="3" name="Content Placeholder 2">
+            <a:extLst>
+              <a:ext uri="{FF2B5EF4-FFF2-40B4-BE49-F238E27FC236}">
+                <a16:creationId xmlns:a16="http://schemas.microsoft.com/office/drawing/2014/main" id="{5A119A56-7EC2-31C3-83BE-F7935A9B5978}"/>
+              </a:ext>
+            </a:extLst>
+          </p:cNvPr>
+          <p:cNvSpPr>
+            <a:spLocks noGrp="1"/>
+          </p:cNvSpPr>
+          <p:nvPr>
+            <p:ph idx="1"/>
+          </p:nvPr>
+        </p:nvSpPr>
+        <p:spPr/>
+        <p:txBody>
+          <a:bodyPr>
+            <a:normAutofit fontScale="92500" lnSpcReduction="20000"/>
+          </a:bodyPr>
+          <a:lstStyle/>
+          <a:p>
+            <a:pPr marL="0" indent="0">
+              <a:buNone/>
+            </a:pPr>
+            <a:r>
+              <a:rPr lang="en-US" dirty="0"/>
+              <a:t>cd </a:t>
+            </a:r>
+            <a:r>
+              <a:rPr lang="en-US" dirty="0" err="1"/>
+              <a:t>uhd</a:t>
+            </a:r>
+            <a:r>
+              <a:rPr lang="en-US" dirty="0"/>
+              <a:t>/host/&lt;folder for </a:t>
+            </a:r>
+            <a:r>
+              <a:rPr lang="en-US" dirty="0" err="1"/>
+              <a:t>c++</a:t>
+            </a:r>
+            <a:r>
+              <a:rPr lang="en-US" dirty="0"/>
+              <a:t> code&gt;</a:t>
+            </a:r>
+          </a:p>
+          <a:p>
+            <a:pPr marL="0" indent="0">
+              <a:buNone/>
+            </a:pPr>
+            <a:r>
+              <a:rPr lang="en-US" dirty="0" err="1"/>
+              <a:t>mkdir</a:t>
+            </a:r>
+            <a:r>
+              <a:rPr lang="en-US" dirty="0"/>
+              <a:t> build</a:t>
+            </a:r>
+          </a:p>
+          <a:p>
+            <a:pPr marL="0" indent="0">
+              <a:buNone/>
+            </a:pPr>
+            <a:r>
+              <a:rPr lang="en-US" dirty="0"/>
+              <a:t>cd build</a:t>
+            </a:r>
+          </a:p>
+          <a:p>
+            <a:pPr marL="0" indent="0">
+              <a:buNone/>
+            </a:pPr>
+            <a:r>
+              <a:rPr lang="en-US" dirty="0" err="1"/>
+              <a:t>cmake</a:t>
+            </a:r>
+            <a:r>
+              <a:rPr lang="en-US" dirty="0"/>
+              <a:t> ..</a:t>
+            </a:r>
+          </a:p>
+          <a:p>
+            <a:pPr marL="0" indent="0">
+              <a:buNone/>
+            </a:pPr>
+            <a:r>
+              <a:rPr lang="en-US" dirty="0"/>
+              <a:t>make</a:t>
+            </a:r>
+          </a:p>
+          <a:p>
+            <a:pPr marL="0" indent="0">
+              <a:buNone/>
+            </a:pPr>
+            <a:endParaRPr lang="en-US" dirty="0"/>
+          </a:p>
+          <a:p>
+            <a:pPr marL="0" indent="0">
+              <a:buNone/>
+            </a:pPr>
+            <a:r>
+              <a:rPr lang="en-US" dirty="0"/>
+              <a:t>Inside build will be the executable (execute using ./</a:t>
+            </a:r>
+            <a:r>
+              <a:rPr lang="en-US" dirty="0" err="1"/>
+              <a:t>build_exec</a:t>
+            </a:r>
+            <a:r>
+              <a:rPr lang="en-US" dirty="0"/>
+              <a:t>)</a:t>
+            </a:r>
+          </a:p>
+          <a:p>
+            <a:pPr marL="0" indent="0">
+              <a:buNone/>
+            </a:pPr>
+            <a:r>
+              <a:rPr lang="en-US" dirty="0"/>
+              <a:t>Note that your executable will be in project/build. This is important when accessing files using relative path, since </a:t>
+            </a:r>
+            <a:r>
+              <a:rPr lang="en-US" dirty="0" err="1"/>
+              <a:t>itll</a:t>
+            </a:r>
+            <a:r>
+              <a:rPr lang="en-US" dirty="0"/>
+              <a:t> be different than the location of the </a:t>
+            </a:r>
+            <a:r>
+              <a:rPr lang="en-US" dirty="0" err="1"/>
+              <a:t>cpp</a:t>
+            </a:r>
+            <a:r>
+              <a:rPr lang="en-US" dirty="0"/>
+              <a:t> file</a:t>
+            </a:r>
+          </a:p>
+          <a:p>
+            <a:pPr marL="0" indent="0">
+              <a:buNone/>
+            </a:pPr>
+            <a:r>
+              <a:rPr lang="en-US" dirty="0"/>
+              <a:t> std::</a:t>
+            </a:r>
+            <a:r>
+              <a:rPr lang="en-US" dirty="0" err="1"/>
+              <a:t>ifstream</a:t>
+            </a:r>
+            <a:r>
+              <a:rPr lang="en-US" dirty="0"/>
+              <a:t> </a:t>
+            </a:r>
+            <a:r>
+              <a:rPr lang="en-US" dirty="0" err="1"/>
+              <a:t>if_file</a:t>
+            </a:r>
+            <a:r>
+              <a:rPr lang="en-US" dirty="0"/>
+              <a:t>("../../../</a:t>
+            </a:r>
+            <a:r>
+              <a:rPr lang="en-US" dirty="0" err="1"/>
+              <a:t>matlab</a:t>
+            </a:r>
+            <a:r>
+              <a:rPr lang="en-US" dirty="0"/>
+              <a:t>/</a:t>
+            </a:r>
+            <a:r>
+              <a:rPr lang="en-US" dirty="0" err="1"/>
+              <a:t>mlsr</a:t>
+            </a:r>
+            <a:r>
+              <a:rPr lang="en-US" dirty="0"/>
+              <a:t>/</a:t>
+            </a:r>
+            <a:r>
+              <a:rPr lang="en-US" dirty="0" err="1"/>
+              <a:t>preamble.mem</a:t>
+            </a:r>
+            <a:r>
+              <a:rPr lang="en-US" dirty="0"/>
+              <a:t>");</a:t>
+            </a:r>
+          </a:p>
+          <a:p>
+            <a:pPr marL="0" indent="0">
+              <a:buNone/>
+            </a:pPr>
+            <a:endParaRPr lang="en-US" dirty="0"/>
+          </a:p>
+          <a:p>
+            <a:pPr marL="0" indent="0">
+              <a:buNone/>
+            </a:pPr>
+            <a:endParaRPr lang="en-US" dirty="0"/>
+          </a:p>
+          <a:p>
+            <a:endParaRPr lang="en-US" dirty="0"/>
+          </a:p>
+        </p:txBody>
+      </p:sp>
+    </p:spTree>
+    <p:extLst>
+      <p:ext uri="{BB962C8B-B14F-4D97-AF65-F5344CB8AC3E}">
+        <p14:creationId xmlns:p14="http://schemas.microsoft.com/office/powerpoint/2010/main" val="3149419981"/>
+      </p:ext>
+    </p:extLst>
+  </p:cSld>
+  <p:clrMapOvr>
+    <a:masterClrMapping/>
+  </p:clrMapOvr>
+</p:sld>
+</file>
+
+<file path=ppt/slides/slide52.xml><?xml version="1.0" encoding="utf-8"?>
+<p:sld xmlns:a="http://schemas.openxmlformats.org/drawingml/2006/main" xmlns:r="http://schemas.openxmlformats.org/officeDocument/2006/relationships" xmlns:p="http://schemas.openxmlformats.org/presentationml/2006/main">
+  <p:cSld>
+    <p:spTree>
+      <p:nvGrpSpPr>
+        <p:cNvPr id="1" name=""/>
+        <p:cNvGrpSpPr/>
+        <p:nvPr/>
+      </p:nvGrpSpPr>
+      <p:grpSpPr>
+        <a:xfrm>
+          <a:off x="0" y="0"/>
+          <a:ext cx="0" cy="0"/>
+          <a:chOff x="0" y="0"/>
+          <a:chExt cx="0" cy="0"/>
+        </a:xfrm>
+      </p:grpSpPr>
+      <p:sp>
+        <p:nvSpPr>
+          <p:cNvPr id="2" name="Title 1">
+            <a:extLst>
+              <a:ext uri="{FF2B5EF4-FFF2-40B4-BE49-F238E27FC236}">
+                <a16:creationId xmlns:a16="http://schemas.microsoft.com/office/drawing/2014/main" id="{120A129F-F3CA-63BC-A582-27486C38D717}"/>
+              </a:ext>
+            </a:extLst>
+          </p:cNvPr>
+          <p:cNvSpPr>
+            <a:spLocks noGrp="1"/>
+          </p:cNvSpPr>
+          <p:nvPr>
+            <p:ph type="title"/>
+          </p:nvPr>
+        </p:nvSpPr>
+        <p:spPr/>
+        <p:txBody>
+          <a:bodyPr/>
+          <a:lstStyle/>
+          <a:p>
+            <a:r>
+              <a:rPr lang="en-US" dirty="0"/>
+              <a:t>USRP CPP code build</a:t>
+            </a:r>
+          </a:p>
+        </p:txBody>
+      </p:sp>
+      <p:sp>
+        <p:nvSpPr>
+          <p:cNvPr id="3" name="Content Placeholder 2">
+            <a:extLst>
+              <a:ext uri="{FF2B5EF4-FFF2-40B4-BE49-F238E27FC236}">
+                <a16:creationId xmlns:a16="http://schemas.microsoft.com/office/drawing/2014/main" id="{E75057D6-5FEC-4E1F-6F35-6874E81A82C5}"/>
+              </a:ext>
+            </a:extLst>
+          </p:cNvPr>
+          <p:cNvSpPr>
+            <a:spLocks noGrp="1"/>
+          </p:cNvSpPr>
+          <p:nvPr>
+            <p:ph idx="1"/>
+          </p:nvPr>
+        </p:nvSpPr>
+        <p:spPr/>
+        <p:txBody>
+          <a:bodyPr>
+            <a:normAutofit/>
+          </a:bodyPr>
+          <a:lstStyle/>
+          <a:p>
+            <a:pPr marL="0" indent="0">
+              <a:buNone/>
+            </a:pPr>
+            <a:r>
+              <a:rPr lang="en-US" dirty="0"/>
+              <a:t>use </a:t>
+            </a:r>
+            <a:r>
+              <a:rPr lang="en-US" dirty="0" err="1"/>
+              <a:t>VScode</a:t>
+            </a:r>
+            <a:r>
+              <a:rPr lang="en-US" dirty="0"/>
+              <a:t> to ssh into aa machine</a:t>
+            </a:r>
+          </a:p>
+          <a:p>
+            <a:pPr marL="0" indent="0">
+              <a:buNone/>
+            </a:pPr>
+            <a:r>
+              <a:rPr lang="en-US" dirty="0"/>
+              <a:t>Make a folder in host, copying </a:t>
+            </a:r>
+            <a:r>
+              <a:rPr lang="en-US" dirty="0">
+                <a:hlinkClick r:id="rId2"/>
+              </a:rPr>
+              <a:t>https://github.com/EttusResearch/uhd/tree/master/host/examples/init_usrp</a:t>
+            </a:r>
+            <a:r>
+              <a:rPr lang="en-US" dirty="0"/>
+              <a:t> </a:t>
+            </a:r>
+          </a:p>
+          <a:p>
+            <a:pPr marL="0" indent="0">
+              <a:buNone/>
+            </a:pPr>
+            <a:r>
+              <a:rPr lang="en-US" dirty="0"/>
+              <a:t>modify the CMakelists.txt to run your </a:t>
+            </a:r>
+            <a:r>
+              <a:rPr lang="en-US" dirty="0" err="1"/>
+              <a:t>c++</a:t>
+            </a:r>
+            <a:r>
+              <a:rPr lang="en-US" dirty="0"/>
+              <a:t> file instead</a:t>
+            </a:r>
+          </a:p>
+          <a:p>
+            <a:pPr marL="0" indent="0">
+              <a:buNone/>
+            </a:pPr>
+            <a:r>
+              <a:rPr lang="en-US" dirty="0"/>
+              <a:t>Configure </a:t>
+            </a:r>
+            <a:r>
+              <a:rPr lang="en-US" dirty="0" err="1"/>
+              <a:t>cmake</a:t>
+            </a:r>
+            <a:r>
+              <a:rPr lang="en-US" dirty="0"/>
+              <a:t> (</a:t>
+            </a:r>
+            <a:r>
+              <a:rPr lang="en-US" dirty="0" err="1"/>
+              <a:t>prev</a:t>
+            </a:r>
+            <a:r>
+              <a:rPr lang="en-US" dirty="0"/>
+              <a:t> slide)</a:t>
+            </a:r>
+          </a:p>
+          <a:p>
+            <a:pPr marL="0" indent="0">
+              <a:buNone/>
+            </a:pPr>
+            <a:r>
+              <a:rPr lang="en-US" dirty="0"/>
+              <a:t>./</a:t>
+            </a:r>
+            <a:r>
+              <a:rPr lang="en-US" dirty="0" err="1"/>
+              <a:t>your_build</a:t>
+            </a:r>
+            <a:r>
+              <a:rPr lang="en-US" dirty="0"/>
+              <a:t> --</a:t>
+            </a:r>
+            <a:r>
+              <a:rPr lang="en-US" dirty="0" err="1"/>
+              <a:t>tx-args</a:t>
+            </a:r>
+            <a:r>
+              <a:rPr lang="en-US" dirty="0"/>
+              <a:t> "type=x300,addr=192.168.110.2" --</a:t>
+            </a:r>
+            <a:r>
+              <a:rPr lang="en-US" dirty="0" err="1"/>
+              <a:t>rx-args</a:t>
+            </a:r>
+            <a:r>
+              <a:rPr lang="en-US" dirty="0"/>
+              <a:t> "type=x300,addr=192.168.110.2" </a:t>
+            </a:r>
+          </a:p>
+        </p:txBody>
+      </p:sp>
+    </p:spTree>
+    <p:extLst>
+      <p:ext uri="{BB962C8B-B14F-4D97-AF65-F5344CB8AC3E}">
+        <p14:creationId xmlns:p14="http://schemas.microsoft.com/office/powerpoint/2010/main" val="280195497"/>
+      </p:ext>
+    </p:extLst>
+  </p:cSld>
+  <p:clrMapOvr>
+    <a:masterClrMapping/>
+  </p:clrMapOvr>
+</p:sld>
+</file>
+
+<file path=ppt/slides/slide53.xml><?xml version="1.0" encoding="utf-8"?>
+<p:sld xmlns:a="http://schemas.openxmlformats.org/drawingml/2006/main" xmlns:r="http://schemas.openxmlformats.org/officeDocument/2006/relationships" xmlns:p="http://schemas.openxmlformats.org/presentationml/2006/main">
+  <p:cSld>
+    <p:spTree>
+      <p:nvGrpSpPr>
+        <p:cNvPr id="1" name=""/>
+        <p:cNvGrpSpPr/>
+        <p:nvPr/>
+      </p:nvGrpSpPr>
+      <p:grpSpPr>
+        <a:xfrm>
+          <a:off x="0" y="0"/>
+          <a:ext cx="0" cy="0"/>
+          <a:chOff x="0" y="0"/>
+          <a:chExt cx="0" cy="0"/>
+        </a:xfrm>
+      </p:grpSpPr>
+      <p:sp>
+        <p:nvSpPr>
+          <p:cNvPr id="2" name="Title 1">
+            <a:extLst>
+              <a:ext uri="{FF2B5EF4-FFF2-40B4-BE49-F238E27FC236}">
+                <a16:creationId xmlns:a16="http://schemas.microsoft.com/office/drawing/2014/main" id="{9251348A-CD0B-7D3E-C91D-7FA072AFD2F6}"/>
+              </a:ext>
+            </a:extLst>
+          </p:cNvPr>
+          <p:cNvSpPr>
+            <a:spLocks noGrp="1"/>
+          </p:cNvSpPr>
+          <p:nvPr>
+            <p:ph type="title"/>
+          </p:nvPr>
+        </p:nvSpPr>
+        <p:spPr/>
+        <p:txBody>
+          <a:bodyPr/>
+          <a:lstStyle/>
+          <a:p>
+            <a:r>
+              <a:rPr lang="en-US" dirty="0"/>
+              <a:t>Changing library code</a:t>
+            </a:r>
+          </a:p>
+        </p:txBody>
+      </p:sp>
+      <p:sp>
+        <p:nvSpPr>
+          <p:cNvPr id="3" name="Content Placeholder 2">
+            <a:extLst>
+              <a:ext uri="{FF2B5EF4-FFF2-40B4-BE49-F238E27FC236}">
+                <a16:creationId xmlns:a16="http://schemas.microsoft.com/office/drawing/2014/main" id="{B7A87DE9-FCA1-BA53-77EA-6C63098D025D}"/>
+              </a:ext>
+            </a:extLst>
+          </p:cNvPr>
+          <p:cNvSpPr>
+            <a:spLocks noGrp="1"/>
+          </p:cNvSpPr>
+          <p:nvPr>
+            <p:ph idx="1"/>
+          </p:nvPr>
+        </p:nvSpPr>
+        <p:spPr/>
+        <p:txBody>
+          <a:bodyPr>
+            <a:normAutofit fontScale="62500" lnSpcReduction="20000"/>
+          </a:bodyPr>
+          <a:lstStyle/>
+          <a:p>
+            <a:pPr marL="0" indent="0">
+              <a:buNone/>
+            </a:pPr>
+            <a:r>
+              <a:rPr lang="en-US" dirty="0"/>
+              <a:t>on </a:t>
+            </a:r>
+            <a:r>
+              <a:rPr lang="en-US" dirty="0" err="1"/>
+              <a:t>houghton</a:t>
+            </a:r>
+            <a:endParaRPr lang="en-US" dirty="0"/>
+          </a:p>
+          <a:p>
+            <a:pPr marL="0" indent="0">
+              <a:buNone/>
+            </a:pPr>
+            <a:r>
+              <a:rPr lang="en-US" dirty="0"/>
+              <a:t>go to ~</a:t>
+            </a:r>
+          </a:p>
+          <a:p>
+            <a:pPr marL="0" indent="0">
+              <a:buNone/>
+            </a:pPr>
+            <a:r>
+              <a:rPr lang="en-US" dirty="0"/>
+              <a:t>cd .local (where some libraries are (in path)</a:t>
+            </a:r>
+          </a:p>
+          <a:p>
+            <a:pPr marL="0" indent="0">
+              <a:buNone/>
+            </a:pPr>
+            <a:r>
+              <a:rPr lang="en-US" dirty="0"/>
+              <a:t>cd lib</a:t>
+            </a:r>
+          </a:p>
+          <a:p>
+            <a:pPr marL="0" indent="0">
+              <a:buNone/>
+            </a:pPr>
+            <a:r>
+              <a:rPr lang="en-US" dirty="0" err="1"/>
+              <a:t>mkdir</a:t>
+            </a:r>
+            <a:r>
+              <a:rPr lang="en-US" dirty="0"/>
+              <a:t> uhd-4.5</a:t>
+            </a:r>
+          </a:p>
+          <a:p>
+            <a:pPr marL="0" indent="0">
+              <a:buNone/>
+            </a:pPr>
+            <a:r>
+              <a:rPr lang="en-US" dirty="0" err="1"/>
+              <a:t>pwd</a:t>
+            </a:r>
+            <a:r>
+              <a:rPr lang="en-US" dirty="0"/>
+              <a:t>, write down </a:t>
+            </a:r>
+          </a:p>
+          <a:p>
+            <a:pPr marL="0" indent="0">
+              <a:buNone/>
+            </a:pPr>
+            <a:endParaRPr lang="en-US" dirty="0"/>
+          </a:p>
+          <a:p>
+            <a:pPr marL="0" indent="0">
+              <a:buNone/>
+            </a:pPr>
+            <a:r>
+              <a:rPr lang="en-US" dirty="0"/>
+              <a:t>go to </a:t>
+            </a:r>
+            <a:r>
+              <a:rPr lang="en-US" dirty="0" err="1"/>
+              <a:t>uhd</a:t>
+            </a:r>
+            <a:r>
+              <a:rPr lang="en-US" dirty="0"/>
+              <a:t> repo -&gt; host</a:t>
+            </a:r>
+          </a:p>
+          <a:p>
+            <a:pPr marL="0" indent="0">
+              <a:buNone/>
+            </a:pPr>
+            <a:r>
+              <a:rPr lang="en-US" dirty="0" err="1"/>
+              <a:t>mkdir</a:t>
+            </a:r>
+            <a:r>
+              <a:rPr lang="en-US" dirty="0"/>
+              <a:t> build</a:t>
+            </a:r>
+          </a:p>
+          <a:p>
+            <a:pPr marL="0" indent="0">
+              <a:buNone/>
+            </a:pPr>
+            <a:endParaRPr lang="en-US" dirty="0"/>
+          </a:p>
+          <a:p>
+            <a:pPr marL="0" indent="0">
+              <a:buNone/>
+            </a:pPr>
+            <a:r>
+              <a:rPr lang="en-US" dirty="0" err="1"/>
+              <a:t>cmake</a:t>
+            </a:r>
+            <a:r>
+              <a:rPr lang="en-US" dirty="0"/>
+              <a:t> -DCMAKE_INSTALL_PREFIX=/n/</a:t>
+            </a:r>
+            <a:r>
+              <a:rPr lang="en-US" dirty="0" err="1"/>
+              <a:t>houghton</a:t>
+            </a:r>
+            <a:r>
+              <a:rPr lang="en-US" dirty="0"/>
+              <a:t>/z/</a:t>
+            </a:r>
+            <a:r>
+              <a:rPr lang="en-US" dirty="0" err="1"/>
+              <a:t>wangston</a:t>
+            </a:r>
+            <a:r>
+              <a:rPr lang="en-US" dirty="0"/>
+              <a:t>/.local/lib/uhd-4.5 ../</a:t>
+            </a:r>
+          </a:p>
+          <a:p>
+            <a:pPr marL="0" indent="0">
+              <a:buNone/>
+            </a:pPr>
+            <a:r>
+              <a:rPr lang="en-US" dirty="0"/>
+              <a:t>make</a:t>
+            </a:r>
+          </a:p>
+          <a:p>
+            <a:pPr marL="0" indent="0">
+              <a:buNone/>
+            </a:pPr>
+            <a:r>
+              <a:rPr lang="en-US" dirty="0"/>
+              <a:t>make install</a:t>
+            </a:r>
+          </a:p>
+        </p:txBody>
+      </p:sp>
+    </p:spTree>
+    <p:extLst>
+      <p:ext uri="{BB962C8B-B14F-4D97-AF65-F5344CB8AC3E}">
+        <p14:creationId xmlns:p14="http://schemas.microsoft.com/office/powerpoint/2010/main" val="305720106"/>
+      </p:ext>
+    </p:extLst>
+  </p:cSld>
+  <p:clrMapOvr>
+    <a:masterClrMapping/>
+  </p:clrMapOvr>
+</p:sld>
+</file>
+
+<file path=ppt/slides/slide54.xml><?xml version="1.0" encoding="utf-8"?>
+<p:sld xmlns:a="http://schemas.openxmlformats.org/drawingml/2006/main" xmlns:r="http://schemas.openxmlformats.org/officeDocument/2006/relationships" xmlns:p="http://schemas.openxmlformats.org/presentationml/2006/main">
+  <p:cSld>
+    <p:spTree>
+      <p:nvGrpSpPr>
+        <p:cNvPr id="1" name=""/>
+        <p:cNvGrpSpPr/>
+        <p:nvPr/>
+      </p:nvGrpSpPr>
+      <p:grpSpPr>
+        <a:xfrm>
+          <a:off x="0" y="0"/>
+          <a:ext cx="0" cy="0"/>
+          <a:chOff x="0" y="0"/>
+          <a:chExt cx="0" cy="0"/>
+        </a:xfrm>
+      </p:grpSpPr>
+      <p:sp>
+        <p:nvSpPr>
+          <p:cNvPr id="2" name="Title 1">
+            <a:extLst>
+              <a:ext uri="{FF2B5EF4-FFF2-40B4-BE49-F238E27FC236}">
+                <a16:creationId xmlns:a16="http://schemas.microsoft.com/office/drawing/2014/main" id="{2C097B19-1606-30B9-CA91-C023D72AD55D}"/>
+              </a:ext>
+            </a:extLst>
+          </p:cNvPr>
+          <p:cNvSpPr>
+            <a:spLocks noGrp="1"/>
+          </p:cNvSpPr>
+          <p:nvPr>
+            <p:ph type="title"/>
+          </p:nvPr>
+        </p:nvSpPr>
+        <p:spPr/>
+        <p:txBody>
+          <a:bodyPr/>
+          <a:lstStyle/>
+          <a:p>
+            <a:endParaRPr lang="en-US"/>
+          </a:p>
+        </p:txBody>
+      </p:sp>
+      <p:sp>
+        <p:nvSpPr>
+          <p:cNvPr id="3" name="Content Placeholder 2">
+            <a:extLst>
+              <a:ext uri="{FF2B5EF4-FFF2-40B4-BE49-F238E27FC236}">
+                <a16:creationId xmlns:a16="http://schemas.microsoft.com/office/drawing/2014/main" id="{3CF851D8-9697-0C7C-7C60-953E4129AFCC}"/>
+              </a:ext>
+            </a:extLst>
+          </p:cNvPr>
+          <p:cNvSpPr>
+            <a:spLocks noGrp="1"/>
+          </p:cNvSpPr>
+          <p:nvPr>
+            <p:ph idx="1"/>
+          </p:nvPr>
+        </p:nvSpPr>
+        <p:spPr/>
+        <p:txBody>
+          <a:bodyPr>
+            <a:normAutofit fontScale="55000" lnSpcReduction="20000"/>
+          </a:bodyPr>
+          <a:lstStyle/>
+          <a:p>
+            <a:r>
+              <a:rPr lang="en-US" dirty="0"/>
+              <a:t>Instructions.</a:t>
+            </a:r>
+          </a:p>
+          <a:p>
+            <a:r>
+              <a:rPr lang="en-US" dirty="0"/>
+              <a:t>After building the </a:t>
+            </a:r>
+            <a:r>
+              <a:rPr lang="en-US" dirty="0" err="1"/>
+              <a:t>uhd</a:t>
+            </a:r>
+            <a:r>
+              <a:rPr lang="en-US" dirty="0"/>
+              <a:t> at a location  "~/.local/lib/uhd-4.0"</a:t>
+            </a:r>
+          </a:p>
+          <a:p>
+            <a:endParaRPr lang="en-US" dirty="0"/>
+          </a:p>
+          <a:p>
+            <a:r>
+              <a:rPr lang="en-US" dirty="0"/>
+              <a:t>1. Add location to library path by adding this line to .</a:t>
+            </a:r>
+            <a:r>
+              <a:rPr lang="en-US" dirty="0" err="1"/>
+              <a:t>bashrc</a:t>
+            </a:r>
+            <a:r>
+              <a:rPr lang="en-US" dirty="0"/>
+              <a:t> or .</a:t>
+            </a:r>
+            <a:r>
+              <a:rPr lang="en-US" dirty="0" err="1"/>
+              <a:t>bash_alisases</a:t>
+            </a:r>
+            <a:r>
+              <a:rPr lang="en-US" dirty="0"/>
+              <a:t> </a:t>
+            </a:r>
+          </a:p>
+          <a:p>
+            <a:r>
+              <a:rPr lang="en-US" dirty="0"/>
+              <a:t>export LD_LIBRARY_PATH=~/.local/lib/uhd-4.0/lib:$LD_LIBRARY_PATH</a:t>
+            </a:r>
+          </a:p>
+          <a:p>
+            <a:endParaRPr lang="en-US" dirty="0"/>
+          </a:p>
+          <a:p>
+            <a:r>
+              <a:rPr lang="en-US" dirty="0"/>
+              <a:t>2. Now how to compile your programs with the </a:t>
+            </a:r>
+            <a:r>
+              <a:rPr lang="en-US" dirty="0" err="1"/>
+              <a:t>uhd</a:t>
+            </a:r>
+            <a:r>
+              <a:rPr lang="en-US" dirty="0"/>
+              <a:t> library that is installed</a:t>
+            </a:r>
+          </a:p>
+          <a:p>
+            <a:endParaRPr lang="en-US" dirty="0"/>
+          </a:p>
+          <a:p>
+            <a:r>
+              <a:rPr lang="en-US" dirty="0"/>
+              <a:t>go to your build folder and you will run </a:t>
+            </a:r>
+            <a:r>
+              <a:rPr lang="en-US" dirty="0" err="1"/>
+              <a:t>cmake</a:t>
+            </a:r>
+            <a:r>
+              <a:rPr lang="en-US" dirty="0"/>
+              <a:t> with the options -DCMAKE_INSTALL_PREFIX -DUHD_DIR -DUHD_INCLUDE_DIRS -DUHD_LIBRARIES and specify the path for them. use the stuff below as example</a:t>
+            </a:r>
+          </a:p>
+          <a:p>
+            <a:endParaRPr lang="en-US" dirty="0"/>
+          </a:p>
+          <a:p>
+            <a:r>
+              <a:rPr lang="en-US" dirty="0" err="1"/>
+              <a:t>cmake</a:t>
+            </a:r>
+            <a:r>
+              <a:rPr lang="en-US" dirty="0"/>
+              <a:t> -DCMAKE_INSTALL_PREFIX=~/.local/lib/uhd-4.0 -DUHD_DIR=~/.local/lib/uhd-4.0/lib/</a:t>
+            </a:r>
+            <a:r>
+              <a:rPr lang="en-US" dirty="0" err="1"/>
+              <a:t>cmake</a:t>
+            </a:r>
+            <a:r>
+              <a:rPr lang="en-US" dirty="0"/>
+              <a:t>/</a:t>
+            </a:r>
+            <a:r>
+              <a:rPr lang="en-US" dirty="0" err="1"/>
+              <a:t>uhd</a:t>
+            </a:r>
+            <a:r>
+              <a:rPr lang="en-US" dirty="0"/>
+              <a:t> -DUHD_INCLUDE_DIRS=~/.local/lib/uhd-4.0/include -DUHD_LIBRARIES=~/.local/lib/uhd-4.0/lib/libuhd.so ../</a:t>
+            </a:r>
+          </a:p>
+          <a:p>
+            <a:endParaRPr lang="en-US" dirty="0"/>
+          </a:p>
+          <a:p>
+            <a:r>
+              <a:rPr lang="en-US" dirty="0"/>
+              <a:t>then run make and you should be able to run your program. </a:t>
+            </a:r>
+          </a:p>
+        </p:txBody>
+      </p:sp>
+    </p:spTree>
+    <p:extLst>
+      <p:ext uri="{BB962C8B-B14F-4D97-AF65-F5344CB8AC3E}">
+        <p14:creationId xmlns:p14="http://schemas.microsoft.com/office/powerpoint/2010/main" val="3527016340"/>
+      </p:ext>
+    </p:extLst>
+  </p:cSld>
+  <p:clrMapOvr>
+    <a:masterClrMapping/>
+  </p:clrMapOvr>
+</p:sld>
+</file>
+
+<file path=ppt/slides/slide55.xml><?xml version="1.0" encoding="utf-8"?>
+<p:sld xmlns:a="http://schemas.openxmlformats.org/drawingml/2006/main" xmlns:r="http://schemas.openxmlformats.org/officeDocument/2006/relationships" xmlns:p="http://schemas.openxmlformats.org/presentationml/2006/main">
+  <p:cSld>
+    <p:spTree>
+      <p:nvGrpSpPr>
+        <p:cNvPr id="1" name=""/>
+        <p:cNvGrpSpPr/>
+        <p:nvPr/>
+      </p:nvGrpSpPr>
+      <p:grpSpPr>
+        <a:xfrm>
+          <a:off x="0" y="0"/>
+          <a:ext cx="0" cy="0"/>
+          <a:chOff x="0" y="0"/>
+          <a:chExt cx="0" cy="0"/>
+        </a:xfrm>
+      </p:grpSpPr>
+      <p:sp>
+        <p:nvSpPr>
+          <p:cNvPr id="2" name="Title 1">
+            <a:extLst>
+              <a:ext uri="{FF2B5EF4-FFF2-40B4-BE49-F238E27FC236}">
+                <a16:creationId xmlns:a16="http://schemas.microsoft.com/office/drawing/2014/main" id="{BB8B6AB5-34C2-F809-D2F6-B8B873B88DC2}"/>
+              </a:ext>
+            </a:extLst>
+          </p:cNvPr>
+          <p:cNvSpPr>
+            <a:spLocks noGrp="1"/>
+          </p:cNvSpPr>
+          <p:nvPr>
+            <p:ph type="title"/>
+          </p:nvPr>
+        </p:nvSpPr>
+        <p:spPr/>
+        <p:txBody>
+          <a:bodyPr/>
+          <a:lstStyle/>
+          <a:p>
+            <a:r>
+              <a:rPr lang="en-US" dirty="0"/>
+              <a:t>Working with USRP </a:t>
+            </a:r>
+            <a:r>
+              <a:rPr lang="en-US" dirty="0" err="1"/>
+              <a:t>c++</a:t>
+            </a:r>
+            <a:r>
+              <a:rPr lang="en-US" dirty="0"/>
+              <a:t> code</a:t>
+            </a:r>
+          </a:p>
+        </p:txBody>
+      </p:sp>
+      <p:sp>
+        <p:nvSpPr>
+          <p:cNvPr id="3" name="Content Placeholder 2">
+            <a:extLst>
+              <a:ext uri="{FF2B5EF4-FFF2-40B4-BE49-F238E27FC236}">
+                <a16:creationId xmlns:a16="http://schemas.microsoft.com/office/drawing/2014/main" id="{97A24664-3E5B-9BA7-8B0B-C064B43B215D}"/>
+              </a:ext>
+            </a:extLst>
+          </p:cNvPr>
+          <p:cNvSpPr>
+            <a:spLocks noGrp="1"/>
+          </p:cNvSpPr>
+          <p:nvPr>
+            <p:ph idx="1"/>
+          </p:nvPr>
+        </p:nvSpPr>
+        <p:spPr/>
+        <p:txBody>
+          <a:bodyPr/>
+          <a:lstStyle/>
+          <a:p>
+            <a:r>
+              <a:rPr lang="en-US" dirty="0">
+                <a:hlinkClick r:id="rId2"/>
+              </a:rPr>
+              <a:t>https://files.ettus.com/manual/classuhd_1_1usrp_1_1multi__usrp.html#a38b10a6bd2128b3810da229c60b31aa1</a:t>
+            </a:r>
+            <a:endParaRPr lang="en-US" dirty="0"/>
+          </a:p>
+          <a:p>
+            <a:r>
+              <a:rPr lang="en-US" dirty="0"/>
+              <a:t>https://files.ettus.com/manual/page_configuration.html</a:t>
+            </a:r>
+          </a:p>
+        </p:txBody>
+      </p:sp>
+    </p:spTree>
+    <p:extLst>
+      <p:ext uri="{BB962C8B-B14F-4D97-AF65-F5344CB8AC3E}">
+        <p14:creationId xmlns:p14="http://schemas.microsoft.com/office/powerpoint/2010/main" val="685194676"/>
+      </p:ext>
+    </p:extLst>
+  </p:cSld>
+  <p:clrMapOvr>
+    <a:masterClrMapping/>
+  </p:clrMapOvr>
+</p:sld>
+</file>
+
+<file path=ppt/slides/slide56.xml><?xml version="1.0" encoding="utf-8"?>
+<p:sld xmlns:a="http://schemas.openxmlformats.org/drawingml/2006/main" xmlns:r="http://schemas.openxmlformats.org/officeDocument/2006/relationships" xmlns:p="http://schemas.openxmlformats.org/presentationml/2006/main">
+  <p:cSld>
+    <p:spTree>
+      <p:nvGrpSpPr>
+        <p:cNvPr id="1" name=""/>
+        <p:cNvGrpSpPr/>
+        <p:nvPr/>
+      </p:nvGrpSpPr>
+      <p:grpSpPr>
+        <a:xfrm>
+          <a:off x="0" y="0"/>
+          <a:ext cx="0" cy="0"/>
+          <a:chOff x="0" y="0"/>
+          <a:chExt cx="0" cy="0"/>
+        </a:xfrm>
+      </p:grpSpPr>
+      <p:sp>
+        <p:nvSpPr>
+          <p:cNvPr id="2" name="Title 1">
+            <a:extLst>
+              <a:ext uri="{FF2B5EF4-FFF2-40B4-BE49-F238E27FC236}">
+                <a16:creationId xmlns:a16="http://schemas.microsoft.com/office/drawing/2014/main" id="{F969C23B-1247-88EB-CACF-4EA658112384}"/>
+              </a:ext>
+            </a:extLst>
+          </p:cNvPr>
+          <p:cNvSpPr>
+            <a:spLocks noGrp="1"/>
+          </p:cNvSpPr>
+          <p:nvPr>
+            <p:ph type="title"/>
+          </p:nvPr>
+        </p:nvSpPr>
+        <p:spPr/>
+        <p:txBody>
+          <a:bodyPr/>
+          <a:lstStyle/>
+          <a:p>
+            <a:r>
+              <a:rPr lang="en-US" dirty="0"/>
+              <a:t>Loopback params</a:t>
+            </a:r>
+          </a:p>
+        </p:txBody>
+      </p:sp>
+      <p:sp>
+        <p:nvSpPr>
+          <p:cNvPr id="3" name="Content Placeholder 2">
+            <a:extLst>
+              <a:ext uri="{FF2B5EF4-FFF2-40B4-BE49-F238E27FC236}">
+                <a16:creationId xmlns:a16="http://schemas.microsoft.com/office/drawing/2014/main" id="{127D9C7F-8289-2787-26A9-FA3470CF4BEE}"/>
+              </a:ext>
+            </a:extLst>
+          </p:cNvPr>
+          <p:cNvSpPr>
+            <a:spLocks noGrp="1"/>
+          </p:cNvSpPr>
+          <p:nvPr>
+            <p:ph idx="1"/>
+          </p:nvPr>
+        </p:nvSpPr>
+        <p:spPr/>
+        <p:txBody>
+          <a:bodyPr/>
+          <a:lstStyle/>
+          <a:p>
+            <a:pPr marL="0" indent="0">
+              <a:buNone/>
+            </a:pPr>
+            <a:r>
+              <a:rPr lang="en-US" dirty="0"/>
+              <a:t>Loopback, 8 inch wire, 30dB attenuator (</a:t>
+            </a:r>
+            <a:r>
+              <a:rPr lang="en-US" dirty="0" err="1"/>
+              <a:t>tx</a:t>
+            </a:r>
+            <a:r>
+              <a:rPr lang="en-US" dirty="0"/>
+              <a:t>/</a:t>
+            </a:r>
+            <a:r>
+              <a:rPr lang="en-US" dirty="0" err="1"/>
+              <a:t>rx</a:t>
+            </a:r>
+            <a:r>
+              <a:rPr lang="en-US" dirty="0"/>
+              <a:t> gain = 0)</a:t>
+            </a:r>
+          </a:p>
+          <a:p>
+            <a:pPr marL="0" indent="0">
+              <a:buNone/>
+            </a:pPr>
+            <a:r>
+              <a:rPr lang="nb-NO" dirty="0"/>
+              <a:t>Setting TX Freq: 2400.000000 MHz..</a:t>
+            </a:r>
+            <a:endParaRPr lang="en-US" dirty="0"/>
+          </a:p>
+          <a:p>
+            <a:pPr marL="0" indent="0">
+              <a:buNone/>
+            </a:pPr>
+            <a:r>
+              <a:rPr lang="de-DE" dirty="0"/>
+              <a:t>D_hat= 119, EsN0= 14.8833, h_hat : abs= 0.439122 arg= 3.12618</a:t>
+            </a:r>
+          </a:p>
+          <a:p>
+            <a:pPr marL="0" indent="0">
+              <a:buNone/>
+            </a:pPr>
+            <a:r>
+              <a:rPr lang="de-DE" dirty="0"/>
+              <a:t>Attenuators dont affect delay</a:t>
+            </a:r>
+          </a:p>
+          <a:p>
+            <a:pPr marL="0" indent="0">
+              <a:buNone/>
+            </a:pPr>
+            <a:r>
+              <a:rPr lang="de-DE" dirty="0"/>
+              <a:t>rx/tx gain dont affect delay</a:t>
+            </a:r>
+          </a:p>
+          <a:p>
+            <a:pPr marL="0" indent="0">
+              <a:buNone/>
+            </a:pPr>
+            <a:r>
+              <a:rPr lang="de-DE" dirty="0"/>
+              <a:t> freq doesnt affect delay</a:t>
+            </a:r>
+            <a:endParaRPr lang="en-US" dirty="0"/>
+          </a:p>
+        </p:txBody>
+      </p:sp>
+    </p:spTree>
+    <p:extLst>
+      <p:ext uri="{BB962C8B-B14F-4D97-AF65-F5344CB8AC3E}">
+        <p14:creationId xmlns:p14="http://schemas.microsoft.com/office/powerpoint/2010/main" val="2591630338"/>
+      </p:ext>
+    </p:extLst>
+  </p:cSld>
+  <p:clrMapOvr>
+    <a:masterClrMapping/>
+  </p:clrMapOvr>
+</p:sld>
+</file>
+
+<file path=ppt/slides/slide57.xml><?xml version="1.0" encoding="utf-8"?>
+<p:sld xmlns:a="http://schemas.openxmlformats.org/drawingml/2006/main" xmlns:r="http://schemas.openxmlformats.org/officeDocument/2006/relationships" xmlns:p="http://schemas.openxmlformats.org/presentationml/2006/main">
+  <p:cSld>
+    <p:spTree>
+      <p:nvGrpSpPr>
+        <p:cNvPr id="1" name=""/>
+        <p:cNvGrpSpPr/>
+        <p:nvPr/>
+      </p:nvGrpSpPr>
+      <p:grpSpPr>
+        <a:xfrm>
+          <a:off x="0" y="0"/>
+          <a:ext cx="0" cy="0"/>
+          <a:chOff x="0" y="0"/>
+          <a:chExt cx="0" cy="0"/>
+        </a:xfrm>
+      </p:grpSpPr>
+      <p:sp>
+        <p:nvSpPr>
+          <p:cNvPr id="2" name="Title 1">
+            <a:extLst>
+              <a:ext uri="{FF2B5EF4-FFF2-40B4-BE49-F238E27FC236}">
                 <a16:creationId xmlns:a16="http://schemas.microsoft.com/office/drawing/2014/main" id="{2D3DB7C2-72CC-4CB8-F6B1-A36EA5A24BF9}"/>
               </a:ext>
             </a:extLst>
@@ -14126,7 +15261,673 @@
 </p:sld>
 </file>
 
-<file path=ppt/slides/slide52.xml><?xml version="1.0" encoding="utf-8"?>
+<file path=ppt/slides/slide58.xml><?xml version="1.0" encoding="utf-8"?>
+<p:sld xmlns:a="http://schemas.openxmlformats.org/drawingml/2006/main" xmlns:r="http://schemas.openxmlformats.org/officeDocument/2006/relationships" xmlns:p="http://schemas.openxmlformats.org/presentationml/2006/main">
+  <p:cSld>
+    <p:spTree>
+      <p:nvGrpSpPr>
+        <p:cNvPr id="1" name=""/>
+        <p:cNvGrpSpPr/>
+        <p:nvPr/>
+      </p:nvGrpSpPr>
+      <p:grpSpPr>
+        <a:xfrm>
+          <a:off x="0" y="0"/>
+          <a:ext cx="0" cy="0"/>
+          <a:chOff x="0" y="0"/>
+          <a:chExt cx="0" cy="0"/>
+        </a:xfrm>
+      </p:grpSpPr>
+      <p:sp>
+        <p:nvSpPr>
+          <p:cNvPr id="2" name="Title 1">
+            <a:extLst>
+              <a:ext uri="{FF2B5EF4-FFF2-40B4-BE49-F238E27FC236}">
+                <a16:creationId xmlns:a16="http://schemas.microsoft.com/office/drawing/2014/main" id="{EA4EE769-A799-B348-81BB-79529D618521}"/>
+              </a:ext>
+            </a:extLst>
+          </p:cNvPr>
+          <p:cNvSpPr>
+            <a:spLocks noGrp="1"/>
+          </p:cNvSpPr>
+          <p:nvPr>
+            <p:ph type="title"/>
+          </p:nvPr>
+        </p:nvSpPr>
+        <p:spPr/>
+        <p:txBody>
+          <a:bodyPr/>
+          <a:lstStyle/>
+          <a:p>
+            <a:r>
+              <a:rPr lang="en-US" dirty="0"/>
+              <a:t>Multiple function outputs</a:t>
+            </a:r>
+          </a:p>
+        </p:txBody>
+      </p:sp>
+      <p:sp>
+        <p:nvSpPr>
+          <p:cNvPr id="3" name="Content Placeholder 2">
+            <a:extLst>
+              <a:ext uri="{FF2B5EF4-FFF2-40B4-BE49-F238E27FC236}">
+                <a16:creationId xmlns:a16="http://schemas.microsoft.com/office/drawing/2014/main" id="{6F5C566B-6FE3-165F-C7B0-3FA10A49A99B}"/>
+              </a:ext>
+            </a:extLst>
+          </p:cNvPr>
+          <p:cNvSpPr>
+            <a:spLocks noGrp="1"/>
+          </p:cNvSpPr>
+          <p:nvPr>
+            <p:ph idx="1"/>
+          </p:nvPr>
+        </p:nvSpPr>
+        <p:spPr/>
+        <p:txBody>
+          <a:bodyPr>
+            <a:normAutofit fontScale="62500" lnSpcReduction="20000"/>
+          </a:bodyPr>
+          <a:lstStyle/>
+          <a:p>
+            <a:pPr marL="0" indent="0">
+              <a:buNone/>
+            </a:pPr>
+            <a:endParaRPr lang="en-US" dirty="0">
+              <a:hlinkClick r:id="rId2"/>
+            </a:endParaRPr>
+          </a:p>
+          <a:p>
+            <a:pPr marL="0" indent="0">
+              <a:buNone/>
+            </a:pPr>
+            <a:r>
+              <a:rPr lang="en-US" dirty="0"/>
+              <a:t>struct Velocity {</a:t>
+            </a:r>
+          </a:p>
+          <a:p>
+            <a:pPr marL="0" indent="0">
+              <a:buNone/>
+            </a:pPr>
+            <a:r>
+              <a:rPr lang="en-US" dirty="0"/>
+              <a:t>    double speed;</a:t>
+            </a:r>
+          </a:p>
+          <a:p>
+            <a:pPr marL="0" indent="0">
+              <a:buNone/>
+            </a:pPr>
+            <a:r>
+              <a:rPr lang="en-US" dirty="0"/>
+              <a:t>    double azimuth;</a:t>
+            </a:r>
+          </a:p>
+          <a:p>
+            <a:pPr marL="0" indent="0">
+              <a:buNone/>
+            </a:pPr>
+            <a:r>
+              <a:rPr lang="en-US" dirty="0"/>
+              <a:t>};</a:t>
+            </a:r>
+          </a:p>
+          <a:p>
+            <a:pPr marL="0" indent="0">
+              <a:buNone/>
+            </a:pPr>
+            <a:r>
+              <a:rPr lang="en-US" dirty="0"/>
+              <a:t>Velocity </a:t>
+            </a:r>
+            <a:r>
+              <a:rPr lang="en-US" dirty="0" err="1"/>
+              <a:t>calculateResultingVelocity</a:t>
+            </a:r>
+            <a:r>
+              <a:rPr lang="en-US" dirty="0"/>
+              <a:t>(double </a:t>
+            </a:r>
+            <a:r>
+              <a:rPr lang="en-US" dirty="0" err="1"/>
+              <a:t>windSpeed</a:t>
+            </a:r>
+            <a:r>
+              <a:rPr lang="en-US" dirty="0"/>
+              <a:t>, double </a:t>
+            </a:r>
+            <a:r>
+              <a:rPr lang="en-US" dirty="0" err="1"/>
+              <a:t>windAzimuth</a:t>
+            </a:r>
+            <a:r>
+              <a:rPr lang="en-US" dirty="0"/>
+              <a:t>,</a:t>
+            </a:r>
+          </a:p>
+          <a:p>
+            <a:pPr marL="0" indent="0">
+              <a:buNone/>
+            </a:pPr>
+            <a:r>
+              <a:rPr lang="en-US" dirty="0"/>
+              <a:t>                                    double </a:t>
+            </a:r>
+            <a:r>
+              <a:rPr lang="en-US" dirty="0" err="1"/>
+              <a:t>planeAirspeed</a:t>
+            </a:r>
+            <a:r>
+              <a:rPr lang="en-US" dirty="0"/>
+              <a:t>, double </a:t>
+            </a:r>
+            <a:r>
+              <a:rPr lang="en-US" dirty="0" err="1"/>
+              <a:t>planeCourse</a:t>
+            </a:r>
+            <a:r>
+              <a:rPr lang="en-US" dirty="0"/>
+              <a:t>);</a:t>
+            </a:r>
+          </a:p>
+          <a:p>
+            <a:pPr marL="0" indent="0">
+              <a:buNone/>
+            </a:pPr>
+            <a:endParaRPr lang="en-US" dirty="0"/>
+          </a:p>
+          <a:p>
+            <a:pPr marL="0" indent="0">
+              <a:buNone/>
+            </a:pPr>
+            <a:r>
+              <a:rPr lang="en-US" dirty="0"/>
+              <a:t>Velocity result = </a:t>
+            </a:r>
+            <a:r>
+              <a:rPr lang="en-US" dirty="0" err="1"/>
+              <a:t>calculateResultingVelocity</a:t>
+            </a:r>
+            <a:r>
+              <a:rPr lang="en-US" dirty="0"/>
+              <a:t>(25, 320, 280, 90);</a:t>
+            </a:r>
+          </a:p>
+          <a:p>
+            <a:pPr marL="0" indent="0">
+              <a:buNone/>
+            </a:pPr>
+            <a:r>
+              <a:rPr lang="en-US" dirty="0" err="1"/>
+              <a:t>cout</a:t>
+            </a:r>
+            <a:r>
+              <a:rPr lang="en-US" dirty="0"/>
+              <a:t> &lt;&lt; </a:t>
+            </a:r>
+            <a:r>
+              <a:rPr lang="en-US" dirty="0" err="1"/>
+              <a:t>result.speed</a:t>
+            </a:r>
+            <a:r>
+              <a:rPr lang="en-US" dirty="0"/>
+              <a:t> &lt;&lt; </a:t>
+            </a:r>
+            <a:r>
+              <a:rPr lang="en-US" dirty="0" err="1"/>
+              <a:t>endl</a:t>
+            </a:r>
+            <a:r>
+              <a:rPr lang="en-US" dirty="0"/>
+              <a:t>;</a:t>
+            </a:r>
+          </a:p>
+          <a:p>
+            <a:pPr marL="0" indent="0">
+              <a:buNone/>
+            </a:pPr>
+            <a:r>
+              <a:rPr lang="en-US" dirty="0" err="1"/>
+              <a:t>cout</a:t>
+            </a:r>
+            <a:r>
+              <a:rPr lang="en-US" dirty="0"/>
+              <a:t> &lt;&lt; </a:t>
+            </a:r>
+            <a:r>
+              <a:rPr lang="en-US" dirty="0" err="1"/>
+              <a:t>result.azimuth</a:t>
+            </a:r>
+            <a:r>
+              <a:rPr lang="en-US" dirty="0"/>
+              <a:t> &lt;&lt; </a:t>
+            </a:r>
+            <a:r>
+              <a:rPr lang="en-US" dirty="0" err="1"/>
+              <a:t>endl</a:t>
+            </a:r>
+            <a:r>
+              <a:rPr lang="en-US" dirty="0"/>
+              <a:t>;</a:t>
+            </a:r>
+          </a:p>
+          <a:p>
+            <a:endParaRPr lang="en-US" dirty="0">
+              <a:hlinkClick r:id="rId2"/>
+            </a:endParaRPr>
+          </a:p>
+          <a:p>
+            <a:r>
+              <a:rPr lang="en-US" dirty="0">
+                <a:hlinkClick r:id="rId2"/>
+              </a:rPr>
+              <a:t>https://stackoverflow.com/a/321431/21885057</a:t>
+            </a:r>
+            <a:r>
+              <a:rPr lang="en-US" dirty="0"/>
+              <a:t> </a:t>
+            </a:r>
+          </a:p>
+        </p:txBody>
+      </p:sp>
+    </p:spTree>
+    <p:extLst>
+      <p:ext uri="{BB962C8B-B14F-4D97-AF65-F5344CB8AC3E}">
+        <p14:creationId xmlns:p14="http://schemas.microsoft.com/office/powerpoint/2010/main" val="354209143"/>
+      </p:ext>
+    </p:extLst>
+  </p:cSld>
+  <p:clrMapOvr>
+    <a:masterClrMapping/>
+  </p:clrMapOvr>
+</p:sld>
+</file>
+
+<file path=ppt/slides/slide59.xml><?xml version="1.0" encoding="utf-8"?>
+<p:sld xmlns:a="http://schemas.openxmlformats.org/drawingml/2006/main" xmlns:r="http://schemas.openxmlformats.org/officeDocument/2006/relationships" xmlns:p="http://schemas.openxmlformats.org/presentationml/2006/main">
+  <p:cSld>
+    <p:spTree>
+      <p:nvGrpSpPr>
+        <p:cNvPr id="1" name=""/>
+        <p:cNvGrpSpPr/>
+        <p:nvPr/>
+      </p:nvGrpSpPr>
+      <p:grpSpPr>
+        <a:xfrm>
+          <a:off x="0" y="0"/>
+          <a:ext cx="0" cy="0"/>
+          <a:chOff x="0" y="0"/>
+          <a:chExt cx="0" cy="0"/>
+        </a:xfrm>
+      </p:grpSpPr>
+      <p:sp>
+        <p:nvSpPr>
+          <p:cNvPr id="2" name="Title 1">
+            <a:extLst>
+              <a:ext uri="{FF2B5EF4-FFF2-40B4-BE49-F238E27FC236}">
+                <a16:creationId xmlns:a16="http://schemas.microsoft.com/office/drawing/2014/main" id="{4AEB3E3D-0FF1-01AD-BDC0-2499F9F2AA4F}"/>
+              </a:ext>
+            </a:extLst>
+          </p:cNvPr>
+          <p:cNvSpPr>
+            <a:spLocks noGrp="1"/>
+          </p:cNvSpPr>
+          <p:nvPr>
+            <p:ph type="title"/>
+          </p:nvPr>
+        </p:nvSpPr>
+        <p:spPr/>
+        <p:txBody>
+          <a:bodyPr/>
+          <a:lstStyle/>
+          <a:p>
+            <a:endParaRPr lang="en-US"/>
+          </a:p>
+        </p:txBody>
+      </p:sp>
+      <p:sp>
+        <p:nvSpPr>
+          <p:cNvPr id="3" name="Content Placeholder 2">
+            <a:extLst>
+              <a:ext uri="{FF2B5EF4-FFF2-40B4-BE49-F238E27FC236}">
+                <a16:creationId xmlns:a16="http://schemas.microsoft.com/office/drawing/2014/main" id="{1A6F03DE-AA6E-1F8D-1C2C-049856AC4E47}"/>
+              </a:ext>
+            </a:extLst>
+          </p:cNvPr>
+          <p:cNvSpPr>
+            <a:spLocks noGrp="1"/>
+          </p:cNvSpPr>
+          <p:nvPr>
+            <p:ph idx="1"/>
+          </p:nvPr>
+        </p:nvSpPr>
+        <p:spPr/>
+        <p:txBody>
+          <a:bodyPr>
+            <a:normAutofit fontScale="92500" lnSpcReduction="20000"/>
+          </a:bodyPr>
+          <a:lstStyle/>
+          <a:p>
+            <a:pPr marL="0" indent="0">
+              <a:buNone/>
+            </a:pPr>
+            <a:r>
+              <a:rPr lang="en-US" dirty="0"/>
+              <a:t>struct Velocity {</a:t>
+            </a:r>
+          </a:p>
+          <a:p>
+            <a:pPr marL="0" indent="0">
+              <a:buNone/>
+            </a:pPr>
+            <a:r>
+              <a:rPr lang="en-US" dirty="0"/>
+              <a:t>    double speed;</a:t>
+            </a:r>
+          </a:p>
+          <a:p>
+            <a:pPr marL="0" indent="0">
+              <a:buNone/>
+            </a:pPr>
+            <a:r>
+              <a:rPr lang="en-US" dirty="0"/>
+              <a:t>    double azimuth;</a:t>
+            </a:r>
+          </a:p>
+          <a:p>
+            <a:pPr marL="0" indent="0">
+              <a:buNone/>
+            </a:pPr>
+            <a:r>
+              <a:rPr lang="en-US" dirty="0"/>
+              <a:t>};</a:t>
+            </a:r>
+          </a:p>
+          <a:p>
+            <a:pPr marL="0" indent="0">
+              <a:buNone/>
+            </a:pPr>
+            <a:r>
+              <a:rPr lang="en-US" dirty="0"/>
+              <a:t>Velocity </a:t>
+            </a:r>
+            <a:r>
+              <a:rPr lang="en-US" dirty="0" err="1"/>
+              <a:t>calculateResultingVelocity</a:t>
+            </a:r>
+            <a:r>
+              <a:rPr lang="en-US" dirty="0"/>
+              <a:t>(double </a:t>
+            </a:r>
+            <a:r>
+              <a:rPr lang="en-US" dirty="0" err="1"/>
+              <a:t>windSpeed</a:t>
+            </a:r>
+            <a:r>
+              <a:rPr lang="en-US" dirty="0"/>
+              <a:t>, double </a:t>
+            </a:r>
+            <a:r>
+              <a:rPr lang="en-US" dirty="0" err="1"/>
+              <a:t>windAzimuth</a:t>
+            </a:r>
+            <a:r>
+              <a:rPr lang="en-US" dirty="0"/>
+              <a:t>,</a:t>
+            </a:r>
+          </a:p>
+          <a:p>
+            <a:pPr marL="0" indent="0">
+              <a:buNone/>
+            </a:pPr>
+            <a:r>
+              <a:rPr lang="en-US" dirty="0"/>
+              <a:t>                                    double </a:t>
+            </a:r>
+            <a:r>
+              <a:rPr lang="en-US" dirty="0" err="1"/>
+              <a:t>planeAirspeed</a:t>
+            </a:r>
+            <a:r>
+              <a:rPr lang="en-US" dirty="0"/>
+              <a:t>, double </a:t>
+            </a:r>
+            <a:r>
+              <a:rPr lang="en-US" dirty="0" err="1"/>
+              <a:t>planeCourse</a:t>
+            </a:r>
+            <a:r>
+              <a:rPr lang="en-US" dirty="0"/>
+              <a:t>);</a:t>
+            </a:r>
+          </a:p>
+          <a:p>
+            <a:pPr marL="0" indent="0">
+              <a:buNone/>
+            </a:pPr>
+            <a:endParaRPr lang="en-US" dirty="0"/>
+          </a:p>
+          <a:p>
+            <a:pPr marL="0" indent="0">
+              <a:buNone/>
+            </a:pPr>
+            <a:r>
+              <a:rPr lang="en-US" dirty="0"/>
+              <a:t>Velocity result = </a:t>
+            </a:r>
+            <a:r>
+              <a:rPr lang="en-US" dirty="0" err="1"/>
+              <a:t>calculateResultingVelocity</a:t>
+            </a:r>
+            <a:r>
+              <a:rPr lang="en-US" dirty="0"/>
+              <a:t>(25, 320, 280, 90);</a:t>
+            </a:r>
+          </a:p>
+          <a:p>
+            <a:pPr marL="0" indent="0">
+              <a:buNone/>
+            </a:pPr>
+            <a:r>
+              <a:rPr lang="en-US" dirty="0" err="1"/>
+              <a:t>cout</a:t>
+            </a:r>
+            <a:r>
+              <a:rPr lang="en-US" dirty="0"/>
+              <a:t> &lt;&lt; </a:t>
+            </a:r>
+            <a:r>
+              <a:rPr lang="en-US" dirty="0" err="1"/>
+              <a:t>result.speed</a:t>
+            </a:r>
+            <a:r>
+              <a:rPr lang="en-US" dirty="0"/>
+              <a:t> &lt;&lt; </a:t>
+            </a:r>
+            <a:r>
+              <a:rPr lang="en-US" dirty="0" err="1"/>
+              <a:t>endl</a:t>
+            </a:r>
+            <a:r>
+              <a:rPr lang="en-US" dirty="0"/>
+              <a:t>;</a:t>
+            </a:r>
+          </a:p>
+          <a:p>
+            <a:pPr marL="0" indent="0">
+              <a:buNone/>
+            </a:pPr>
+            <a:r>
+              <a:rPr lang="en-US" dirty="0" err="1"/>
+              <a:t>cout</a:t>
+            </a:r>
+            <a:r>
+              <a:rPr lang="en-US" dirty="0"/>
+              <a:t> &lt;&lt; </a:t>
+            </a:r>
+            <a:r>
+              <a:rPr lang="en-US" dirty="0" err="1"/>
+              <a:t>result.azimuth</a:t>
+            </a:r>
+            <a:r>
+              <a:rPr lang="en-US" dirty="0"/>
+              <a:t> &lt;&lt; </a:t>
+            </a:r>
+            <a:r>
+              <a:rPr lang="en-US" dirty="0" err="1"/>
+              <a:t>endl</a:t>
+            </a:r>
+            <a:r>
+              <a:rPr lang="en-US" dirty="0"/>
+              <a:t>;</a:t>
+            </a:r>
+          </a:p>
+        </p:txBody>
+      </p:sp>
+    </p:spTree>
+    <p:extLst>
+      <p:ext uri="{BB962C8B-B14F-4D97-AF65-F5344CB8AC3E}">
+        <p14:creationId xmlns:p14="http://schemas.microsoft.com/office/powerpoint/2010/main" val="623889829"/>
+      </p:ext>
+    </p:extLst>
+  </p:cSld>
+  <p:clrMapOvr>
+    <a:masterClrMapping/>
+  </p:clrMapOvr>
+</p:sld>
+</file>
+
+<file path=ppt/slides/slide6.xml><?xml version="1.0" encoding="utf-8"?>
+<p:sld xmlns:a="http://schemas.openxmlformats.org/drawingml/2006/main" xmlns:r="http://schemas.openxmlformats.org/officeDocument/2006/relationships" xmlns:p="http://schemas.openxmlformats.org/presentationml/2006/main">
+  <p:cSld>
+    <p:spTree>
+      <p:nvGrpSpPr>
+        <p:cNvPr id="1" name=""/>
+        <p:cNvGrpSpPr/>
+        <p:nvPr/>
+      </p:nvGrpSpPr>
+      <p:grpSpPr>
+        <a:xfrm>
+          <a:off x="0" y="0"/>
+          <a:ext cx="0" cy="0"/>
+          <a:chOff x="0" y="0"/>
+          <a:chExt cx="0" cy="0"/>
+        </a:xfrm>
+      </p:grpSpPr>
+      <p:sp>
+        <p:nvSpPr>
+          <p:cNvPr id="2" name="Title 1">
+            <a:extLst>
+              <a:ext uri="{FF2B5EF4-FFF2-40B4-BE49-F238E27FC236}">
+                <a16:creationId xmlns:a16="http://schemas.microsoft.com/office/drawing/2014/main" id="{EABE1E34-C39A-6DDE-C552-6745E46FEB80}"/>
+              </a:ext>
+            </a:extLst>
+          </p:cNvPr>
+          <p:cNvSpPr>
+            <a:spLocks noGrp="1"/>
+          </p:cNvSpPr>
+          <p:nvPr>
+            <p:ph type="title"/>
+          </p:nvPr>
+        </p:nvSpPr>
+        <p:spPr/>
+        <p:txBody>
+          <a:bodyPr/>
+          <a:lstStyle/>
+          <a:p>
+            <a:r>
+              <a:rPr lang="en-US" dirty="0"/>
+              <a:t>What we want</a:t>
+            </a:r>
+          </a:p>
+        </p:txBody>
+      </p:sp>
+      <p:sp>
+        <p:nvSpPr>
+          <p:cNvPr id="3" name="Content Placeholder 2">
+            <a:extLst>
+              <a:ext uri="{FF2B5EF4-FFF2-40B4-BE49-F238E27FC236}">
+                <a16:creationId xmlns:a16="http://schemas.microsoft.com/office/drawing/2014/main" id="{BD3F3652-AE8E-6212-E047-F41733D02EA0}"/>
+              </a:ext>
+            </a:extLst>
+          </p:cNvPr>
+          <p:cNvSpPr>
+            <a:spLocks noGrp="1"/>
+          </p:cNvSpPr>
+          <p:nvPr>
+            <p:ph idx="1"/>
+          </p:nvPr>
+        </p:nvSpPr>
+        <p:spPr/>
+        <p:txBody>
+          <a:bodyPr/>
+          <a:lstStyle/>
+          <a:p>
+            <a:r>
+              <a:rPr lang="en-US" dirty="0"/>
+              <a:t>What the minimum amount of stuff we must deal with to make a prototype?</a:t>
+            </a:r>
+          </a:p>
+          <a:p>
+            <a:pPr lvl="1"/>
+            <a:r>
+              <a:rPr lang="en-US" dirty="0"/>
+              <a:t>We want an Analog front end/data converters, an FGPA, and a way to interface with a host device.</a:t>
+            </a:r>
+          </a:p>
+          <a:p>
+            <a:pPr lvl="2"/>
+            <a:r>
+              <a:rPr lang="en-US" dirty="0"/>
+              <a:t>Some radio nonideality corrections would be nice as well</a:t>
+            </a:r>
+          </a:p>
+        </p:txBody>
+      </p:sp>
+      <p:pic>
+        <p:nvPicPr>
+          <p:cNvPr id="5" name="Picture 4">
+            <a:extLst>
+              <a:ext uri="{FF2B5EF4-FFF2-40B4-BE49-F238E27FC236}">
+                <a16:creationId xmlns:a16="http://schemas.microsoft.com/office/drawing/2014/main" id="{F32579A7-F3BD-89E6-397D-8F83C282E7D8}"/>
+              </a:ext>
+            </a:extLst>
+          </p:cNvPr>
+          <p:cNvPicPr>
+            <a:picLocks noChangeAspect="1"/>
+          </p:cNvPicPr>
+          <p:nvPr/>
+        </p:nvPicPr>
+        <p:blipFill>
+          <a:blip r:embed="rId2"/>
+          <a:stretch>
+            <a:fillRect/>
+          </a:stretch>
+        </p:blipFill>
+        <p:spPr>
+          <a:xfrm>
+            <a:off x="5412508" y="3682252"/>
+            <a:ext cx="6299202" cy="3175748"/>
+          </a:xfrm>
+          <a:prstGeom prst="rect">
+            <a:avLst/>
+          </a:prstGeom>
+        </p:spPr>
+      </p:pic>
+    </p:spTree>
+    <p:extLst>
+      <p:ext uri="{BB962C8B-B14F-4D97-AF65-F5344CB8AC3E}">
+        <p14:creationId xmlns:p14="http://schemas.microsoft.com/office/powerpoint/2010/main" val="1825983147"/>
+      </p:ext>
+    </p:extLst>
+  </p:cSld>
+  <p:clrMapOvr>
+    <a:masterClrMapping/>
+  </p:clrMapOvr>
+</p:sld>
+</file>
+
+<file path=ppt/slides/slide60.xml><?xml version="1.0" encoding="utf-8"?>
 <p:sld xmlns:a="http://schemas.openxmlformats.org/drawingml/2006/main" xmlns:r="http://schemas.openxmlformats.org/officeDocument/2006/relationships" xmlns:p="http://schemas.openxmlformats.org/presentationml/2006/main">
   <p:cSld>
     <p:spTree>
@@ -14291,7 +16092,7 @@
 </p:sld>
 </file>
 
-<file path=ppt/slides/slide53.xml><?xml version="1.0" encoding="utf-8"?>
+<file path=ppt/slides/slide61.xml><?xml version="1.0" encoding="utf-8"?>
 <p:sld xmlns:a="http://schemas.openxmlformats.org/drawingml/2006/main" xmlns:r="http://schemas.openxmlformats.org/officeDocument/2006/relationships" xmlns:p="http://schemas.openxmlformats.org/presentationml/2006/main">
   <p:cSld>
     <p:spTree>
@@ -14488,7 +16289,7 @@
 </p:sld>
 </file>
 
-<file path=ppt/slides/slide54.xml><?xml version="1.0" encoding="utf-8"?>
+<file path=ppt/slides/slide62.xml><?xml version="1.0" encoding="utf-8"?>
 <p:sld xmlns:a="http://schemas.openxmlformats.org/drawingml/2006/main" xmlns:r="http://schemas.openxmlformats.org/officeDocument/2006/relationships" xmlns:p="http://schemas.openxmlformats.org/presentationml/2006/main">
   <p:cSld>
     <p:spTree>
@@ -14641,136 +16442,6 @@
     <p:extLst>
       <p:ext uri="{BB962C8B-B14F-4D97-AF65-F5344CB8AC3E}">
         <p14:creationId xmlns:p14="http://schemas.microsoft.com/office/powerpoint/2010/main" val="2247479636"/>
-      </p:ext>
-    </p:extLst>
-  </p:cSld>
-  <p:clrMapOvr>
-    <a:masterClrMapping/>
-  </p:clrMapOvr>
-</p:sld>
-</file>
-
-<file path=ppt/slides/slide6.xml><?xml version="1.0" encoding="utf-8"?>
-<p:sld xmlns:a="http://schemas.openxmlformats.org/drawingml/2006/main" xmlns:r="http://schemas.openxmlformats.org/officeDocument/2006/relationships" xmlns:p="http://schemas.openxmlformats.org/presentationml/2006/main">
-  <p:cSld>
-    <p:spTree>
-      <p:nvGrpSpPr>
-        <p:cNvPr id="1" name=""/>
-        <p:cNvGrpSpPr/>
-        <p:nvPr/>
-      </p:nvGrpSpPr>
-      <p:grpSpPr>
-        <a:xfrm>
-          <a:off x="0" y="0"/>
-          <a:ext cx="0" cy="0"/>
-          <a:chOff x="0" y="0"/>
-          <a:chExt cx="0" cy="0"/>
-        </a:xfrm>
-      </p:grpSpPr>
-      <p:sp>
-        <p:nvSpPr>
-          <p:cNvPr id="2" name="Title 1">
-            <a:extLst>
-              <a:ext uri="{FF2B5EF4-FFF2-40B4-BE49-F238E27FC236}">
-                <a16:creationId xmlns:a16="http://schemas.microsoft.com/office/drawing/2014/main" id="{EABE1E34-C39A-6DDE-C552-6745E46FEB80}"/>
-              </a:ext>
-            </a:extLst>
-          </p:cNvPr>
-          <p:cNvSpPr>
-            <a:spLocks noGrp="1"/>
-          </p:cNvSpPr>
-          <p:nvPr>
-            <p:ph type="title"/>
-          </p:nvPr>
-        </p:nvSpPr>
-        <p:spPr/>
-        <p:txBody>
-          <a:bodyPr/>
-          <a:lstStyle/>
-          <a:p>
-            <a:r>
-              <a:rPr lang="en-US" dirty="0"/>
-              <a:t>What we want</a:t>
-            </a:r>
-          </a:p>
-        </p:txBody>
-      </p:sp>
-      <p:sp>
-        <p:nvSpPr>
-          <p:cNvPr id="3" name="Content Placeholder 2">
-            <a:extLst>
-              <a:ext uri="{FF2B5EF4-FFF2-40B4-BE49-F238E27FC236}">
-                <a16:creationId xmlns:a16="http://schemas.microsoft.com/office/drawing/2014/main" id="{BD3F3652-AE8E-6212-E047-F41733D02EA0}"/>
-              </a:ext>
-            </a:extLst>
-          </p:cNvPr>
-          <p:cNvSpPr>
-            <a:spLocks noGrp="1"/>
-          </p:cNvSpPr>
-          <p:nvPr>
-            <p:ph idx="1"/>
-          </p:nvPr>
-        </p:nvSpPr>
-        <p:spPr/>
-        <p:txBody>
-          <a:bodyPr/>
-          <a:lstStyle/>
-          <a:p>
-            <a:r>
-              <a:rPr lang="en-US" dirty="0"/>
-              <a:t>What the minimum amount of stuff we must deal with to make a prototype?</a:t>
-            </a:r>
-          </a:p>
-          <a:p>
-            <a:pPr lvl="1"/>
-            <a:r>
-              <a:rPr lang="en-US" dirty="0"/>
-              <a:t>We want an Analog front end/data converters, an FGPA, and a way to interface with a host device.</a:t>
-            </a:r>
-          </a:p>
-          <a:p>
-            <a:pPr lvl="2"/>
-            <a:r>
-              <a:rPr lang="en-US" dirty="0"/>
-              <a:t>Some radio nonideality corrections would be nice as well</a:t>
-            </a:r>
-          </a:p>
-        </p:txBody>
-      </p:sp>
-      <p:pic>
-        <p:nvPicPr>
-          <p:cNvPr id="5" name="Picture 4">
-            <a:extLst>
-              <a:ext uri="{FF2B5EF4-FFF2-40B4-BE49-F238E27FC236}">
-                <a16:creationId xmlns:a16="http://schemas.microsoft.com/office/drawing/2014/main" id="{F32579A7-F3BD-89E6-397D-8F83C282E7D8}"/>
-              </a:ext>
-            </a:extLst>
-          </p:cNvPr>
-          <p:cNvPicPr>
-            <a:picLocks noChangeAspect="1"/>
-          </p:cNvPicPr>
-          <p:nvPr/>
-        </p:nvPicPr>
-        <p:blipFill>
-          <a:blip r:embed="rId2"/>
-          <a:stretch>
-            <a:fillRect/>
-          </a:stretch>
-        </p:blipFill>
-        <p:spPr>
-          <a:xfrm>
-            <a:off x="5412508" y="3682252"/>
-            <a:ext cx="6299202" cy="3175748"/>
-          </a:xfrm>
-          <a:prstGeom prst="rect">
-            <a:avLst/>
-          </a:prstGeom>
-        </p:spPr>
-      </p:pic>
-    </p:spTree>
-    <p:extLst>
-      <p:ext uri="{BB962C8B-B14F-4D97-AF65-F5344CB8AC3E}">
-        <p14:creationId xmlns:p14="http://schemas.microsoft.com/office/powerpoint/2010/main" val="1825983147"/>
       </p:ext>
     </p:extLst>
   </p:cSld>
